--- a/mockito入门.pptx
+++ b/mockito入门.pptx
@@ -5,31 +5,34 @@
     <p:sldMasterId id="2147483648" r:id="rId1"/>
   </p:sldMasterIdLst>
   <p:notesMasterIdLst>
-    <p:notesMasterId r:id="rId25"/>
+    <p:notesMasterId r:id="rId4"/>
   </p:notesMasterIdLst>
   <p:sldIdLst>
     <p:sldId id="256" r:id="rId3"/>
-    <p:sldId id="257" r:id="rId4"/>
-    <p:sldId id="258" r:id="rId5"/>
+    <p:sldId id="257" r:id="rId5"/>
     <p:sldId id="259" r:id="rId6"/>
     <p:sldId id="260" r:id="rId7"/>
     <p:sldId id="273" r:id="rId8"/>
     <p:sldId id="261" r:id="rId9"/>
-    <p:sldId id="262" r:id="rId10"/>
-    <p:sldId id="263" r:id="rId11"/>
-    <p:sldId id="266" r:id="rId12"/>
-    <p:sldId id="274" r:id="rId13"/>
-    <p:sldId id="276" r:id="rId14"/>
-    <p:sldId id="275" r:id="rId15"/>
+    <p:sldId id="263" r:id="rId10"/>
+    <p:sldId id="266" r:id="rId11"/>
+    <p:sldId id="274" r:id="rId12"/>
+    <p:sldId id="276" r:id="rId13"/>
+    <p:sldId id="275" r:id="rId14"/>
+    <p:sldId id="295" r:id="rId15"/>
     <p:sldId id="277" r:id="rId16"/>
-    <p:sldId id="278" r:id="rId17"/>
-    <p:sldId id="279" r:id="rId18"/>
-    <p:sldId id="280" r:id="rId19"/>
-    <p:sldId id="281" r:id="rId20"/>
-    <p:sldId id="282" r:id="rId21"/>
-    <p:sldId id="283" r:id="rId22"/>
-    <p:sldId id="284" r:id="rId23"/>
-    <p:sldId id="272" r:id="rId24"/>
+    <p:sldId id="294" r:id="rId17"/>
+    <p:sldId id="278" r:id="rId18"/>
+    <p:sldId id="279" r:id="rId19"/>
+    <p:sldId id="280" r:id="rId20"/>
+    <p:sldId id="281" r:id="rId21"/>
+    <p:sldId id="282" r:id="rId22"/>
+    <p:sldId id="283" r:id="rId23"/>
+    <p:sldId id="292" r:id="rId24"/>
+    <p:sldId id="284" r:id="rId25"/>
+    <p:sldId id="296" r:id="rId26"/>
+    <p:sldId id="291" r:id="rId27"/>
+    <p:sldId id="272" r:id="rId28"/>
   </p:sldIdLst>
   <p:sldSz cx="9144000" cy="5143500"/>
   <p:notesSz cx="6858000" cy="9144000"/>
@@ -79,7 +82,7 @@
         </a:ln>
         <a:solidFill>
           <a:schemeClr val="accent4">
-            <a:lumOff val="-43999"/>
+            <a:lumOff val="-43997"/>
           </a:schemeClr>
         </a:solidFill>
         <a:effectLst/>
@@ -110,7 +113,7 @@
         </a:ln>
         <a:solidFill>
           <a:schemeClr val="accent4">
-            <a:lumOff val="-43999"/>
+            <a:lumOff val="-43997"/>
           </a:schemeClr>
         </a:solidFill>
         <a:effectLst/>
@@ -141,7 +144,7 @@
         </a:ln>
         <a:solidFill>
           <a:schemeClr val="accent4">
-            <a:lumOff val="-43999"/>
+            <a:lumOff val="-43997"/>
           </a:schemeClr>
         </a:solidFill>
         <a:effectLst/>
@@ -172,7 +175,7 @@
         </a:ln>
         <a:solidFill>
           <a:schemeClr val="accent4">
-            <a:lumOff val="-43999"/>
+            <a:lumOff val="-43997"/>
           </a:schemeClr>
         </a:solidFill>
         <a:effectLst/>
@@ -203,7 +206,7 @@
         </a:ln>
         <a:solidFill>
           <a:schemeClr val="accent4">
-            <a:lumOff val="-43999"/>
+            <a:lumOff val="-43997"/>
           </a:schemeClr>
         </a:solidFill>
         <a:effectLst/>
@@ -234,7 +237,7 @@
         </a:ln>
         <a:solidFill>
           <a:schemeClr val="accent4">
-            <a:lumOff val="-43999"/>
+            <a:lumOff val="-43997"/>
           </a:schemeClr>
         </a:solidFill>
         <a:effectLst/>
@@ -265,7 +268,7 @@
         </a:ln>
         <a:solidFill>
           <a:schemeClr val="accent4">
-            <a:lumOff val="-43999"/>
+            <a:lumOff val="-43997"/>
           </a:schemeClr>
         </a:solidFill>
         <a:effectLst/>
@@ -296,7 +299,7 @@
         </a:ln>
         <a:solidFill>
           <a:schemeClr val="accent4">
-            <a:lumOff val="-43999"/>
+            <a:lumOff val="-43997"/>
           </a:schemeClr>
         </a:solidFill>
         <a:effectLst/>
@@ -327,7 +330,7 @@
         </a:ln>
         <a:solidFill>
           <a:schemeClr val="accent4">
-            <a:lumOff val="-43999"/>
+            <a:lumOff val="-43997"/>
           </a:schemeClr>
         </a:solidFill>
         <a:effectLst/>
@@ -421,7 +424,7 @@
       <a:defRPr sz="1200">
         <a:solidFill>
           <a:schemeClr val="accent4">
-            <a:lumOff val="-43999"/>
+            <a:lumOff val="-43997"/>
           </a:schemeClr>
         </a:solidFill>
         <a:latin typeface="+mn-lt"/>
@@ -437,7 +440,7 @@
       <a:defRPr sz="1200">
         <a:solidFill>
           <a:schemeClr val="accent4">
-            <a:lumOff val="-43999"/>
+            <a:lumOff val="-43997"/>
           </a:schemeClr>
         </a:solidFill>
         <a:latin typeface="+mn-lt"/>
@@ -453,7 +456,7 @@
       <a:defRPr sz="1200">
         <a:solidFill>
           <a:schemeClr val="accent4">
-            <a:lumOff val="-43999"/>
+            <a:lumOff val="-43997"/>
           </a:schemeClr>
         </a:solidFill>
         <a:latin typeface="+mn-lt"/>
@@ -469,7 +472,7 @@
       <a:defRPr sz="1200">
         <a:solidFill>
           <a:schemeClr val="accent4">
-            <a:lumOff val="-43999"/>
+            <a:lumOff val="-43997"/>
           </a:schemeClr>
         </a:solidFill>
         <a:latin typeface="+mn-lt"/>
@@ -485,7 +488,7 @@
       <a:defRPr sz="1200">
         <a:solidFill>
           <a:schemeClr val="accent4">
-            <a:lumOff val="-43999"/>
+            <a:lumOff val="-43997"/>
           </a:schemeClr>
         </a:solidFill>
         <a:latin typeface="+mn-lt"/>
@@ -501,7 +504,7 @@
       <a:defRPr sz="1200">
         <a:solidFill>
           <a:schemeClr val="accent4">
-            <a:lumOff val="-43999"/>
+            <a:lumOff val="-43997"/>
           </a:schemeClr>
         </a:solidFill>
         <a:latin typeface="+mn-lt"/>
@@ -517,7 +520,7 @@
       <a:defRPr sz="1200">
         <a:solidFill>
           <a:schemeClr val="accent4">
-            <a:lumOff val="-43999"/>
+            <a:lumOff val="-43997"/>
           </a:schemeClr>
         </a:solidFill>
         <a:latin typeface="+mn-lt"/>
@@ -533,7 +536,7 @@
       <a:defRPr sz="1200">
         <a:solidFill>
           <a:schemeClr val="accent4">
-            <a:lumOff val="-43999"/>
+            <a:lumOff val="-43997"/>
           </a:schemeClr>
         </a:solidFill>
         <a:latin typeface="+mn-lt"/>
@@ -549,7 +552,7 @@
       <a:defRPr sz="1200">
         <a:solidFill>
           <a:schemeClr val="accent4">
-            <a:lumOff val="-43999"/>
+            <a:lumOff val="-43997"/>
           </a:schemeClr>
         </a:solidFill>
         <a:latin typeface="+mn-lt"/>
@@ -560,6 +563,588 @@
     </a:lvl9pPr>
   </p:notesStyle>
 </p:notesMaster>
+</file>
+
+<file path=ppt/notesSlides/notesSlide1.xml><?xml version="1.0" encoding="utf-8"?>
+<p:notes xmlns:a="http://schemas.openxmlformats.org/drawingml/2006/main" xmlns:r="http://schemas.openxmlformats.org/officeDocument/2006/relationships" xmlns:p="http://schemas.openxmlformats.org/presentationml/2006/main">
+  <p:cSld>
+    <p:spTree>
+      <p:nvGrpSpPr>
+        <p:cNvPr id="1" name=""/>
+        <p:cNvGrpSpPr/>
+        <p:nvPr/>
+      </p:nvGrpSpPr>
+      <p:grpSpPr/>
+      <p:sp>
+        <p:nvSpPr>
+          <p:cNvPr id="2" name="幻灯片图像占位符 1"/>
+          <p:cNvSpPr/>
+          <p:nvPr>
+            <p:ph type="sldImg"/>
+          </p:nvPr>
+        </p:nvSpPr>
+        <p:spPr/>
+      </p:sp>
+      <p:sp>
+        <p:nvSpPr>
+          <p:cNvPr id="3" name="文本占位符 2"/>
+          <p:cNvSpPr/>
+          <p:nvPr>
+            <p:ph type="body" idx="1"/>
+          </p:nvPr>
+        </p:nvSpPr>
+        <p:spPr/>
+        <p:txBody>
+          <a:bodyPr/>
+          <a:p>
+            <a:r>
+              <a:rPr lang="en-US" altLang="zh-CN"/>
+              <a:t> </a:t>
+            </a:r>
+            <a:r>
+              <a:rPr lang="zh-CN" altLang="en-US"/>
+              <a:t>引入 </a:t>
+            </a:r>
+            <a:r>
+              <a:rPr lang="en-US" altLang="zh-CN"/>
+              <a:t>mockito </a:t>
+            </a:r>
+            <a:endParaRPr lang="en-US" altLang="zh-CN"/>
+          </a:p>
+          <a:p>
+            <a:r>
+              <a:rPr lang="zh-CN" altLang="en-US"/>
+              <a:t>JUnit是单元测试框架，可以轻松的完成关联依赖关系少或者比较简单的类的单元测试，但是对于关联到其它比较复杂的类或对运行环境有要求的类的单元测试，模拟环境或者配置环境会非常耗时，实施单元测试比较困难。</a:t>
+            </a:r>
+            <a:endParaRPr lang="zh-CN" altLang="en-US"/>
+          </a:p>
+          <a:p>
+            <a:endParaRPr lang="zh-CN" altLang="en-US"/>
+          </a:p>
+          <a:p>
+            <a:r>
+              <a:rPr lang="zh-CN" altLang="en-US"/>
+              <a:t>可以通过mock框架模拟一个对象的行为，从而隔离开我们不关心的其他对象，使得测试变得简单。（例如service调用dao，即service依赖dao，我们可以通过mock dao来模拟真实的dao调用，从而能达到测试service的目的。）</a:t>
+            </a:r>
+            <a:endParaRPr lang="zh-CN" altLang="en-US"/>
+          </a:p>
+        </p:txBody>
+      </p:sp>
+    </p:spTree>
+  </p:cSld>
+  <p:clrMapOvr>
+    <a:masterClrMapping/>
+  </p:clrMapOvr>
+</p:notes>
+</file>
+
+<file path=ppt/notesSlides/notesSlide10.xml><?xml version="1.0" encoding="utf-8"?>
+<p:notes xmlns:a="http://schemas.openxmlformats.org/drawingml/2006/main" xmlns:r="http://schemas.openxmlformats.org/officeDocument/2006/relationships" xmlns:p="http://schemas.openxmlformats.org/presentationml/2006/main">
+  <p:cSld>
+    <p:spTree>
+      <p:nvGrpSpPr>
+        <p:cNvPr id="1" name=""/>
+        <p:cNvGrpSpPr/>
+        <p:nvPr/>
+      </p:nvGrpSpPr>
+      <p:grpSpPr/>
+      <p:sp>
+        <p:nvSpPr>
+          <p:cNvPr id="2" name="幻灯片图像占位符 1"/>
+          <p:cNvSpPr/>
+          <p:nvPr>
+            <p:ph type="sldImg"/>
+          </p:nvPr>
+        </p:nvSpPr>
+        <p:spPr/>
+      </p:sp>
+      <p:sp>
+        <p:nvSpPr>
+          <p:cNvPr id="3" name="文本占位符 2"/>
+          <p:cNvSpPr/>
+          <p:nvPr>
+            <p:ph type="body" idx="1"/>
+          </p:nvPr>
+        </p:nvSpPr>
+        <p:spPr/>
+        <p:txBody>
+          <a:bodyPr/>
+          <a:p>
+            <a:r>
+              <a:rPr lang="en-US" altLang="zh-CN"/>
+              <a:t>Spy:</a:t>
+            </a:r>
+            <a:r>
+              <a:rPr lang="zh-CN" altLang="en-US"/>
+              <a:t>对像监视器，</a:t>
+            </a:r>
+            <a:r>
+              <a:rPr lang="en-US" altLang="zh-CN"/>
+              <a:t>mock</a:t>
+            </a:r>
+            <a:r>
+              <a:rPr lang="zh-CN" altLang="en-US"/>
+              <a:t>真实的对像，必须手动</a:t>
+            </a:r>
+            <a:r>
+              <a:rPr lang="en-US" altLang="zh-CN"/>
+              <a:t>new</a:t>
+            </a:r>
+            <a:r>
+              <a:rPr lang="zh-CN" altLang="en-US">
+                <a:ea typeface="宋体" charset="0"/>
+              </a:rPr>
+              <a:t>，返回值也是真实的</a:t>
+            </a:r>
+            <a:r>
+              <a:rPr lang="en-US" altLang="zh-CN">
+                <a:ea typeface="宋体" charset="0"/>
+              </a:rPr>
+              <a:t>,</a:t>
+            </a:r>
+            <a:endParaRPr lang="en-US" altLang="zh-CN">
+              <a:ea typeface="宋体" charset="0"/>
+            </a:endParaRPr>
+          </a:p>
+        </p:txBody>
+      </p:sp>
+    </p:spTree>
+  </p:cSld>
+  <p:clrMapOvr>
+    <a:masterClrMapping/>
+  </p:clrMapOvr>
+</p:notes>
+</file>
+
+<file path=ppt/notesSlides/notesSlide2.xml><?xml version="1.0" encoding="utf-8"?>
+<p:notes xmlns:a="http://schemas.openxmlformats.org/drawingml/2006/main" xmlns:r="http://schemas.openxmlformats.org/officeDocument/2006/relationships" xmlns:p="http://schemas.openxmlformats.org/presentationml/2006/main">
+  <p:cSld>
+    <p:spTree>
+      <p:nvGrpSpPr>
+        <p:cNvPr id="1" name=""/>
+        <p:cNvGrpSpPr/>
+        <p:nvPr/>
+      </p:nvGrpSpPr>
+      <p:grpSpPr/>
+      <p:sp>
+        <p:nvSpPr>
+          <p:cNvPr id="2" name="幻灯片图像占位符 1"/>
+          <p:cNvSpPr/>
+          <p:nvPr>
+            <p:ph type="sldImg"/>
+          </p:nvPr>
+        </p:nvSpPr>
+        <p:spPr/>
+      </p:sp>
+      <p:sp>
+        <p:nvSpPr>
+          <p:cNvPr id="3" name="文本占位符 2"/>
+          <p:cNvSpPr/>
+          <p:nvPr>
+            <p:ph type="body" idx="1"/>
+          </p:nvPr>
+        </p:nvSpPr>
+        <p:spPr/>
+        <p:txBody>
+          <a:bodyPr/>
+          <a:p>
+            <a:r>
+              <a:rPr lang="en-US" altLang="zh-CN"/>
+              <a:t>Mockito   junit </a:t>
+            </a:r>
+            <a:r>
+              <a:rPr lang="zh-CN" altLang="en-US"/>
+              <a:t>区别</a:t>
+            </a:r>
+            <a:endParaRPr lang="zh-CN" altLang="en-US"/>
+          </a:p>
+        </p:txBody>
+      </p:sp>
+    </p:spTree>
+  </p:cSld>
+  <p:clrMapOvr>
+    <a:masterClrMapping/>
+  </p:clrMapOvr>
+</p:notes>
+</file>
+
+<file path=ppt/notesSlides/notesSlide3.xml><?xml version="1.0" encoding="utf-8"?>
+<p:notes xmlns:a="http://schemas.openxmlformats.org/drawingml/2006/main" xmlns:r="http://schemas.openxmlformats.org/officeDocument/2006/relationships" xmlns:p="http://schemas.openxmlformats.org/presentationml/2006/main">
+  <p:cSld>
+    <p:spTree>
+      <p:nvGrpSpPr>
+        <p:cNvPr id="1" name=""/>
+        <p:cNvGrpSpPr/>
+        <p:nvPr/>
+      </p:nvGrpSpPr>
+      <p:grpSpPr/>
+      <p:sp>
+        <p:nvSpPr>
+          <p:cNvPr id="2" name="幻灯片图像占位符 1"/>
+          <p:cNvSpPr/>
+          <p:nvPr>
+            <p:ph type="sldImg"/>
+          </p:nvPr>
+        </p:nvSpPr>
+        <p:spPr/>
+      </p:sp>
+      <p:sp>
+        <p:nvSpPr>
+          <p:cNvPr id="3" name="文本占位符 2"/>
+          <p:cNvSpPr/>
+          <p:nvPr>
+            <p:ph type="body" idx="1"/>
+          </p:nvPr>
+        </p:nvSpPr>
+        <p:spPr/>
+        <p:txBody>
+          <a:bodyPr/>
+          <a:p>
+            <a:endParaRPr lang="zh-CN" altLang="en-US"/>
+          </a:p>
+        </p:txBody>
+      </p:sp>
+    </p:spTree>
+  </p:cSld>
+  <p:clrMapOvr>
+    <a:masterClrMapping/>
+  </p:clrMapOvr>
+</p:notes>
+</file>
+
+<file path=ppt/notesSlides/notesSlide4.xml><?xml version="1.0" encoding="utf-8"?>
+<p:notes xmlns:a="http://schemas.openxmlformats.org/drawingml/2006/main" xmlns:r="http://schemas.openxmlformats.org/officeDocument/2006/relationships" xmlns:p="http://schemas.openxmlformats.org/presentationml/2006/main">
+  <p:cSld>
+    <p:spTree>
+      <p:nvGrpSpPr>
+        <p:cNvPr id="1" name=""/>
+        <p:cNvGrpSpPr/>
+        <p:nvPr/>
+      </p:nvGrpSpPr>
+      <p:grpSpPr/>
+      <p:sp>
+        <p:nvSpPr>
+          <p:cNvPr id="2" name="幻灯片图像占位符 1"/>
+          <p:cNvSpPr/>
+          <p:nvPr>
+            <p:ph type="sldImg"/>
+          </p:nvPr>
+        </p:nvSpPr>
+        <p:spPr/>
+      </p:sp>
+      <p:sp>
+        <p:nvSpPr>
+          <p:cNvPr id="3" name="文本占位符 2"/>
+          <p:cNvSpPr/>
+          <p:nvPr>
+            <p:ph type="body" idx="1"/>
+          </p:nvPr>
+        </p:nvSpPr>
+        <p:spPr/>
+        <p:txBody>
+          <a:bodyPr/>
+          <a:p>
+            <a:endParaRPr lang="zh-CN" altLang="en-US"/>
+          </a:p>
+        </p:txBody>
+      </p:sp>
+    </p:spTree>
+  </p:cSld>
+  <p:clrMapOvr>
+    <a:masterClrMapping/>
+  </p:clrMapOvr>
+</p:notes>
+</file>
+
+<file path=ppt/notesSlides/notesSlide5.xml><?xml version="1.0" encoding="utf-8"?>
+<p:notes xmlns:a="http://schemas.openxmlformats.org/drawingml/2006/main" xmlns:r="http://schemas.openxmlformats.org/officeDocument/2006/relationships" xmlns:p="http://schemas.openxmlformats.org/presentationml/2006/main">
+  <p:cSld>
+    <p:spTree>
+      <p:nvGrpSpPr>
+        <p:cNvPr id="1" name=""/>
+        <p:cNvGrpSpPr/>
+        <p:nvPr/>
+      </p:nvGrpSpPr>
+      <p:grpSpPr/>
+      <p:sp>
+        <p:nvSpPr>
+          <p:cNvPr id="2" name="幻灯片图像占位符 1"/>
+          <p:cNvSpPr/>
+          <p:nvPr>
+            <p:ph type="sldImg"/>
+          </p:nvPr>
+        </p:nvSpPr>
+        <p:spPr/>
+      </p:sp>
+      <p:sp>
+        <p:nvSpPr>
+          <p:cNvPr id="3" name="文本占位符 2"/>
+          <p:cNvSpPr/>
+          <p:nvPr>
+            <p:ph type="body" idx="1"/>
+          </p:nvPr>
+        </p:nvSpPr>
+        <p:spPr/>
+        <p:txBody>
+          <a:bodyPr/>
+          <a:p>
+            <a:endParaRPr lang="zh-CN" altLang="en-US"/>
+          </a:p>
+        </p:txBody>
+      </p:sp>
+    </p:spTree>
+  </p:cSld>
+  <p:clrMapOvr>
+    <a:masterClrMapping/>
+  </p:clrMapOvr>
+</p:notes>
+</file>
+
+<file path=ppt/notesSlides/notesSlide6.xml><?xml version="1.0" encoding="utf-8"?>
+<p:notes xmlns:a="http://schemas.openxmlformats.org/drawingml/2006/main" xmlns:r="http://schemas.openxmlformats.org/officeDocument/2006/relationships" xmlns:p="http://schemas.openxmlformats.org/presentationml/2006/main">
+  <p:cSld>
+    <p:spTree>
+      <p:nvGrpSpPr>
+        <p:cNvPr id="1" name=""/>
+        <p:cNvGrpSpPr/>
+        <p:nvPr/>
+      </p:nvGrpSpPr>
+      <p:grpSpPr/>
+      <p:sp>
+        <p:nvSpPr>
+          <p:cNvPr id="2" name="幻灯片图像占位符 1"/>
+          <p:cNvSpPr/>
+          <p:nvPr>
+            <p:ph type="sldImg"/>
+          </p:nvPr>
+        </p:nvSpPr>
+        <p:spPr/>
+      </p:sp>
+      <p:sp>
+        <p:nvSpPr>
+          <p:cNvPr id="3" name="文本占位符 2"/>
+          <p:cNvSpPr/>
+          <p:nvPr>
+            <p:ph type="body" idx="1"/>
+          </p:nvPr>
+        </p:nvSpPr>
+        <p:spPr/>
+        <p:txBody>
+          <a:bodyPr/>
+          <a:p>
+            <a:endParaRPr lang="zh-CN" altLang="en-US"/>
+          </a:p>
+        </p:txBody>
+      </p:sp>
+    </p:spTree>
+  </p:cSld>
+  <p:clrMapOvr>
+    <a:masterClrMapping/>
+  </p:clrMapOvr>
+</p:notes>
+</file>
+
+<file path=ppt/notesSlides/notesSlide7.xml><?xml version="1.0" encoding="utf-8"?>
+<p:notes xmlns:a="http://schemas.openxmlformats.org/drawingml/2006/main" xmlns:r="http://schemas.openxmlformats.org/officeDocument/2006/relationships" xmlns:p="http://schemas.openxmlformats.org/presentationml/2006/main">
+  <p:cSld>
+    <p:spTree>
+      <p:nvGrpSpPr>
+        <p:cNvPr id="1" name=""/>
+        <p:cNvGrpSpPr/>
+        <p:nvPr/>
+      </p:nvGrpSpPr>
+      <p:grpSpPr/>
+      <p:sp>
+        <p:nvSpPr>
+          <p:cNvPr id="2" name="幻灯片图像占位符 1"/>
+          <p:cNvSpPr/>
+          <p:nvPr>
+            <p:ph type="sldImg"/>
+          </p:nvPr>
+        </p:nvSpPr>
+        <p:spPr/>
+      </p:sp>
+      <p:sp>
+        <p:nvSpPr>
+          <p:cNvPr id="3" name="文本占位符 2"/>
+          <p:cNvSpPr/>
+          <p:nvPr>
+            <p:ph type="body" idx="1"/>
+          </p:nvPr>
+        </p:nvSpPr>
+        <p:spPr/>
+        <p:txBody>
+          <a:bodyPr/>
+          <a:p>
+            <a:r>
+              <a:rPr lang="zh-CN" altLang="en-US"/>
+              <a:t>预定会议，依赖</a:t>
+            </a:r>
+            <a:r>
+              <a:rPr lang="en-US" altLang="zh-CN"/>
+              <a:t>exchange</a:t>
+            </a:r>
+            <a:r>
+              <a:rPr lang="zh-CN" altLang="en-US"/>
+              <a:t>接口</a:t>
+            </a:r>
+            <a:endParaRPr lang="zh-CN" altLang="en-US"/>
+          </a:p>
+        </p:txBody>
+      </p:sp>
+    </p:spTree>
+  </p:cSld>
+  <p:clrMapOvr>
+    <a:masterClrMapping/>
+  </p:clrMapOvr>
+</p:notes>
+</file>
+
+<file path=ppt/notesSlides/notesSlide8.xml><?xml version="1.0" encoding="utf-8"?>
+<p:notes xmlns:a="http://schemas.openxmlformats.org/drawingml/2006/main" xmlns:r="http://schemas.openxmlformats.org/officeDocument/2006/relationships" xmlns:p="http://schemas.openxmlformats.org/presentationml/2006/main">
+  <p:cSld>
+    <p:spTree>
+      <p:nvGrpSpPr>
+        <p:cNvPr id="1" name=""/>
+        <p:cNvGrpSpPr/>
+        <p:nvPr/>
+      </p:nvGrpSpPr>
+      <p:grpSpPr/>
+      <p:sp>
+        <p:nvSpPr>
+          <p:cNvPr id="2" name="幻灯片图像占位符 1"/>
+          <p:cNvSpPr/>
+          <p:nvPr>
+            <p:ph type="sldImg"/>
+          </p:nvPr>
+        </p:nvSpPr>
+        <p:spPr/>
+      </p:sp>
+      <p:sp>
+        <p:nvSpPr>
+          <p:cNvPr id="3" name="文本占位符 2"/>
+          <p:cNvSpPr/>
+          <p:nvPr>
+            <p:ph type="body" idx="1"/>
+          </p:nvPr>
+        </p:nvSpPr>
+        <p:spPr/>
+        <p:txBody>
+          <a:bodyPr/>
+          <a:p>
+            <a:r>
+              <a:rPr lang="en-US" altLang="zh-CN"/>
+              <a:t>Mock </a:t>
+            </a:r>
+            <a:r>
+              <a:rPr lang="zh-CN" altLang="en-US"/>
+              <a:t>外部依赖，</a:t>
+            </a:r>
+            <a:r>
+              <a:rPr lang="en-US" altLang="zh-CN"/>
+              <a:t>redis ....    </a:t>
+            </a:r>
+            <a:r>
+              <a:rPr lang="zh-CN" altLang="en-US"/>
+              <a:t>想到什么问题，</a:t>
+            </a:r>
+            <a:r>
+              <a:rPr lang="en-US" altLang="zh-CN"/>
+              <a:t> </a:t>
+            </a:r>
+            <a:r>
+              <a:rPr lang="zh-CN" altLang="en-US"/>
+              <a:t>还有哪些</a:t>
+            </a:r>
+            <a:r>
+              <a:rPr lang="en-US" altLang="zh-CN"/>
+              <a:t>Mock </a:t>
+            </a:r>
+            <a:r>
+              <a:rPr lang="zh-CN" altLang="en-US"/>
+              <a:t>不了的？引如 </a:t>
+            </a:r>
+            <a:r>
+              <a:rPr lang="en-US" altLang="zh-CN"/>
+              <a:t>private static final....</a:t>
+            </a:r>
+            <a:endParaRPr lang="en-US" altLang="zh-CN"/>
+          </a:p>
+        </p:txBody>
+      </p:sp>
+    </p:spTree>
+  </p:cSld>
+  <p:clrMapOvr>
+    <a:masterClrMapping/>
+  </p:clrMapOvr>
+</p:notes>
+</file>
+
+<file path=ppt/notesSlides/notesSlide9.xml><?xml version="1.0" encoding="utf-8"?>
+<p:notes xmlns:a="http://schemas.openxmlformats.org/drawingml/2006/main" xmlns:r="http://schemas.openxmlformats.org/officeDocument/2006/relationships" xmlns:p="http://schemas.openxmlformats.org/presentationml/2006/main">
+  <p:cSld>
+    <p:spTree>
+      <p:nvGrpSpPr>
+        <p:cNvPr id="1" name=""/>
+        <p:cNvGrpSpPr/>
+        <p:nvPr/>
+      </p:nvGrpSpPr>
+      <p:grpSpPr/>
+      <p:sp>
+        <p:nvSpPr>
+          <p:cNvPr id="2" name="幻灯片图像占位符 1"/>
+          <p:cNvSpPr/>
+          <p:nvPr>
+            <p:ph type="sldImg"/>
+          </p:nvPr>
+        </p:nvSpPr>
+        <p:spPr/>
+      </p:sp>
+      <p:sp>
+        <p:nvSpPr>
+          <p:cNvPr id="3" name="文本占位符 2"/>
+          <p:cNvSpPr/>
+          <p:nvPr>
+            <p:ph type="body" idx="1"/>
+          </p:nvPr>
+        </p:nvSpPr>
+        <p:spPr/>
+        <p:txBody>
+          <a:bodyPr/>
+          <a:p>
+            <a:r>
+              <a:rPr lang="en-US" altLang="zh-CN"/>
+              <a:t>PowerMock </a:t>
+            </a:r>
+            <a:r>
+              <a:rPr lang="zh-CN" altLang="en-US"/>
+              <a:t>原理，继</a:t>
+            </a:r>
+            <a:r>
+              <a:rPr lang="en-US" altLang="zh-CN"/>
+              <a:t>Mockito ,</a:t>
+            </a:r>
+            <a:r>
+              <a:rPr lang="zh-CN" altLang="en-US"/>
+              <a:t>它有两个重要的依赖:javassist和objenesis。</a:t>
+            </a:r>
+            <a:endParaRPr lang="zh-CN" altLang="en-US"/>
+          </a:p>
+          <a:p>
+            <a:r>
+              <a:rPr lang="zh-CN" altLang="en-US"/>
+              <a:t>javassist是一个修改java字节码的工具包,objenesis是一个绕过构造方法来实例化一个对象的工具包。由此看来,PowerMock的本质是通过修改字节码来实现对静态和final等方法的mock的。</a:t>
+            </a:r>
+            <a:endParaRPr lang="zh-CN" altLang="en-US"/>
+          </a:p>
+        </p:txBody>
+      </p:sp>
+    </p:spTree>
+  </p:cSld>
+  <p:clrMapOvr>
+    <a:masterClrMapping/>
+  </p:clrMapOvr>
+</p:notes>
 </file>
 
 <file path=ppt/slideLayouts/slideLayout1.xml><?xml version="1.0" encoding="utf-8"?>
@@ -6192,8 +6777,8 @@
         </p:nvSpPr>
         <p:spPr>
           <a:xfrm>
-            <a:off x="3429776" y="1643055"/>
-            <a:ext cx="2357120" cy="553085"/>
+            <a:off x="3433586" y="1643055"/>
+            <a:ext cx="2349500" cy="553085"/>
           </a:xfrm>
           <a:prstGeom prst="rect">
             <a:avLst/>
@@ -6222,7 +6807,11 @@
           <a:p>
             <a:pPr algn="ctr"/>
             <a:r>
-              <a:t>mockito入门</a:t>
+              <a:rPr lang="en-US"/>
+              <a:t>M</a:t>
+            </a:r>
+            <a:r>
+              <a:t>ockito入门</a:t>
             </a:r>
           </a:p>
         </p:txBody>
@@ -6346,85 +6935,6 @@
       </p:grpSpPr>
       <p:sp>
         <p:nvSpPr>
-          <p:cNvPr id="417" name="Shape 417"/>
-          <p:cNvSpPr/>
-          <p:nvPr/>
-        </p:nvSpPr>
-        <p:spPr>
-          <a:xfrm>
-            <a:off x="3251200" y="2286000"/>
-            <a:ext cx="2495995" cy="624840"/>
-          </a:xfrm>
-          <a:prstGeom prst="rect">
-            <a:avLst/>
-          </a:prstGeom>
-          <a:ln w="12700">
-            <a:miter lim="400000"/>
-          </a:ln>
-        </p:spPr>
-        <p:txBody>
-          <a:bodyPr wrap="none" lIns="45719" rIns="45719">
-            <a:spAutoFit/>
-          </a:bodyPr>
-          <a:lstStyle>
-            <a:lvl1pPr>
-              <a:defRPr sz="3000" b="1">
-                <a:solidFill>
-                  <a:srgbClr val="C9394A"/>
-                </a:solidFill>
-                <a:latin typeface="微软雅黑"/>
-                <a:ea typeface="微软雅黑"/>
-                <a:cs typeface="微软雅黑"/>
-                <a:sym typeface="微软雅黑"/>
-              </a:defRPr>
-            </a:lvl1pPr>
-          </a:lstStyle>
-          <a:p>
-            <a:r>
-              <a:t>第二部分 实践</a:t>
-            </a:r>
-          </a:p>
-        </p:txBody>
-      </p:sp>
-    </p:spTree>
-  </p:cSld>
-  <p:clrMapOvr>
-    <a:masterClrMapping/>
-  </p:clrMapOvr>
-  <mc:AlternateContent xmlns:mc="http://schemas.openxmlformats.org/markup-compatibility/2006">
-    <mc:Choice xmlns:p14="http://schemas.microsoft.com/office/powerpoint/2010/main" Requires="p14">
-      <p:transition p14:dur="9">
-        <p:random/>
-      </p:transition>
-    </mc:Choice>
-    <mc:Fallback>
-      <p:transition>
-        <p:random/>
-      </p:transition>
-    </mc:Fallback>
-  </mc:AlternateContent>
-</p:sld>
-</file>
-
-<file path=ppt/slides/slide11.xml><?xml version="1.0" encoding="utf-8"?>
-<p:sld xmlns:a="http://schemas.openxmlformats.org/drawingml/2006/main" xmlns:r="http://schemas.openxmlformats.org/officeDocument/2006/relationships" xmlns:p="http://schemas.openxmlformats.org/presentationml/2006/main">
-  <p:cSld>
-    <p:spTree>
-      <p:nvGrpSpPr>
-        <p:cNvPr id="1" name=""/>
-        <p:cNvGrpSpPr/>
-        <p:nvPr/>
-      </p:nvGrpSpPr>
-      <p:grpSpPr>
-        <a:xfrm>
-          <a:off x="0" y="0"/>
-          <a:ext cx="0" cy="0"/>
-          <a:chOff x="0" y="0"/>
-          <a:chExt cx="0" cy="0"/>
-        </a:xfrm>
-      </p:grpSpPr>
-      <p:sp>
-        <p:nvSpPr>
           <p:cNvPr id="326" name="Shape 326"/>
           <p:cNvSpPr/>
           <p:nvPr/>
@@ -6432,7 +6942,7 @@
         <p:spPr>
           <a:xfrm>
             <a:off x="3340151" y="497054"/>
-            <a:ext cx="2928620" cy="553085"/>
+            <a:ext cx="1616710" cy="553085"/>
           </a:xfrm>
           <a:prstGeom prst="rect">
             <a:avLst/>
@@ -6471,15 +6981,15 @@
               </a:defRPr>
             </a:pPr>
             <a:r>
-              <a:rPr sz="3000">
+              <a:rPr lang="zh-CN" sz="3000">
                 <a:solidFill>
                   <a:srgbClr val="FF0000"/>
                 </a:solidFill>
                 <a:sym typeface="+mn-ea"/>
               </a:rPr>
-              <a:t>添加maven依赖</a:t>
-            </a:r>
-            <a:endParaRPr sz="3000">
+              <a:t>常用例子</a:t>
+            </a:r>
+            <a:endParaRPr lang="zh-CN" sz="3000">
               <a:solidFill>
                 <a:srgbClr val="FF0000"/>
               </a:solidFill>
@@ -6515,175 +7025,6 @@
           </a:ln>
         </p:spPr>
       </p:pic>
-      <p:pic>
-        <p:nvPicPr>
-          <p:cNvPr id="2" name="图片 1"/>
-          <p:cNvPicPr>
-            <a:picLocks noChangeAspect="1"/>
-          </p:cNvPicPr>
-          <p:nvPr/>
-        </p:nvPicPr>
-        <p:blipFill>
-          <a:blip r:embed="rId2"/>
-          <a:stretch>
-            <a:fillRect/>
-          </a:stretch>
-        </p:blipFill>
-        <p:spPr>
-          <a:xfrm>
-            <a:off x="1632585" y="1403350"/>
-            <a:ext cx="6019800" cy="3454400"/>
-          </a:xfrm>
-          <a:prstGeom prst="rect">
-            <a:avLst/>
-          </a:prstGeom>
-        </p:spPr>
-      </p:pic>
-    </p:spTree>
-  </p:cSld>
-  <p:clrMapOvr>
-    <a:masterClrMapping/>
-  </p:clrMapOvr>
-  <mc:AlternateContent xmlns:mc="http://schemas.openxmlformats.org/markup-compatibility/2006">
-    <mc:Choice xmlns:p14="http://schemas.microsoft.com/office/powerpoint/2010/main" Requires="p14">
-      <p:transition p14:dur="9">
-        <p:random/>
-      </p:transition>
-    </mc:Choice>
-    <mc:Fallback>
-      <p:transition>
-        <p:random/>
-      </p:transition>
-    </mc:Fallback>
-  </mc:AlternateContent>
-  <p:timing>
-    <p:tnLst>
-      <p:par>
-        <p:cTn id="1" dur="indefinite" restart="never" fill="hold" nodeType="tmRoot"/>
-      </p:par>
-    </p:tnLst>
-  </p:timing>
-</p:sld>
-</file>
-
-<file path=ppt/slides/slide12.xml><?xml version="1.0" encoding="utf-8"?>
-<p:sld xmlns:a="http://schemas.openxmlformats.org/drawingml/2006/main" xmlns:r="http://schemas.openxmlformats.org/officeDocument/2006/relationships" xmlns:p="http://schemas.openxmlformats.org/presentationml/2006/main">
-  <p:cSld>
-    <p:spTree>
-      <p:nvGrpSpPr>
-        <p:cNvPr id="1" name=""/>
-        <p:cNvGrpSpPr/>
-        <p:nvPr/>
-      </p:nvGrpSpPr>
-      <p:grpSpPr>
-        <a:xfrm>
-          <a:off x="0" y="0"/>
-          <a:ext cx="0" cy="0"/>
-          <a:chOff x="0" y="0"/>
-          <a:chExt cx="0" cy="0"/>
-        </a:xfrm>
-      </p:grpSpPr>
-      <p:sp>
-        <p:nvSpPr>
-          <p:cNvPr id="326" name="Shape 326"/>
-          <p:cNvSpPr/>
-          <p:nvPr/>
-        </p:nvSpPr>
-        <p:spPr>
-          <a:xfrm>
-            <a:off x="3340151" y="497054"/>
-            <a:ext cx="1616710" cy="553085"/>
-          </a:xfrm>
-          <a:prstGeom prst="rect">
-            <a:avLst/>
-          </a:prstGeom>
-          <a:ln w="12700">
-            <a:miter lim="400000"/>
-          </a:ln>
-        </p:spPr>
-        <p:txBody>
-          <a:bodyPr wrap="none" lIns="45719" rIns="45719">
-            <a:spAutoFit/>
-          </a:bodyPr>
-          <a:lstStyle>
-            <a:lvl1pPr>
-              <a:defRPr sz="3000" b="1">
-                <a:solidFill>
-                  <a:srgbClr val="C94251"/>
-                </a:solidFill>
-                <a:latin typeface="微软雅黑"/>
-                <a:ea typeface="微软雅黑"/>
-                <a:cs typeface="微软雅黑"/>
-                <a:sym typeface="微软雅黑"/>
-              </a:defRPr>
-            </a:lvl1pPr>
-          </a:lstStyle>
-          <a:p>
-            <a:pPr lvl="1" indent="0" algn="l">
-              <a:spcBef>
-                <a:spcPts val="400"/>
-              </a:spcBef>
-              <a:defRPr b="1">
-                <a:latin typeface="微软雅黑"/>
-                <a:ea typeface="微软雅黑"/>
-                <a:cs typeface="微软雅黑"/>
-                <a:sym typeface="微软雅黑"/>
-              </a:defRPr>
-            </a:pPr>
-            <a:r>
-              <a:rPr lang="zh-CN" sz="3000">
-                <a:solidFill>
-                  <a:srgbClr val="FF0000"/>
-                </a:solidFill>
-                <a:sym typeface="+mn-ea"/>
-              </a:rPr>
-              <a:t>常用</a:t>
-            </a:r>
-            <a:r>
-              <a:rPr lang="zh-CN" sz="3000">
-                <a:solidFill>
-                  <a:srgbClr val="FF0000"/>
-                </a:solidFill>
-                <a:sym typeface="+mn-ea"/>
-              </a:rPr>
-              <a:t>例子</a:t>
-            </a:r>
-            <a:endParaRPr lang="zh-CN" sz="3000">
-              <a:solidFill>
-                <a:srgbClr val="FF0000"/>
-              </a:solidFill>
-              <a:sym typeface="+mn-ea"/>
-            </a:endParaRPr>
-          </a:p>
-        </p:txBody>
-      </p:sp>
-      <p:pic>
-        <p:nvPicPr>
-          <p:cNvPr id="327" name="image1.gif"/>
-          <p:cNvPicPr/>
-          <p:nvPr/>
-        </p:nvPicPr>
-        <p:blipFill>
-          <a:blip r:embed="rId1"/>
-          <a:stretch>
-            <a:fillRect/>
-          </a:stretch>
-        </p:blipFill>
-        <p:spPr>
-          <a:xfrm>
-            <a:off x="-2653701" y="4857443"/>
-            <a:ext cx="2243533" cy="2243528"/>
-          </a:xfrm>
-          <a:prstGeom prst="rect">
-            <a:avLst/>
-          </a:prstGeom>
-          <a:ln w="12700">
-            <a:miter lim="400000"/>
-            <a:headEnd/>
-            <a:tailEnd/>
-          </a:ln>
-        </p:spPr>
-      </p:pic>
       <p:sp>
         <p:nvSpPr>
           <p:cNvPr id="318" name="Shape 318"/>
@@ -6744,7 +7085,7 @@
         </p:nvSpPr>
         <p:spPr>
           <a:xfrm>
-            <a:off x="1146492" y="1691164"/>
+            <a:off x="1146492" y="2265204"/>
             <a:ext cx="7186613" cy="368300"/>
           </a:xfrm>
           <a:prstGeom prst="rect">
@@ -6781,7 +7122,7 @@
             </a:pPr>
             <a:r>
               <a:rPr lang="en-US"/>
-              <a:t>2</a:t>
+              <a:t>3</a:t>
             </a:r>
             <a:r>
               <a:t>.模拟我们所期望的结果 </a:t>
@@ -6797,7 +7138,7 @@
         </p:nvSpPr>
         <p:spPr>
           <a:xfrm>
-            <a:off x="1129982" y="2105184"/>
+            <a:off x="1129982" y="2750979"/>
             <a:ext cx="7186613" cy="368300"/>
           </a:xfrm>
           <a:prstGeom prst="rect">
@@ -6834,7 +7175,7 @@
             </a:pPr>
             <a:r>
               <a:rPr lang="en-US"/>
-              <a:t>3</a:t>
+              <a:t>4</a:t>
             </a:r>
             <a:r>
               <a:t>.模拟方法体抛出异常 </a:t>
@@ -6850,7 +7191,7 @@
         </p:nvSpPr>
         <p:spPr>
           <a:xfrm>
-            <a:off x="1113472" y="2447449"/>
+            <a:off x="1113472" y="3236754"/>
             <a:ext cx="7186613" cy="368300"/>
           </a:xfrm>
           <a:prstGeom prst="rect">
@@ -6887,7 +7228,7 @@
             </a:pPr>
             <a:r>
               <a:rPr lang="en-US"/>
-              <a:t>4</a:t>
+              <a:t>5</a:t>
             </a:r>
             <a:r>
               <a:t>.参数匹配</a:t>
@@ -6903,7 +7244,7 @@
         </p:nvSpPr>
         <p:spPr>
           <a:xfrm>
-            <a:off x="1096962" y="2789714"/>
+            <a:off x="1096962" y="3650774"/>
             <a:ext cx="7186613" cy="368300"/>
           </a:xfrm>
           <a:prstGeom prst="rect">
@@ -6940,10 +7281,62 @@
             </a:pPr>
             <a:r>
               <a:rPr lang="en-US"/>
-              <a:t>5</a:t>
+              <a:t>6</a:t>
             </a:r>
             <a:r>
               <a:t>.验证执行顺序</a:t>
+            </a:r>
+          </a:p>
+        </p:txBody>
+      </p:sp>
+      <p:sp>
+        <p:nvSpPr>
+          <p:cNvPr id="2" name="Shape 318"/>
+          <p:cNvSpPr/>
+          <p:nvPr/>
+        </p:nvSpPr>
+        <p:spPr>
+          <a:xfrm>
+            <a:off x="1129982" y="1746409"/>
+            <a:ext cx="7186613" cy="368300"/>
+          </a:xfrm>
+          <a:prstGeom prst="rect">
+            <a:avLst/>
+          </a:prstGeom>
+          <a:pattFill prst="pct5">
+            <a:fgClr>
+              <a:schemeClr val="bg1"/>
+            </a:fgClr>
+            <a:bgClr>
+              <a:schemeClr val="bg1"/>
+            </a:bgClr>
+          </a:pattFill>
+          <a:ln w="12700">
+            <a:miter lim="400000"/>
+          </a:ln>
+        </p:spPr>
+        <p:txBody>
+          <a:bodyPr lIns="45719" rIns="45719" anchor="ctr">
+            <a:spAutoFit/>
+          </a:bodyPr>
+          <a:p>
+            <a:pPr lvl="1" indent="0">
+              <a:spcBef>
+                <a:spcPts val="400"/>
+              </a:spcBef>
+              <a:defRPr b="1">
+                <a:latin typeface="微软雅黑"/>
+                <a:ea typeface="微软雅黑"/>
+                <a:cs typeface="微软雅黑"/>
+                <a:sym typeface="微软雅黑"/>
+              </a:defRPr>
+            </a:pPr>
+            <a:r>
+              <a:rPr lang="en-US"/>
+              <a:t>2</a:t>
+            </a:r>
+            <a:r>
+              <a:t>. 验证确切的调用次数 </a:t>
             </a:r>
           </a:p>
         </p:txBody>
@@ -7088,7 +7481,7 @@
                                       <p:cBhvr>
                                         <p:cTn id="12" dur="indefinite" fill="hold"/>
                                         <p:tgtEl>
-                                          <p:spTgt spid="3"/>
+                                          <p:spTgt spid="2"/>
                                         </p:tgtEl>
                                         <p:attrNameLst>
                                           <p:attrName>style.visibility</p:attrName>
@@ -7102,7 +7495,7 @@
                                       <p:cBhvr>
                                         <p:cTn id="13" dur="500" fill="hold"/>
                                         <p:tgtEl>
-                                          <p:spTgt spid="3"/>
+                                          <p:spTgt spid="2"/>
                                         </p:tgtEl>
                                         <p:attrNameLst>
                                           <p:attrName>ppt_x</p:attrName>
@@ -7125,7 +7518,7 @@
                                       <p:cBhvr>
                                         <p:cTn id="14" dur="500" fill="hold"/>
                                         <p:tgtEl>
-                                          <p:spTgt spid="3"/>
+                                          <p:spTgt spid="2"/>
                                         </p:tgtEl>
                                         <p:attrNameLst>
                                           <p:attrName>ppt_y</p:attrName>
@@ -7178,7 +7571,7 @@
                                       <p:cBhvr>
                                         <p:cTn id="18" dur="indefinite" fill="hold"/>
                                         <p:tgtEl>
-                                          <p:spTgt spid="4"/>
+                                          <p:spTgt spid="3"/>
                                         </p:tgtEl>
                                         <p:attrNameLst>
                                           <p:attrName>style.visibility</p:attrName>
@@ -7192,7 +7585,7 @@
                                       <p:cBhvr>
                                         <p:cTn id="19" dur="500" fill="hold"/>
                                         <p:tgtEl>
-                                          <p:spTgt spid="4"/>
+                                          <p:spTgt spid="3"/>
                                         </p:tgtEl>
                                         <p:attrNameLst>
                                           <p:attrName>ppt_x</p:attrName>
@@ -7215,7 +7608,7 @@
                                       <p:cBhvr>
                                         <p:cTn id="20" dur="500" fill="hold"/>
                                         <p:tgtEl>
-                                          <p:spTgt spid="4"/>
+                                          <p:spTgt spid="3"/>
                                         </p:tgtEl>
                                         <p:attrNameLst>
                                           <p:attrName>ppt_y</p:attrName>
@@ -7268,7 +7661,7 @@
                                       <p:cBhvr>
                                         <p:cTn id="24" dur="indefinite" fill="hold"/>
                                         <p:tgtEl>
-                                          <p:spTgt spid="5"/>
+                                          <p:spTgt spid="4"/>
                                         </p:tgtEl>
                                         <p:attrNameLst>
                                           <p:attrName>style.visibility</p:attrName>
@@ -7282,7 +7675,7 @@
                                       <p:cBhvr>
                                         <p:cTn id="25" dur="500" fill="hold"/>
                                         <p:tgtEl>
-                                          <p:spTgt spid="5"/>
+                                          <p:spTgt spid="4"/>
                                         </p:tgtEl>
                                         <p:attrNameLst>
                                           <p:attrName>ppt_x</p:attrName>
@@ -7305,7 +7698,7 @@
                                       <p:cBhvr>
                                         <p:cTn id="26" dur="500" fill="hold"/>
                                         <p:tgtEl>
-                                          <p:spTgt spid="5"/>
+                                          <p:spTgt spid="4"/>
                                         </p:tgtEl>
                                         <p:attrNameLst>
                                           <p:attrName>ppt_y</p:attrName>
@@ -7358,6 +7751,96 @@
                                       <p:cBhvr>
                                         <p:cTn id="30" dur="indefinite" fill="hold"/>
                                         <p:tgtEl>
+                                          <p:spTgt spid="5"/>
+                                        </p:tgtEl>
+                                        <p:attrNameLst>
+                                          <p:attrName>style.visibility</p:attrName>
+                                        </p:attrNameLst>
+                                      </p:cBhvr>
+                                      <p:to>
+                                        <p:strVal val="visible"/>
+                                      </p:to>
+                                    </p:set>
+                                    <p:anim calcmode="lin" valueType="num">
+                                      <p:cBhvr>
+                                        <p:cTn id="31" dur="500" fill="hold"/>
+                                        <p:tgtEl>
+                                          <p:spTgt spid="5"/>
+                                        </p:tgtEl>
+                                        <p:attrNameLst>
+                                          <p:attrName>ppt_x</p:attrName>
+                                        </p:attrNameLst>
+                                      </p:cBhvr>
+                                      <p:tavLst>
+                                        <p:tav tm="0">
+                                          <p:val>
+                                            <p:strVal val="#ppt_x"/>
+                                          </p:val>
+                                        </p:tav>
+                                        <p:tav tm="100000">
+                                          <p:val>
+                                            <p:strVal val="#ppt_x"/>
+                                          </p:val>
+                                        </p:tav>
+                                      </p:tavLst>
+                                    </p:anim>
+                                    <p:anim calcmode="lin" valueType="num">
+                                      <p:cBhvr>
+                                        <p:cTn id="32" dur="500" fill="hold"/>
+                                        <p:tgtEl>
+                                          <p:spTgt spid="5"/>
+                                        </p:tgtEl>
+                                        <p:attrNameLst>
+                                          <p:attrName>ppt_y</p:attrName>
+                                        </p:attrNameLst>
+                                      </p:cBhvr>
+                                      <p:tavLst>
+                                        <p:tav tm="0">
+                                          <p:val>
+                                            <p:strVal val="1+#ppt_h/2"/>
+                                          </p:val>
+                                        </p:tav>
+                                        <p:tav tm="100000">
+                                          <p:val>
+                                            <p:strVal val="#ppt_y"/>
+                                          </p:val>
+                                        </p:tav>
+                                      </p:tavLst>
+                                    </p:anim>
+                                  </p:childTnLst>
+                                </p:cTn>
+                              </p:par>
+                            </p:childTnLst>
+                          </p:cTn>
+                        </p:par>
+                      </p:childTnLst>
+                    </p:cTn>
+                  </p:par>
+                  <p:par>
+                    <p:cTn id="33" fill="hold">
+                      <p:stCondLst>
+                        <p:cond delay="indefinite"/>
+                      </p:stCondLst>
+                      <p:childTnLst>
+                        <p:par>
+                          <p:cTn id="34" fill="hold">
+                            <p:stCondLst>
+                              <p:cond delay="0"/>
+                            </p:stCondLst>
+                            <p:childTnLst>
+                              <p:par>
+                                <p:cTn id="35" presetID="2" presetClass="entr" presetSubtype="4" fill="hold" grpId="1" nodeType="clickEffect">
+                                  <p:stCondLst>
+                                    <p:cond delay="0"/>
+                                  </p:stCondLst>
+                                  <p:iterate type="el">
+                                    <p:tmAbs val="0"/>
+                                  </p:iterate>
+                                  <p:childTnLst>
+                                    <p:set>
+                                      <p:cBhvr>
+                                        <p:cTn id="36" dur="indefinite" fill="hold"/>
+                                        <p:tgtEl>
                                           <p:spTgt spid="6"/>
                                         </p:tgtEl>
                                         <p:attrNameLst>
@@ -7370,7 +7853,7 @@
                                     </p:set>
                                     <p:anim calcmode="lin" valueType="num">
                                       <p:cBhvr>
-                                        <p:cTn id="31" dur="500" fill="hold"/>
+                                        <p:cTn id="37" dur="500" fill="hold"/>
                                         <p:tgtEl>
                                           <p:spTgt spid="6"/>
                                         </p:tgtEl>
@@ -7393,7 +7876,7 @@
                                     </p:anim>
                                     <p:anim calcmode="lin" valueType="num">
                                       <p:cBhvr>
-                                        <p:cTn id="32" dur="500" fill="hold"/>
+                                        <p:cTn id="38" dur="500" fill="hold"/>
                                         <p:tgtEl>
                                           <p:spTgt spid="6"/>
                                         </p:tgtEl>
@@ -7450,7 +7933,250 @@
       <p:bldP spid="4" grpId="1" bldLvl="0" animBg="1" advAuto="0"/>
       <p:bldP spid="5" grpId="1" bldLvl="0" animBg="1" advAuto="0"/>
       <p:bldP spid="6" grpId="1" bldLvl="0" animBg="1" advAuto="0"/>
+      <p:bldP spid="2" grpId="1" bldLvl="0" animBg="1" advAuto="0"/>
     </p:bldLst>
+  </p:timing>
+</p:sld>
+</file>
+
+<file path=ppt/slides/slide11.xml><?xml version="1.0" encoding="utf-8"?>
+<p:sld xmlns:a="http://schemas.openxmlformats.org/drawingml/2006/main" xmlns:r="http://schemas.openxmlformats.org/officeDocument/2006/relationships" xmlns:p="http://schemas.openxmlformats.org/presentationml/2006/main">
+  <p:cSld>
+    <p:spTree>
+      <p:nvGrpSpPr>
+        <p:cNvPr id="1" name=""/>
+        <p:cNvGrpSpPr/>
+        <p:nvPr/>
+      </p:nvGrpSpPr>
+      <p:grpSpPr>
+        <a:xfrm>
+          <a:off x="0" y="0"/>
+          <a:ext cx="0" cy="0"/>
+          <a:chOff x="0" y="0"/>
+          <a:chExt cx="0" cy="0"/>
+        </a:xfrm>
+      </p:grpSpPr>
+      <p:sp>
+        <p:nvSpPr>
+          <p:cNvPr id="381" name="Shape 381"/>
+          <p:cNvSpPr/>
+          <p:nvPr/>
+        </p:nvSpPr>
+        <p:spPr>
+          <a:xfrm>
+            <a:off x="3176042" y="397192"/>
+            <a:ext cx="4002405" cy="553085"/>
+          </a:xfrm>
+          <a:prstGeom prst="rect">
+            <a:avLst/>
+          </a:prstGeom>
+          <a:ln w="12700">
+            <a:miter lim="400000"/>
+          </a:ln>
+        </p:spPr>
+        <p:txBody>
+          <a:bodyPr wrap="none" lIns="45719" rIns="45719">
+            <a:spAutoFit/>
+          </a:bodyPr>
+          <a:lstStyle>
+            <a:lvl1pPr>
+              <a:defRPr sz="3000" b="1">
+                <a:solidFill>
+                  <a:srgbClr val="C9394A"/>
+                </a:solidFill>
+                <a:latin typeface="微软雅黑"/>
+                <a:ea typeface="微软雅黑"/>
+                <a:cs typeface="微软雅黑"/>
+                <a:sym typeface="微软雅黑"/>
+              </a:defRPr>
+            </a:lvl1pPr>
+          </a:lstStyle>
+          <a:p>
+            <a:pPr algn="l"/>
+            <a:r>
+              <a:rPr lang="en-US">
+                <a:sym typeface="+mn-ea"/>
+              </a:rPr>
+              <a:t>Mock dao </a:t>
+            </a:r>
+            <a:r>
+              <a:rPr lang="zh-CN" altLang="en-US">
+                <a:sym typeface="+mn-ea"/>
+              </a:rPr>
+              <a:t>数据库操作</a:t>
+            </a:r>
+            <a:endParaRPr lang="zh-CN" altLang="en-US"/>
+          </a:p>
+        </p:txBody>
+      </p:sp>
+      <p:pic>
+        <p:nvPicPr>
+          <p:cNvPr id="2" name="图片 1"/>
+          <p:cNvPicPr>
+            <a:picLocks noChangeAspect="1"/>
+          </p:cNvPicPr>
+          <p:nvPr/>
+        </p:nvPicPr>
+        <p:blipFill>
+          <a:blip r:embed="rId1"/>
+          <a:stretch>
+            <a:fillRect/>
+          </a:stretch>
+        </p:blipFill>
+        <p:spPr>
+          <a:xfrm>
+            <a:off x="488950" y="1259840"/>
+            <a:ext cx="8522335" cy="2908300"/>
+          </a:xfrm>
+          <a:prstGeom prst="rect">
+            <a:avLst/>
+          </a:prstGeom>
+        </p:spPr>
+      </p:pic>
+    </p:spTree>
+  </p:cSld>
+  <p:clrMapOvr>
+    <a:masterClrMapping/>
+  </p:clrMapOvr>
+  <mc:AlternateContent xmlns:mc="http://schemas.openxmlformats.org/markup-compatibility/2006">
+    <mc:Choice xmlns:p14="http://schemas.microsoft.com/office/powerpoint/2010/main" Requires="p14">
+      <p:transition p14:dur="9">
+        <p:random/>
+      </p:transition>
+    </mc:Choice>
+    <mc:Fallback>
+      <p:transition>
+        <p:random/>
+      </p:transition>
+    </mc:Fallback>
+  </mc:AlternateContent>
+  <p:timing>
+    <p:tnLst>
+      <p:par>
+        <p:cTn id="1" dur="indefinite" restart="never" fill="hold" nodeType="tmRoot"/>
+      </p:par>
+    </p:tnLst>
+  </p:timing>
+</p:sld>
+</file>
+
+<file path=ppt/slides/slide12.xml><?xml version="1.0" encoding="utf-8"?>
+<p:sld xmlns:a="http://schemas.openxmlformats.org/drawingml/2006/main" xmlns:r="http://schemas.openxmlformats.org/officeDocument/2006/relationships" xmlns:p="http://schemas.openxmlformats.org/presentationml/2006/main">
+  <p:cSld>
+    <p:spTree>
+      <p:nvGrpSpPr>
+        <p:cNvPr id="1" name=""/>
+        <p:cNvGrpSpPr/>
+        <p:nvPr/>
+      </p:nvGrpSpPr>
+      <p:grpSpPr>
+        <a:xfrm>
+          <a:off x="0" y="0"/>
+          <a:ext cx="0" cy="0"/>
+          <a:chOff x="0" y="0"/>
+          <a:chExt cx="0" cy="0"/>
+        </a:xfrm>
+      </p:grpSpPr>
+      <p:sp>
+        <p:nvSpPr>
+          <p:cNvPr id="381" name="Shape 381"/>
+          <p:cNvSpPr/>
+          <p:nvPr/>
+        </p:nvSpPr>
+        <p:spPr>
+          <a:xfrm>
+            <a:off x="3176042" y="397192"/>
+            <a:ext cx="4002405" cy="553085"/>
+          </a:xfrm>
+          <a:prstGeom prst="rect">
+            <a:avLst/>
+          </a:prstGeom>
+          <a:ln w="12700">
+            <a:miter lim="400000"/>
+          </a:ln>
+        </p:spPr>
+        <p:txBody>
+          <a:bodyPr wrap="none" lIns="45719" rIns="45719">
+            <a:spAutoFit/>
+          </a:bodyPr>
+          <a:lstStyle>
+            <a:lvl1pPr>
+              <a:defRPr sz="3000" b="1">
+                <a:solidFill>
+                  <a:srgbClr val="C9394A"/>
+                </a:solidFill>
+                <a:latin typeface="微软雅黑"/>
+                <a:ea typeface="微软雅黑"/>
+                <a:cs typeface="微软雅黑"/>
+                <a:sym typeface="微软雅黑"/>
+              </a:defRPr>
+            </a:lvl1pPr>
+          </a:lstStyle>
+          <a:p>
+            <a:pPr algn="l"/>
+            <a:r>
+              <a:rPr lang="en-US">
+                <a:sym typeface="+mn-ea"/>
+              </a:rPr>
+              <a:t>Mock dao </a:t>
+            </a:r>
+            <a:r>
+              <a:rPr lang="zh-CN" altLang="en-US">
+                <a:sym typeface="+mn-ea"/>
+              </a:rPr>
+              <a:t>数据库操作</a:t>
+            </a:r>
+            <a:endParaRPr lang="zh-CN" altLang="en-US"/>
+          </a:p>
+        </p:txBody>
+      </p:sp>
+      <p:pic>
+        <p:nvPicPr>
+          <p:cNvPr id="6" name="图片 5"/>
+          <p:cNvPicPr>
+            <a:picLocks noChangeAspect="1"/>
+          </p:cNvPicPr>
+          <p:nvPr/>
+        </p:nvPicPr>
+        <p:blipFill>
+          <a:blip r:embed="rId1"/>
+          <a:stretch>
+            <a:fillRect/>
+          </a:stretch>
+        </p:blipFill>
+        <p:spPr>
+          <a:xfrm>
+            <a:off x="531495" y="918210"/>
+            <a:ext cx="8484235" cy="4387215"/>
+          </a:xfrm>
+          <a:prstGeom prst="rect">
+            <a:avLst/>
+          </a:prstGeom>
+        </p:spPr>
+      </p:pic>
+    </p:spTree>
+  </p:cSld>
+  <p:clrMapOvr>
+    <a:masterClrMapping/>
+  </p:clrMapOvr>
+  <mc:AlternateContent xmlns:mc="http://schemas.openxmlformats.org/markup-compatibility/2006">
+    <mc:Choice xmlns:p14="http://schemas.microsoft.com/office/powerpoint/2010/main" Requires="p14">
+      <p:transition p14:dur="9">
+        <p:random/>
+      </p:transition>
+    </mc:Choice>
+    <mc:Fallback>
+      <p:transition>
+        <p:random/>
+      </p:transition>
+    </mc:Fallback>
+  </mc:AlternateContent>
+  <p:timing>
+    <p:tnLst>
+      <p:par>
+        <p:cTn id="1" dur="indefinite" restart="never" fill="hold" nodeType="tmRoot"/>
+      </p:par>
+    </p:tnLst>
   </p:timing>
 </p:sld>
 </file>
@@ -7481,7 +8207,7 @@
         <p:spPr>
           <a:xfrm>
             <a:off x="3176042" y="397192"/>
-            <a:ext cx="4458970" cy="553085"/>
+            <a:ext cx="3620770" cy="553085"/>
           </a:xfrm>
           <a:prstGeom prst="rect">
             <a:avLst/>
@@ -7513,21 +8239,23 @@
               <a:rPr lang="en-US">
                 <a:sym typeface="+mn-ea"/>
               </a:rPr>
-              <a:t>Mockito dao </a:t>
+              <a:t>Mock dao </a:t>
             </a:r>
             <a:r>
               <a:rPr lang="zh-CN" altLang="en-US">
                 <a:sym typeface="+mn-ea"/>
               </a:rPr>
-              <a:t>数据库操作</a:t>
-            </a:r>
-            <a:endParaRPr lang="zh-CN" altLang="en-US"/>
+              <a:t>外部接口</a:t>
+            </a:r>
+            <a:endParaRPr lang="zh-CN" altLang="en-US">
+              <a:sym typeface="+mn-ea"/>
+            </a:endParaRPr>
           </a:p>
         </p:txBody>
       </p:sp>
       <p:pic>
         <p:nvPicPr>
-          <p:cNvPr id="6" name="图片 5"/>
+          <p:cNvPr id="3" name="图片 2"/>
           <p:cNvPicPr>
             <a:picLocks noChangeAspect="1"/>
           </p:cNvPicPr>
@@ -7541,8 +8269,32 @@
         </p:blipFill>
         <p:spPr>
           <a:xfrm>
-            <a:off x="531495" y="918210"/>
-            <a:ext cx="8484235" cy="4387215"/>
+            <a:off x="843915" y="854710"/>
+            <a:ext cx="7455535" cy="2167890"/>
+          </a:xfrm>
+          <a:prstGeom prst="rect">
+            <a:avLst/>
+          </a:prstGeom>
+        </p:spPr>
+      </p:pic>
+      <p:pic>
+        <p:nvPicPr>
+          <p:cNvPr id="4" name="图片 3"/>
+          <p:cNvPicPr>
+            <a:picLocks noChangeAspect="1"/>
+          </p:cNvPicPr>
+          <p:nvPr/>
+        </p:nvPicPr>
+        <p:blipFill>
+          <a:blip r:embed="rId2"/>
+          <a:stretch>
+            <a:fillRect/>
+          </a:stretch>
+        </p:blipFill>
+        <p:spPr>
+          <a:xfrm>
+            <a:off x="843915" y="3140710"/>
+            <a:ext cx="6744335" cy="1940560"/>
           </a:xfrm>
           <a:prstGeom prst="rect">
             <a:avLst/>
@@ -7602,7 +8354,7 @@
         <p:spPr>
           <a:xfrm>
             <a:off x="3176042" y="397192"/>
-            <a:ext cx="4458970" cy="553085"/>
+            <a:ext cx="3620770" cy="553085"/>
           </a:xfrm>
           <a:prstGeom prst="rect">
             <a:avLst/>
@@ -7634,206 +8386,44 @@
               <a:rPr lang="en-US">
                 <a:sym typeface="+mn-ea"/>
               </a:rPr>
-              <a:t>Mockito dao </a:t>
+              <a:t>Mock dao </a:t>
             </a:r>
             <a:r>
               <a:rPr lang="zh-CN" altLang="en-US">
                 <a:sym typeface="+mn-ea"/>
               </a:rPr>
-              <a:t>数据库操作</a:t>
-            </a:r>
-            <a:endParaRPr lang="zh-CN" altLang="en-US"/>
+              <a:t>外部接口</a:t>
+            </a:r>
+            <a:endParaRPr lang="zh-CN" altLang="en-US">
+              <a:sym typeface="+mn-ea"/>
+            </a:endParaRPr>
           </a:p>
         </p:txBody>
       </p:sp>
-      <p:sp>
-        <p:nvSpPr>
-          <p:cNvPr id="2" name="文本框 1"/>
-          <p:cNvSpPr txBox="1"/>
+      <p:pic>
+        <p:nvPicPr>
+          <p:cNvPr id="2" name="图片 1"/>
+          <p:cNvPicPr>
+            <a:picLocks noChangeAspect="1"/>
+          </p:cNvPicPr>
           <p:nvPr/>
-        </p:nvSpPr>
+        </p:nvPicPr>
+        <p:blipFill>
+          <a:blip r:embed="rId1"/>
+          <a:stretch>
+            <a:fillRect/>
+          </a:stretch>
+        </p:blipFill>
         <p:spPr>
           <a:xfrm>
-            <a:off x="1503680" y="2175510"/>
-            <a:ext cx="5584190" cy="367030"/>
+            <a:off x="1271905" y="1035050"/>
+            <a:ext cx="7218680" cy="3905250"/>
           </a:xfrm>
           <a:prstGeom prst="rect">
             <a:avLst/>
           </a:prstGeom>
-          <a:noFill/>
-          <a:ln w="12700" cap="flat">
-            <a:noFill/>
-            <a:miter lim="400000"/>
-          </a:ln>
-        </p:spPr>
-        <p:style>
-          <a:lnRef idx="0">
-            <a:srgbClr val="FFFFFF"/>
-          </a:lnRef>
-          <a:fillRef idx="0">
-            <a:srgbClr val="FFFFFF"/>
-          </a:fillRef>
-          <a:effectRef idx="0">
-            <a:srgbClr val="FFFFFF"/>
-          </a:effectRef>
-          <a:fontRef idx="none"/>
-        </p:style>
-        <p:txBody>
-          <a:bodyPr rot="0" vertOverflow="overflow" horzOverflow="overflow" vert="horz" wrap="none" lIns="45719" tIns="45719" rIns="45719" bIns="45719" numCol="1" spcCol="38100" rtlCol="0" anchor="t" forceAA="0" upright="0">
-            <a:spAutoFit/>
-          </a:bodyPr>
-          <a:p>
-            <a:pPr marL="0" marR="0" indent="0" algn="l" defTabSz="914400" rtl="0" fontAlgn="auto" latinLnBrk="0" hangingPunct="0">
-              <a:lnSpc>
-                <a:spcPct val="100000"/>
-              </a:lnSpc>
-              <a:spcBef>
-                <a:spcPts val="0"/>
-              </a:spcBef>
-              <a:spcAft>
-                <a:spcPts val="0"/>
-              </a:spcAft>
-              <a:buClrTx/>
-              <a:buSzTx/>
-              <a:buFontTx/>
-              <a:buNone/>
-            </a:pPr>
-            <a:r>
-              <a:rPr kumimoji="0" lang="zh-CN" altLang="en-US" sz="1800" b="0" i="0" u="none" strike="noStrike" cap="none" spc="0" normalizeH="0" baseline="0">
-                <a:ln>
-                  <a:noFill/>
-                </a:ln>
-                <a:solidFill>
-                  <a:schemeClr val="accent4">
-                    <a:lumOff val="-43999"/>
-                  </a:schemeClr>
-                </a:solidFill>
-                <a:effectLst/>
-                <a:uFillTx/>
-                <a:latin typeface="Cambria"/>
-                <a:ea typeface="Cambria"/>
-                <a:cs typeface="Cambria"/>
-                <a:sym typeface="Cambria"/>
-              </a:rPr>
-              <a:t>扩展：依赖方法、</a:t>
-            </a:r>
-            <a:r>
-              <a:rPr lang="zh-CN" altLang="en-US">
-                <a:solidFill>
-                  <a:schemeClr val="accent4">
-                    <a:lumOff val="-43998"/>
-                  </a:schemeClr>
-                </a:solidFill>
-                <a:sym typeface="Cambria"/>
-              </a:rPr>
-              <a:t>依赖</a:t>
-            </a:r>
-            <a:r>
-              <a:rPr kumimoji="0" lang="zh-CN" altLang="en-US" sz="1800" b="0" i="0" u="none" strike="noStrike" cap="none" spc="0" normalizeH="0" baseline="0">
-                <a:ln>
-                  <a:noFill/>
-                </a:ln>
-                <a:solidFill>
-                  <a:schemeClr val="accent4">
-                    <a:lumOff val="-43999"/>
-                  </a:schemeClr>
-                </a:solidFill>
-                <a:effectLst/>
-                <a:uFillTx/>
-                <a:latin typeface="Cambria"/>
-                <a:ea typeface="Cambria"/>
-                <a:cs typeface="Cambria"/>
-                <a:sym typeface="Cambria"/>
-              </a:rPr>
-              <a:t>外部接口、</a:t>
-            </a:r>
-            <a:r>
-              <a:rPr lang="zh-CN" altLang="en-US">
-                <a:solidFill>
-                  <a:schemeClr val="accent4">
-                    <a:lumOff val="-43998"/>
-                  </a:schemeClr>
-                </a:solidFill>
-                <a:sym typeface="Cambria"/>
-              </a:rPr>
-              <a:t>依赖</a:t>
-            </a:r>
-            <a:r>
-              <a:rPr kumimoji="0" lang="en-US" altLang="zh-CN" sz="1800" b="0" i="0" u="none" strike="noStrike" cap="none" spc="0" normalizeH="0" baseline="0">
-                <a:ln>
-                  <a:noFill/>
-                </a:ln>
-                <a:solidFill>
-                  <a:schemeClr val="accent4">
-                    <a:lumOff val="-43999"/>
-                  </a:schemeClr>
-                </a:solidFill>
-                <a:effectLst/>
-                <a:uFillTx/>
-                <a:latin typeface="Cambria"/>
-                <a:ea typeface="Cambria"/>
-                <a:cs typeface="Cambria"/>
-                <a:sym typeface="Cambria"/>
-              </a:rPr>
-              <a:t>redis</a:t>
-            </a:r>
-            <a:r>
-              <a:rPr kumimoji="0" lang="zh-CN" altLang="en-US" sz="1800" b="0" i="0" u="none" strike="noStrike" cap="none" spc="0" normalizeH="0" baseline="0">
-                <a:ln>
-                  <a:noFill/>
-                </a:ln>
-                <a:solidFill>
-                  <a:schemeClr val="accent4">
-                    <a:lumOff val="-43999"/>
-                  </a:schemeClr>
-                </a:solidFill>
-                <a:effectLst/>
-                <a:uFillTx/>
-                <a:latin typeface="Cambria"/>
-                <a:ea typeface="Cambria"/>
-                <a:cs typeface="Cambria"/>
-                <a:sym typeface="Cambria"/>
-              </a:rPr>
-              <a:t>服务</a:t>
-            </a:r>
-            <a:r>
-              <a:rPr kumimoji="0" lang="en-US" altLang="zh-CN" sz="1800" b="0" i="0" u="none" strike="noStrike" cap="none" spc="0" normalizeH="0" baseline="0">
-                <a:ln>
-                  <a:noFill/>
-                </a:ln>
-                <a:solidFill>
-                  <a:schemeClr val="accent4">
-                    <a:lumOff val="-43999"/>
-                  </a:schemeClr>
-                </a:solidFill>
-                <a:effectLst/>
-                <a:uFillTx/>
-                <a:latin typeface="Cambria"/>
-                <a:ea typeface="Cambria"/>
-                <a:cs typeface="Cambria"/>
-                <a:sym typeface="Cambria"/>
-              </a:rPr>
-              <a:t>.........</a:t>
-            </a:r>
-            <a:endParaRPr kumimoji="0" lang="zh-CN" altLang="en-US" sz="1800" b="0" i="0" u="none" strike="noStrike" cap="none" spc="0" normalizeH="0" baseline="0">
-              <a:ln>
-                <a:noFill/>
-              </a:ln>
-              <a:solidFill>
-                <a:schemeClr val="accent4">
-                  <a:lumOff val="-43999"/>
-                </a:schemeClr>
-              </a:solidFill>
-              <a:effectLst/>
-              <a:uFillTx/>
-              <a:latin typeface="Cambria"/>
-              <a:ea typeface="Cambria"/>
-              <a:cs typeface="Cambria"/>
-              <a:sym typeface="Cambria"/>
-            </a:endParaRPr>
-          </a:p>
-        </p:txBody>
-      </p:sp>
+        </p:spPr>
+      </p:pic>
     </p:spTree>
   </p:cSld>
   <p:clrMapOvr>
@@ -7887,7 +8477,7 @@
         <p:spPr>
           <a:xfrm>
             <a:off x="3176042" y="397192"/>
-            <a:ext cx="2961640" cy="553085"/>
+            <a:ext cx="2752090" cy="553085"/>
           </a:xfrm>
           <a:prstGeom prst="rect">
             <a:avLst/>
@@ -7929,7 +8519,7 @@
               <a:rPr lang="en-US" sz="3000">
                 <a:sym typeface="+mn-ea"/>
               </a:rPr>
-              <a:t>Mokito </a:t>
+              <a:t>Mock </a:t>
             </a:r>
             <a:r>
               <a:rPr lang="zh-CN" altLang="en-US" sz="3000">
@@ -7950,7 +8540,7 @@
         <p:spPr>
           <a:xfrm>
             <a:off x="1503680" y="955675"/>
-            <a:ext cx="6622415" cy="2305685"/>
+            <a:ext cx="6622415" cy="2860040"/>
           </a:xfrm>
           <a:prstGeom prst="rect">
             <a:avLst/>
@@ -8000,7 +8590,7 @@
                 </a:ln>
                 <a:solidFill>
                   <a:schemeClr val="accent4">
-                    <a:lumOff val="-43998"/>
+                    <a:lumOff val="-43996"/>
                   </a:schemeClr>
                 </a:solidFill>
                 <a:effectLst/>
@@ -8010,7 +8600,7 @@
                 <a:cs typeface="Cambria"/>
                 <a:sym typeface="Cambria"/>
               </a:rPr>
-              <a:t>   PowerMock有两个重要的注解：</a:t>
+              <a:t> PowerMock有两个重要的注解：</a:t>
             </a:r>
             <a:endParaRPr kumimoji="0" sz="1800" b="0" i="0" u="none" strike="noStrike" cap="none" spc="0" normalizeH="0" baseline="0">
               <a:ln>
@@ -8018,7 +8608,7 @@
               </a:ln>
               <a:solidFill>
                 <a:schemeClr val="accent4">
-                  <a:lumOff val="-43998"/>
+                  <a:lumOff val="-43996"/>
                 </a:schemeClr>
               </a:solidFill>
               <a:effectLst/>
@@ -8052,7 +8642,7 @@
                 </a:ln>
                 <a:solidFill>
                   <a:schemeClr val="accent4">
-                    <a:lumOff val="-43998"/>
+                    <a:lumOff val="-43996"/>
                   </a:schemeClr>
                 </a:solidFill>
                 <a:effectLst/>
@@ -8062,7 +8652,7 @@
                 <a:cs typeface="Cambria"/>
                 <a:sym typeface="Cambria"/>
               </a:rPr>
-              <a:t>      @RunWith(PowerMockRunner.class)</a:t>
+              <a:t> @RunWith(PowerMockRunner.class)</a:t>
             </a:r>
             <a:endParaRPr kumimoji="0" sz="1800" b="0" i="0" u="none" strike="noStrike" cap="none" spc="0" normalizeH="0" baseline="0">
               <a:ln>
@@ -8070,7 +8660,7 @@
               </a:ln>
               <a:solidFill>
                 <a:schemeClr val="accent4">
-                  <a:lumOff val="-43998"/>
+                  <a:lumOff val="-43996"/>
                 </a:schemeClr>
               </a:solidFill>
               <a:effectLst/>
@@ -8104,7 +8694,7 @@
                 </a:ln>
                 <a:solidFill>
                   <a:schemeClr val="accent4">
-                    <a:lumOff val="-43998"/>
+                    <a:lumOff val="-43996"/>
                   </a:schemeClr>
                 </a:solidFill>
                 <a:effectLst/>
@@ -8122,7 +8712,7 @@
               </a:ln>
               <a:solidFill>
                 <a:schemeClr val="accent4">
-                  <a:lumOff val="-43998"/>
+                  <a:lumOff val="-43996"/>
                 </a:schemeClr>
               </a:solidFill>
               <a:effectLst/>
@@ -8149,32 +8739,13 @@
               <a:buFontTx/>
               <a:buNone/>
             </a:pPr>
-            <a:r>
-              <a:rPr kumimoji="0" sz="1800" b="0" i="0" u="none" strike="noStrike" cap="none" spc="0" normalizeH="0" baseline="0">
-                <a:ln>
-                  <a:noFill/>
-                </a:ln>
-                <a:solidFill>
-                  <a:schemeClr val="accent4">
-                    <a:lumOff val="-43998"/>
-                  </a:schemeClr>
-                </a:solidFill>
-                <a:effectLst/>
-                <a:uFillTx/>
-                <a:latin typeface="Cambria"/>
-                <a:ea typeface="Cambria"/>
-                <a:cs typeface="Cambria"/>
-                <a:sym typeface="Cambria"/>
-              </a:rPr>
-              <a:t>      如果你的测试用例里没有使用注解@PrepareForTest，</a:t>
-            </a:r>
             <a:endParaRPr kumimoji="0" sz="1800" b="0" i="0" u="none" strike="noStrike" cap="none" spc="0" normalizeH="0" baseline="0">
               <a:ln>
                 <a:noFill/>
               </a:ln>
               <a:solidFill>
                 <a:schemeClr val="accent4">
-                  <a:lumOff val="-43998"/>
+                  <a:lumOff val="-43996"/>
                 </a:schemeClr>
               </a:solidFill>
               <a:effectLst/>
@@ -8208,7 +8779,7 @@
                 </a:ln>
                 <a:solidFill>
                   <a:schemeClr val="accent4">
-                    <a:lumOff val="-43998"/>
+                    <a:lumOff val="-43996"/>
                   </a:schemeClr>
                 </a:solidFill>
                 <a:effectLst/>
@@ -8218,7 +8789,7 @@
                 <a:cs typeface="Cambria"/>
                 <a:sym typeface="Cambria"/>
               </a:rPr>
-              <a:t>那么可以不用加注解@RunWith(PowerMockRunner.class)，</a:t>
+              <a:t>      如果你的测试用例里没有使用注解@PrepareForTest，</a:t>
             </a:r>
             <a:endParaRPr kumimoji="0" sz="1800" b="0" i="0" u="none" strike="noStrike" cap="none" spc="0" normalizeH="0" baseline="0">
               <a:ln>
@@ -8226,7 +8797,7 @@
               </a:ln>
               <a:solidFill>
                 <a:schemeClr val="accent4">
-                  <a:lumOff val="-43998"/>
+                  <a:lumOff val="-43996"/>
                 </a:schemeClr>
               </a:solidFill>
               <a:effectLst/>
@@ -8260,7 +8831,7 @@
                 </a:ln>
                 <a:solidFill>
                   <a:schemeClr val="accent4">
-                    <a:lumOff val="-43998"/>
+                    <a:lumOff val="-43996"/>
                   </a:schemeClr>
                 </a:solidFill>
                 <a:effectLst/>
@@ -8270,7 +8841,7 @@
                 <a:cs typeface="Cambria"/>
                 <a:sym typeface="Cambria"/>
               </a:rPr>
-              <a:t>反之亦然。当你需要使用PowerMock强大功能</a:t>
+              <a:t>那么可以不用加注解@RunWith(PowerMockRunner.class)，</a:t>
             </a:r>
             <a:endParaRPr kumimoji="0" sz="1800" b="0" i="0" u="none" strike="noStrike" cap="none" spc="0" normalizeH="0" baseline="0">
               <a:ln>
@@ -8278,7 +8849,7 @@
               </a:ln>
               <a:solidFill>
                 <a:schemeClr val="accent4">
-                  <a:lumOff val="-43998"/>
+                  <a:lumOff val="-43996"/>
                 </a:schemeClr>
               </a:solidFill>
               <a:effectLst/>
@@ -8312,7 +8883,7 @@
                 </a:ln>
                 <a:solidFill>
                   <a:schemeClr val="accent4">
-                    <a:lumOff val="-43998"/>
+                    <a:lumOff val="-43996"/>
                   </a:schemeClr>
                 </a:solidFill>
                 <a:effectLst/>
@@ -8322,7 +8893,7 @@
                 <a:cs typeface="Cambria"/>
                 <a:sym typeface="Cambria"/>
               </a:rPr>
-              <a:t>（Mock静态、final、私有方法等）的时候，</a:t>
+              <a:t>反之亦然。</a:t>
             </a:r>
             <a:endParaRPr kumimoji="0" sz="1800" b="0" i="0" u="none" strike="noStrike" cap="none" spc="0" normalizeH="0" baseline="0">
               <a:ln>
@@ -8330,7 +8901,7 @@
               </a:ln>
               <a:solidFill>
                 <a:schemeClr val="accent4">
-                  <a:lumOff val="-43998"/>
+                  <a:lumOff val="-43996"/>
                 </a:schemeClr>
               </a:solidFill>
               <a:effectLst/>
@@ -8357,6 +8928,39 @@
               <a:buFontTx/>
               <a:buNone/>
             </a:pPr>
+            <a:endParaRPr kumimoji="0" sz="1800" b="0" i="0" u="none" strike="noStrike" cap="none" spc="0" normalizeH="0" baseline="0">
+              <a:ln>
+                <a:noFill/>
+              </a:ln>
+              <a:solidFill>
+                <a:schemeClr val="accent4">
+                  <a:lumOff val="-43996"/>
+                </a:schemeClr>
+              </a:solidFill>
+              <a:effectLst/>
+              <a:uFillTx/>
+              <a:latin typeface="Cambria"/>
+              <a:ea typeface="Cambria"/>
+              <a:cs typeface="Cambria"/>
+              <a:sym typeface="Cambria"/>
+            </a:endParaRPr>
+          </a:p>
+          <a:p>
+            <a:pPr marL="0" marR="0" indent="0" algn="l" defTabSz="914400" rtl="0" fontAlgn="auto" latinLnBrk="0" hangingPunct="0">
+              <a:lnSpc>
+                <a:spcPct val="100000"/>
+              </a:lnSpc>
+              <a:spcBef>
+                <a:spcPts val="0"/>
+              </a:spcBef>
+              <a:spcAft>
+                <a:spcPts val="0"/>
+              </a:spcAft>
+              <a:buClrTx/>
+              <a:buSzTx/>
+              <a:buFontTx/>
+              <a:buNone/>
+            </a:pPr>
             <a:r>
               <a:rPr kumimoji="0" sz="1800" b="0" i="0" u="none" strike="noStrike" cap="none" spc="0" normalizeH="0" baseline="0">
                 <a:ln>
@@ -8364,7 +8968,7 @@
                 </a:ln>
                 <a:solidFill>
                   <a:schemeClr val="accent4">
-                    <a:lumOff val="-43998"/>
+                    <a:lumOff val="-43996"/>
                   </a:schemeClr>
                 </a:solidFill>
                 <a:effectLst/>
@@ -8374,7 +8978,7 @@
                 <a:cs typeface="Cambria"/>
                 <a:sym typeface="Cambria"/>
               </a:rPr>
-              <a:t>就需要加注解@PrepareForTest</a:t>
+              <a:t>当你需要使用PowerMock强大功能（Mock静态、final、私有方法等）的时候，就需要加注解@PrepareForTest</a:t>
             </a:r>
             <a:endParaRPr kumimoji="0" sz="1800" b="0" i="0" u="none" strike="noStrike" cap="none" spc="0" normalizeH="0" baseline="0">
               <a:ln>
@@ -8382,7 +8986,7 @@
               </a:ln>
               <a:solidFill>
                 <a:schemeClr val="accent4">
-                  <a:lumOff val="-43998"/>
+                  <a:lumOff val="-43996"/>
                 </a:schemeClr>
               </a:solidFill>
               <a:effectLst/>
@@ -8448,7 +9052,7 @@
         <p:spPr>
           <a:xfrm>
             <a:off x="3176042" y="397192"/>
-            <a:ext cx="2961640" cy="553085"/>
+            <a:ext cx="2752090" cy="553085"/>
           </a:xfrm>
           <a:prstGeom prst="rect">
             <a:avLst/>
@@ -8490,7 +9094,7 @@
               <a:rPr lang="en-US" sz="3000">
                 <a:sym typeface="+mn-ea"/>
               </a:rPr>
-              <a:t>Mokito </a:t>
+              <a:t>Mock </a:t>
             </a:r>
             <a:r>
               <a:rPr lang="zh-CN" altLang="en-US" sz="3000">
@@ -8518,7 +9122,7 @@
         </p:blipFill>
         <p:spPr>
           <a:xfrm>
-            <a:off x="2273300" y="1917700"/>
+            <a:off x="2273300" y="1128395"/>
             <a:ext cx="4597400" cy="1308100"/>
           </a:xfrm>
           <a:prstGeom prst="rect">
@@ -8542,7 +9146,7 @@
         </p:blipFill>
         <p:spPr>
           <a:xfrm>
-            <a:off x="2249805" y="3629660"/>
+            <a:off x="2249805" y="3270885"/>
             <a:ext cx="4474210" cy="1041400"/>
           </a:xfrm>
           <a:prstGeom prst="rect">
@@ -8609,7 +9213,7 @@
                 </a:ln>
                 <a:solidFill>
                   <a:schemeClr val="accent4">
-                    <a:lumOff val="-43999"/>
+                    <a:lumOff val="-43997"/>
                   </a:schemeClr>
                 </a:solidFill>
                 <a:effectLst/>
@@ -8628,7 +9232,7 @@
                 </a:ln>
                 <a:solidFill>
                   <a:schemeClr val="accent4">
-                    <a:lumOff val="-43999"/>
+                    <a:lumOff val="-43997"/>
                   </a:schemeClr>
                 </a:solidFill>
                 <a:effectLst/>
@@ -8638,26 +9242,7 @@
                 <a:cs typeface="Cambria"/>
                 <a:sym typeface="Cambria"/>
               </a:rPr>
-              <a:t>+</a:t>
-            </a:r>
-            <a:r>
-              <a:rPr kumimoji="0" lang="en-US" altLang="zh-CN" sz="1800" b="0" i="0" u="none" strike="noStrike" cap="none" spc="0" normalizeH="0" baseline="0">
-                <a:ln>
-                  <a:noFill/>
-                </a:ln>
-                <a:solidFill>
-                  <a:schemeClr val="accent4">
-                    <a:lumOff val="-43999"/>
-                  </a:schemeClr>
-                </a:solidFill>
-                <a:effectLst/>
-                <a:uFillTx/>
-                <a:latin typeface="Cambria"/>
-                <a:ea typeface="Cambria"/>
-                <a:cs typeface="Cambria"/>
-                <a:sym typeface="Cambria"/>
-              </a:rPr>
-              <a:t>3</a:t>
+              <a:t>+3</a:t>
             </a:r>
             <a:endParaRPr kumimoji="0" lang="en-US" altLang="zh-CN" sz="1800" b="0" i="0" u="none" strike="noStrike" cap="none" spc="0" normalizeH="0" baseline="0">
               <a:ln>
@@ -8665,7 +9250,7 @@
               </a:ln>
               <a:solidFill>
                 <a:schemeClr val="accent4">
-                  <a:lumOff val="-43999"/>
+                  <a:lumOff val="-43997"/>
                 </a:schemeClr>
               </a:solidFill>
               <a:effectLst/>
@@ -8686,7 +9271,7 @@
         </p:nvSpPr>
         <p:spPr>
           <a:xfrm>
-            <a:off x="2701290" y="3230245"/>
+            <a:off x="2701290" y="2871470"/>
             <a:ext cx="2216785" cy="367030"/>
           </a:xfrm>
           <a:prstGeom prst="rect">
@@ -8737,7 +9322,7 @@
                 </a:ln>
                 <a:solidFill>
                   <a:schemeClr val="accent4">
-                    <a:lumOff val="-43999"/>
+                    <a:lumOff val="-43997"/>
                   </a:schemeClr>
                 </a:solidFill>
                 <a:effectLst/>
@@ -8755,7 +9340,7 @@
               </a:ln>
               <a:solidFill>
                 <a:schemeClr val="accent4">
-                  <a:lumOff val="-43999"/>
+                  <a:lumOff val="-43997"/>
                 </a:schemeClr>
               </a:solidFill>
               <a:effectLst/>
@@ -8768,30 +9353,6 @@
           </a:p>
         </p:txBody>
       </p:sp>
-      <p:pic>
-        <p:nvPicPr>
-          <p:cNvPr id="7" name="图片 6"/>
-          <p:cNvPicPr>
-            <a:picLocks noChangeAspect="1"/>
-          </p:cNvPicPr>
-          <p:nvPr/>
-        </p:nvPicPr>
-        <p:blipFill>
-          <a:blip r:embed="rId3"/>
-          <a:stretch>
-            <a:fillRect/>
-          </a:stretch>
-        </p:blipFill>
-        <p:spPr>
-          <a:xfrm>
-            <a:off x="1343660" y="1287145"/>
-            <a:ext cx="7025005" cy="508000"/>
-          </a:xfrm>
-          <a:prstGeom prst="rect">
-            <a:avLst/>
-          </a:prstGeom>
-        </p:spPr>
-      </p:pic>
     </p:spTree>
   </p:cSld>
   <p:clrMapOvr>
@@ -8845,7 +9406,7 @@
         <p:spPr>
           <a:xfrm>
             <a:off x="3176042" y="397192"/>
-            <a:ext cx="2961640" cy="553085"/>
+            <a:ext cx="2752090" cy="553085"/>
           </a:xfrm>
           <a:prstGeom prst="rect">
             <a:avLst/>
@@ -8887,7 +9448,7 @@
               <a:rPr lang="en-US" sz="3000">
                 <a:sym typeface="+mn-ea"/>
               </a:rPr>
-              <a:t>Mokito </a:t>
+              <a:t>Mock </a:t>
             </a:r>
             <a:r>
               <a:rPr lang="zh-CN" altLang="en-US" sz="3000">
@@ -8896,115 +9457,6 @@
               <a:t>静态方法</a:t>
             </a:r>
             <a:endParaRPr lang="zh-CN" altLang="en-US"/>
-          </a:p>
-        </p:txBody>
-      </p:sp>
-      <p:sp>
-        <p:nvSpPr>
-          <p:cNvPr id="5" name="文本框 4"/>
-          <p:cNvSpPr txBox="1"/>
-          <p:nvPr/>
-        </p:nvSpPr>
-        <p:spPr>
-          <a:xfrm>
-            <a:off x="7498715" y="1253490"/>
-            <a:ext cx="1309370" cy="367030"/>
-          </a:xfrm>
-          <a:prstGeom prst="rect">
-            <a:avLst/>
-          </a:prstGeom>
-          <a:noFill/>
-          <a:ln w="12700" cap="flat">
-            <a:noFill/>
-            <a:miter lim="400000"/>
-          </a:ln>
-        </p:spPr>
-        <p:style>
-          <a:lnRef idx="0">
-            <a:srgbClr val="FFFFFF"/>
-          </a:lnRef>
-          <a:fillRef idx="0">
-            <a:srgbClr val="FFFFFF"/>
-          </a:fillRef>
-          <a:effectRef idx="0">
-            <a:srgbClr val="FFFFFF"/>
-          </a:effectRef>
-          <a:fontRef idx="none"/>
-        </p:style>
-        <p:txBody>
-          <a:bodyPr rot="0" vertOverflow="overflow" horzOverflow="overflow" vert="horz" wrap="none" lIns="45719" tIns="45719" rIns="45719" bIns="45719" numCol="1" spcCol="38100" rtlCol="0" anchor="t" forceAA="0" upright="0">
-            <a:spAutoFit/>
-          </a:bodyPr>
-          <a:p>
-            <a:pPr marL="0" marR="0" indent="0" algn="l" defTabSz="914400" rtl="0" fontAlgn="auto" latinLnBrk="0" hangingPunct="0">
-              <a:lnSpc>
-                <a:spcPct val="100000"/>
-              </a:lnSpc>
-              <a:spcBef>
-                <a:spcPts val="0"/>
-              </a:spcBef>
-              <a:spcAft>
-                <a:spcPts val="0"/>
-              </a:spcAft>
-              <a:buClrTx/>
-              <a:buSzTx/>
-              <a:buFontTx/>
-              <a:buNone/>
-            </a:pPr>
-            <a:r>
-              <a:rPr kumimoji="0" lang="zh-CN" altLang="en-US" sz="1800" b="0" i="0" u="none" strike="noStrike" cap="none" spc="0" normalizeH="0" baseline="0">
-                <a:ln>
-                  <a:noFill/>
-                </a:ln>
-                <a:solidFill>
-                  <a:schemeClr val="accent4">
-                    <a:lumOff val="-43998"/>
-                  </a:schemeClr>
-                </a:solidFill>
-                <a:effectLst/>
-                <a:uFillTx/>
-                <a:latin typeface="Cambria"/>
-                <a:ea typeface="Cambria"/>
-                <a:cs typeface="Cambria"/>
-                <a:sym typeface="Cambria"/>
-              </a:rPr>
-              <a:t>当前月份</a:t>
-            </a:r>
-            <a:r>
-              <a:rPr kumimoji="0" lang="en-US" altLang="zh-CN" sz="1800" b="0" i="0" u="none" strike="noStrike" cap="none" spc="0" normalizeH="0" baseline="0">
-                <a:ln>
-                  <a:noFill/>
-                </a:ln>
-                <a:solidFill>
-                  <a:schemeClr val="accent4">
-                    <a:lumOff val="-43998"/>
-                  </a:schemeClr>
-                </a:solidFill>
-                <a:effectLst/>
-                <a:uFillTx/>
-                <a:latin typeface="Cambria"/>
-                <a:ea typeface="Cambria"/>
-                <a:cs typeface="Cambria"/>
-                <a:sym typeface="Cambria"/>
-              </a:rPr>
-              <a:t>+3</a:t>
-            </a:r>
-            <a:endParaRPr kumimoji="0" lang="en-US" altLang="zh-CN" sz="1800" b="0" i="0" u="none" strike="noStrike" cap="none" spc="0" normalizeH="0" baseline="0">
-              <a:ln>
-                <a:noFill/>
-              </a:ln>
-              <a:solidFill>
-                <a:schemeClr val="accent4">
-                  <a:lumOff val="-43998"/>
-                </a:schemeClr>
-              </a:solidFill>
-              <a:effectLst/>
-              <a:uFillTx/>
-              <a:latin typeface="Cambria"/>
-              <a:ea typeface="Cambria"/>
-              <a:cs typeface="Cambria"/>
-              <a:sym typeface="Cambria"/>
-            </a:endParaRPr>
           </a:p>
         </p:txBody>
       </p:sp>
@@ -9024,8 +9476,32 @@
         </p:blipFill>
         <p:spPr>
           <a:xfrm>
-            <a:off x="1228090" y="1620520"/>
+            <a:off x="1146175" y="1727200"/>
             <a:ext cx="7188835" cy="3242310"/>
+          </a:xfrm>
+          <a:prstGeom prst="rect">
+            <a:avLst/>
+          </a:prstGeom>
+        </p:spPr>
+      </p:pic>
+      <p:pic>
+        <p:nvPicPr>
+          <p:cNvPr id="7" name="图片 6"/>
+          <p:cNvPicPr>
+            <a:picLocks noChangeAspect="1"/>
+          </p:cNvPicPr>
+          <p:nvPr/>
+        </p:nvPicPr>
+        <p:blipFill>
+          <a:blip r:embed="rId2"/>
+          <a:stretch>
+            <a:fillRect/>
+          </a:stretch>
+        </p:blipFill>
+        <p:spPr>
+          <a:xfrm>
+            <a:off x="1228090" y="949960"/>
+            <a:ext cx="7025005" cy="508000"/>
           </a:xfrm>
           <a:prstGeom prst="rect">
             <a:avLst/>
@@ -9085,7 +9561,7 @@
         <p:spPr>
           <a:xfrm>
             <a:off x="3176042" y="397192"/>
-            <a:ext cx="2865755" cy="553085"/>
+            <a:ext cx="2656205" cy="553085"/>
           </a:xfrm>
           <a:prstGeom prst="rect">
             <a:avLst/>
@@ -9127,19 +9603,13 @@
               <a:rPr lang="en-US" sz="3000">
                 <a:sym typeface="+mn-ea"/>
               </a:rPr>
-              <a:t>Mokito</a:t>
+              <a:t>Mock</a:t>
             </a:r>
             <a:r>
               <a:rPr lang="zh-CN" altLang="en-US" sz="3000">
                 <a:sym typeface="+mn-ea"/>
               </a:rPr>
-              <a:t>私有</a:t>
-            </a:r>
-            <a:r>
-              <a:rPr lang="zh-CN" altLang="en-US" sz="3000">
-                <a:sym typeface="+mn-ea"/>
-              </a:rPr>
-              <a:t>方法</a:t>
+              <a:t>私有方法</a:t>
             </a:r>
             <a:endParaRPr lang="zh-CN" altLang="en-US"/>
           </a:p>
@@ -9204,7 +9674,7 @@
                 </a:ln>
                 <a:solidFill>
                   <a:schemeClr val="accent4">
-                    <a:lumOff val="-43998"/>
+                    <a:lumOff val="-43996"/>
                   </a:schemeClr>
                 </a:solidFill>
                 <a:effectLst/>
@@ -9223,7 +9693,7 @@
                 </a:ln>
                 <a:solidFill>
                   <a:schemeClr val="accent4">
-                    <a:lumOff val="-43998"/>
+                    <a:lumOff val="-43996"/>
                   </a:schemeClr>
                 </a:solidFill>
                 <a:effectLst/>
@@ -9241,7 +9711,7 @@
               </a:ln>
               <a:solidFill>
                 <a:schemeClr val="accent4">
-                  <a:lumOff val="-43998"/>
+                  <a:lumOff val="-43996"/>
                 </a:schemeClr>
               </a:solidFill>
               <a:effectLst/>
@@ -9331,7 +9801,7 @@
         <p:spPr>
           <a:xfrm>
             <a:off x="3176042" y="397192"/>
-            <a:ext cx="2865755" cy="553085"/>
+            <a:ext cx="2656205" cy="553085"/>
           </a:xfrm>
           <a:prstGeom prst="rect">
             <a:avLst/>
@@ -9373,7 +9843,7 @@
               <a:rPr lang="en-US" sz="3000">
                 <a:sym typeface="+mn-ea"/>
               </a:rPr>
-              <a:t>Mokito</a:t>
+              <a:t>Mock</a:t>
             </a:r>
             <a:r>
               <a:rPr lang="zh-CN" altLang="en-US" sz="3000">
@@ -9393,7 +9863,7 @@
         </p:nvSpPr>
         <p:spPr>
           <a:xfrm>
-            <a:off x="7785735" y="1253490"/>
+            <a:off x="7713980" y="3908425"/>
             <a:ext cx="1309370" cy="367030"/>
           </a:xfrm>
           <a:prstGeom prst="rect">
@@ -9444,7 +9914,7 @@
                 </a:ln>
                 <a:solidFill>
                   <a:schemeClr val="accent4">
-                    <a:lumOff val="-43997"/>
+                    <a:lumOff val="-43995"/>
                   </a:schemeClr>
                 </a:solidFill>
                 <a:effectLst/>
@@ -9463,7 +9933,7 @@
                 </a:ln>
                 <a:solidFill>
                   <a:schemeClr val="accent4">
-                    <a:lumOff val="-43997"/>
+                    <a:lumOff val="-43995"/>
                   </a:schemeClr>
                 </a:solidFill>
                 <a:effectLst/>
@@ -9481,7 +9951,7 @@
               </a:ln>
               <a:solidFill>
                 <a:schemeClr val="accent4">
-                  <a:lumOff val="-43997"/>
+                  <a:lumOff val="-43995"/>
                 </a:schemeClr>
               </a:solidFill>
               <a:effectLst/>
@@ -9534,7 +10004,7 @@
         </p:blipFill>
         <p:spPr>
           <a:xfrm>
-            <a:off x="534035" y="1313180"/>
+            <a:off x="748030" y="1253490"/>
             <a:ext cx="7214235" cy="508000"/>
           </a:xfrm>
           <a:prstGeom prst="rect">
@@ -9672,14 +10142,14 @@
       </p:sp>
       <p:sp>
         <p:nvSpPr>
-          <p:cNvPr id="313" name="Shape 313"/>
+          <p:cNvPr id="314" name="Shape 314"/>
           <p:cNvSpPr/>
           <p:nvPr/>
         </p:nvSpPr>
         <p:spPr>
           <a:xfrm>
-            <a:off x="1178718" y="2948741"/>
-            <a:ext cx="7188201" cy="368300"/>
+            <a:off x="1179512" y="1398826"/>
+            <a:ext cx="7186613" cy="368300"/>
           </a:xfrm>
           <a:prstGeom prst="rect">
             <a:avLst/>
@@ -9706,21 +10176,21 @@
               </a:defRPr>
             </a:pPr>
             <a:r>
-              <a:t>3.Mockito资源</a:t>
+              <a:t>1. Mockito是什么？</a:t>
             </a:r>
           </a:p>
         </p:txBody>
       </p:sp>
       <p:sp>
         <p:nvSpPr>
-          <p:cNvPr id="314" name="Shape 314"/>
+          <p:cNvPr id="315" name="Shape 315"/>
           <p:cNvSpPr/>
           <p:nvPr/>
         </p:nvSpPr>
         <p:spPr>
           <a:xfrm>
-            <a:off x="1179512" y="1398826"/>
-            <a:ext cx="7186613" cy="368300"/>
+            <a:off x="1178718" y="2933699"/>
+            <a:ext cx="7188201" cy="368300"/>
           </a:xfrm>
           <a:prstGeom prst="rect">
             <a:avLst/>
@@ -9747,48 +10217,11 @@
               </a:defRPr>
             </a:pPr>
             <a:r>
-              <a:t>1. Mockito是什么？</a:t>
-            </a:r>
-          </a:p>
-        </p:txBody>
-      </p:sp>
-      <p:sp>
-        <p:nvSpPr>
-          <p:cNvPr id="315" name="Shape 315"/>
-          <p:cNvSpPr/>
-          <p:nvPr/>
-        </p:nvSpPr>
-        <p:spPr>
-          <a:xfrm>
-            <a:off x="1178718" y="3723004"/>
-            <a:ext cx="7188201" cy="368300"/>
-          </a:xfrm>
-          <a:prstGeom prst="rect">
-            <a:avLst/>
-          </a:prstGeom>
-          <a:ln w="12700">
-            <a:miter lim="400000"/>
-          </a:ln>
-        </p:spPr>
-        <p:txBody>
-          <a:bodyPr lIns="45719" rIns="45719" anchor="ctr">
-            <a:spAutoFit/>
-          </a:bodyPr>
-          <a:lstStyle/>
-          <a:p>
-            <a:pPr lvl="1" indent="0">
-              <a:spcBef>
-                <a:spcPts val="400"/>
-              </a:spcBef>
-              <a:defRPr b="1">
-                <a:latin typeface="微软雅黑"/>
-                <a:ea typeface="微软雅黑"/>
-                <a:cs typeface="微软雅黑"/>
-                <a:sym typeface="微软雅黑"/>
-              </a:defRPr>
-            </a:pPr>
-            <a:r>
-              <a:t>4. 使用场景</a:t>
+              <a:rPr lang="en-US"/>
+              <a:t>3</a:t>
+            </a:r>
+            <a:r>
+              <a:t>. 使用场景</a:t>
             </a:r>
           </a:p>
         </p:txBody>
@@ -10011,7 +10444,7 @@
                             </p:stCondLst>
                             <p:childTnLst>
                               <p:par>
-                                <p:cTn id="17" presetID="2" presetClass="entr" presetSubtype="4" fill="hold" grpId="3" nodeType="clickEffect">
+                                <p:cTn id="17" presetID="2" presetClass="entr" presetSubtype="4" fill="hold" grpId="4" nodeType="clickEffect">
                                   <p:stCondLst>
                                     <p:cond delay="0"/>
                                   </p:stCondLst>
@@ -10022,96 +10455,6 @@
                                     <p:set>
                                       <p:cBhvr>
                                         <p:cTn id="18" dur="indefinite" fill="hold"/>
-                                        <p:tgtEl>
-                                          <p:spTgt spid="313"/>
-                                        </p:tgtEl>
-                                        <p:attrNameLst>
-                                          <p:attrName>style.visibility</p:attrName>
-                                        </p:attrNameLst>
-                                      </p:cBhvr>
-                                      <p:to>
-                                        <p:strVal val="visible"/>
-                                      </p:to>
-                                    </p:set>
-                                    <p:anim calcmode="lin" valueType="num">
-                                      <p:cBhvr>
-                                        <p:cTn id="19" dur="500" fill="hold"/>
-                                        <p:tgtEl>
-                                          <p:spTgt spid="313"/>
-                                        </p:tgtEl>
-                                        <p:attrNameLst>
-                                          <p:attrName>ppt_x</p:attrName>
-                                        </p:attrNameLst>
-                                      </p:cBhvr>
-                                      <p:tavLst>
-                                        <p:tav tm="0">
-                                          <p:val>
-                                            <p:strVal val="#ppt_x"/>
-                                          </p:val>
-                                        </p:tav>
-                                        <p:tav tm="100000">
-                                          <p:val>
-                                            <p:strVal val="#ppt_x"/>
-                                          </p:val>
-                                        </p:tav>
-                                      </p:tavLst>
-                                    </p:anim>
-                                    <p:anim calcmode="lin" valueType="num">
-                                      <p:cBhvr>
-                                        <p:cTn id="20" dur="500" fill="hold"/>
-                                        <p:tgtEl>
-                                          <p:spTgt spid="313"/>
-                                        </p:tgtEl>
-                                        <p:attrNameLst>
-                                          <p:attrName>ppt_y</p:attrName>
-                                        </p:attrNameLst>
-                                      </p:cBhvr>
-                                      <p:tavLst>
-                                        <p:tav tm="0">
-                                          <p:val>
-                                            <p:strVal val="1+#ppt_h/2"/>
-                                          </p:val>
-                                        </p:tav>
-                                        <p:tav tm="100000">
-                                          <p:val>
-                                            <p:strVal val="#ppt_y"/>
-                                          </p:val>
-                                        </p:tav>
-                                      </p:tavLst>
-                                    </p:anim>
-                                  </p:childTnLst>
-                                </p:cTn>
-                              </p:par>
-                            </p:childTnLst>
-                          </p:cTn>
-                        </p:par>
-                      </p:childTnLst>
-                    </p:cTn>
-                  </p:par>
-                  <p:par>
-                    <p:cTn id="21" fill="hold">
-                      <p:stCondLst>
-                        <p:cond delay="indefinite"/>
-                      </p:stCondLst>
-                      <p:childTnLst>
-                        <p:par>
-                          <p:cTn id="22" fill="hold">
-                            <p:stCondLst>
-                              <p:cond delay="0"/>
-                            </p:stCondLst>
-                            <p:childTnLst>
-                              <p:par>
-                                <p:cTn id="23" presetID="2" presetClass="entr" presetSubtype="4" fill="hold" grpId="4" nodeType="clickEffect">
-                                  <p:stCondLst>
-                                    <p:cond delay="0"/>
-                                  </p:stCondLst>
-                                  <p:iterate type="el">
-                                    <p:tmAbs val="0"/>
-                                  </p:iterate>
-                                  <p:childTnLst>
-                                    <p:set>
-                                      <p:cBhvr>
-                                        <p:cTn id="24" dur="indefinite" fill="hold"/>
                                         <p:tgtEl>
                                           <p:spTgt spid="315"/>
                                         </p:tgtEl>
@@ -10125,7 +10468,7 @@
                                     </p:set>
                                     <p:anim calcmode="lin" valueType="num">
                                       <p:cBhvr>
-                                        <p:cTn id="25" dur="500" fill="hold"/>
+                                        <p:cTn id="19" dur="500" fill="hold"/>
                                         <p:tgtEl>
                                           <p:spTgt spid="315"/>
                                         </p:tgtEl>
@@ -10148,7 +10491,7 @@
                                     </p:anim>
                                     <p:anim calcmode="lin" valueType="num">
                                       <p:cBhvr>
-                                        <p:cTn id="26" dur="500" fill="hold"/>
+                                        <p:cTn id="20" dur="500" fill="hold"/>
                                         <p:tgtEl>
                                           <p:spTgt spid="315"/>
                                         </p:tgtEl>
@@ -10201,7 +10544,6 @@
     </p:tnLst>
     <p:bldLst>
       <p:bldP spid="312" grpId="2" animBg="1" advAuto="0"/>
-      <p:bldP spid="313" grpId="3" animBg="1" advAuto="0"/>
       <p:bldP spid="314" grpId="1" animBg="1" advAuto="0"/>
       <p:bldP spid="315" grpId="4" animBg="1" advAuto="0"/>
     </p:bldLst>
@@ -10235,7 +10577,7 @@
         <p:spPr>
           <a:xfrm>
             <a:off x="3176042" y="397192"/>
-            <a:ext cx="2998470" cy="553085"/>
+            <a:ext cx="2788920" cy="553085"/>
           </a:xfrm>
           <a:prstGeom prst="rect">
             <a:avLst/>
@@ -10277,7 +10619,7 @@
               <a:rPr lang="en-US" sz="3000">
                 <a:sym typeface="+mn-ea"/>
               </a:rPr>
-              <a:t>Mokito void</a:t>
+              <a:t>Mock void</a:t>
             </a:r>
             <a:r>
               <a:rPr lang="zh-CN" altLang="en-US" sz="3000">
@@ -10305,8 +10647,32 @@
         </p:blipFill>
         <p:spPr>
           <a:xfrm>
-            <a:off x="582930" y="1968500"/>
+            <a:off x="420370" y="2622550"/>
             <a:ext cx="8471535" cy="1638300"/>
+          </a:xfrm>
+          <a:prstGeom prst="rect">
+            <a:avLst/>
+          </a:prstGeom>
+        </p:spPr>
+      </p:pic>
+      <p:pic>
+        <p:nvPicPr>
+          <p:cNvPr id="3" name="图片 2"/>
+          <p:cNvPicPr>
+            <a:picLocks noChangeAspect="1"/>
+          </p:cNvPicPr>
+          <p:nvPr/>
+        </p:nvPicPr>
+        <p:blipFill>
+          <a:blip r:embed="rId2"/>
+          <a:stretch>
+            <a:fillRect/>
+          </a:stretch>
+        </p:blipFill>
+        <p:spPr>
+          <a:xfrm>
+            <a:off x="494030" y="1188085"/>
+            <a:ext cx="4279900" cy="1041400"/>
           </a:xfrm>
           <a:prstGeom prst="rect">
             <a:avLst/>
@@ -10349,6 +10715,191 @@
         <p:cNvGrpSpPr/>
         <p:nvPr/>
       </p:nvGrpSpPr>
+      <p:grpSpPr/>
+      <p:pic>
+        <p:nvPicPr>
+          <p:cNvPr id="4" name="图片 3"/>
+          <p:cNvPicPr>
+            <a:picLocks noChangeAspect="1"/>
+          </p:cNvPicPr>
+          <p:nvPr/>
+        </p:nvPicPr>
+        <p:blipFill>
+          <a:blip r:embed="rId1"/>
+          <a:stretch>
+            <a:fillRect/>
+          </a:stretch>
+        </p:blipFill>
+        <p:spPr>
+          <a:xfrm>
+            <a:off x="711200" y="3454400"/>
+            <a:ext cx="8268335" cy="1536700"/>
+          </a:xfrm>
+          <a:prstGeom prst="rect">
+            <a:avLst/>
+          </a:prstGeom>
+        </p:spPr>
+      </p:pic>
+      <p:sp>
+        <p:nvSpPr>
+          <p:cNvPr id="6" name="文本框 5"/>
+          <p:cNvSpPr txBox="1"/>
+          <p:nvPr/>
+        </p:nvSpPr>
+        <p:spPr>
+          <a:xfrm>
+            <a:off x="3373755" y="415290"/>
+            <a:ext cx="2346960" cy="367030"/>
+          </a:xfrm>
+          <a:prstGeom prst="rect">
+            <a:avLst/>
+          </a:prstGeom>
+          <a:noFill/>
+          <a:ln w="12700" cap="flat">
+            <a:noFill/>
+            <a:miter lim="400000"/>
+          </a:ln>
+        </p:spPr>
+        <p:style>
+          <a:lnRef idx="0">
+            <a:srgbClr val="FFFFFF"/>
+          </a:lnRef>
+          <a:fillRef idx="0">
+            <a:srgbClr val="FFFFFF"/>
+          </a:fillRef>
+          <a:effectRef idx="0">
+            <a:srgbClr val="FFFFFF"/>
+          </a:effectRef>
+          <a:fontRef idx="none"/>
+        </p:style>
+        <p:txBody>
+          <a:bodyPr rot="0" vertOverflow="overflow" horzOverflow="overflow" vert="horz" wrap="square" lIns="45719" tIns="45719" rIns="45719" bIns="45719" numCol="1" spcCol="38100" rtlCol="0" anchor="t" forceAA="0" upright="0">
+            <a:spAutoFit/>
+          </a:bodyPr>
+          <a:p>
+            <a:pPr marL="0" marR="0" indent="0" algn="l" defTabSz="914400" rtl="0" fontAlgn="auto" latinLnBrk="0" hangingPunct="0">
+              <a:lnSpc>
+                <a:spcPct val="100000"/>
+              </a:lnSpc>
+              <a:spcBef>
+                <a:spcPts val="0"/>
+              </a:spcBef>
+              <a:spcAft>
+                <a:spcPts val="0"/>
+              </a:spcAft>
+              <a:buClrTx/>
+              <a:buSzTx/>
+              <a:buFontTx/>
+              <a:buNone/>
+            </a:pPr>
+            <a:r>
+              <a:rPr lang="en-US">
+                <a:sym typeface="+mn-ea"/>
+              </a:rPr>
+              <a:t>Mock final</a:t>
+            </a:r>
+            <a:r>
+              <a:rPr lang="zh-CN" altLang="en-US">
+                <a:sym typeface="+mn-ea"/>
+              </a:rPr>
+              <a:t>方法</a:t>
+            </a:r>
+            <a:endParaRPr lang="zh-CN" altLang="en-US">
+              <a:sym typeface="+mn-ea"/>
+            </a:endParaRPr>
+          </a:p>
+        </p:txBody>
+      </p:sp>
+      <p:pic>
+        <p:nvPicPr>
+          <p:cNvPr id="7" name="图片 6"/>
+          <p:cNvPicPr>
+            <a:picLocks noChangeAspect="1"/>
+          </p:cNvPicPr>
+          <p:nvPr/>
+        </p:nvPicPr>
+        <p:blipFill>
+          <a:blip r:embed="rId2"/>
+          <a:stretch>
+            <a:fillRect/>
+          </a:stretch>
+        </p:blipFill>
+        <p:spPr>
+          <a:xfrm>
+            <a:off x="711200" y="2857500"/>
+            <a:ext cx="7722235" cy="596900"/>
+          </a:xfrm>
+          <a:prstGeom prst="rect">
+            <a:avLst/>
+          </a:prstGeom>
+        </p:spPr>
+      </p:pic>
+      <p:pic>
+        <p:nvPicPr>
+          <p:cNvPr id="8" name="图片 7"/>
+          <p:cNvPicPr>
+            <a:picLocks noChangeAspect="1"/>
+          </p:cNvPicPr>
+          <p:nvPr/>
+        </p:nvPicPr>
+        <p:blipFill>
+          <a:blip r:embed="rId3"/>
+          <a:stretch>
+            <a:fillRect/>
+          </a:stretch>
+        </p:blipFill>
+        <p:spPr>
+          <a:xfrm>
+            <a:off x="1032510" y="689610"/>
+            <a:ext cx="5651500" cy="838200"/>
+          </a:xfrm>
+          <a:prstGeom prst="rect">
+            <a:avLst/>
+          </a:prstGeom>
+        </p:spPr>
+      </p:pic>
+      <p:pic>
+        <p:nvPicPr>
+          <p:cNvPr id="9" name="图片 8"/>
+          <p:cNvPicPr>
+            <a:picLocks noChangeAspect="1"/>
+          </p:cNvPicPr>
+          <p:nvPr/>
+        </p:nvPicPr>
+        <p:blipFill>
+          <a:blip r:embed="rId4"/>
+          <a:stretch>
+            <a:fillRect/>
+          </a:stretch>
+        </p:blipFill>
+        <p:spPr>
+          <a:xfrm>
+            <a:off x="1032510" y="1527810"/>
+            <a:ext cx="5650865" cy="1193800"/>
+          </a:xfrm>
+          <a:prstGeom prst="rect">
+            <a:avLst/>
+          </a:prstGeom>
+        </p:spPr>
+      </p:pic>
+    </p:spTree>
+  </p:cSld>
+  <p:clrMapOvr>
+    <a:masterClrMapping/>
+  </p:clrMapOvr>
+  <p:transition spd="med"/>
+</p:sld>
+</file>
+
+<file path=ppt/slides/slide22.xml><?xml version="1.0" encoding="utf-8"?>
+<p:sld xmlns:a="http://schemas.openxmlformats.org/drawingml/2006/main" xmlns:r="http://schemas.openxmlformats.org/officeDocument/2006/relationships" xmlns:p="http://schemas.openxmlformats.org/presentationml/2006/main">
+  <p:cSld>
+    <p:spTree>
+      <p:nvGrpSpPr>
+        <p:cNvPr id="1" name=""/>
+        <p:cNvGrpSpPr/>
+        <p:nvPr/>
+      </p:nvGrpSpPr>
       <p:grpSpPr>
         <a:xfrm>
           <a:off x="0" y="0"/>
@@ -10366,7 +10917,7 @@
         <p:spPr>
           <a:xfrm>
             <a:off x="3176042" y="397192"/>
-            <a:ext cx="4809490" cy="553085"/>
+            <a:ext cx="4599940" cy="553085"/>
           </a:xfrm>
           <a:prstGeom prst="rect">
             <a:avLst/>
@@ -10408,7 +10959,7 @@
               <a:rPr lang="en-US" sz="3000">
                 <a:sym typeface="+mn-ea"/>
               </a:rPr>
-              <a:t>Mokito</a:t>
+              <a:t>Mock</a:t>
             </a:r>
             <a:r>
               <a:rPr lang="zh-CN" altLang="en-US" sz="3000">
@@ -10438,7 +10989,7 @@
         </p:blipFill>
         <p:spPr>
           <a:xfrm>
-            <a:off x="2365375" y="949960"/>
+            <a:off x="971550" y="949960"/>
             <a:ext cx="4673600" cy="1104900"/>
           </a:xfrm>
           <a:prstGeom prst="rect">
@@ -10462,7 +11013,7 @@
         </p:blipFill>
         <p:spPr>
           <a:xfrm>
-            <a:off x="971550" y="2233930"/>
+            <a:off x="872490" y="2233930"/>
             <a:ext cx="7201535" cy="533400"/>
           </a:xfrm>
           <a:prstGeom prst="rect">
@@ -10472,7 +11023,7 @@
       </p:pic>
       <p:pic>
         <p:nvPicPr>
-          <p:cNvPr id="6" name="图片 5"/>
+          <p:cNvPr id="3" name="图片 2"/>
           <p:cNvPicPr>
             <a:picLocks noChangeAspect="1"/>
           </p:cNvPicPr>
@@ -10486,8 +11037,8 @@
         </p:blipFill>
         <p:spPr>
           <a:xfrm>
-            <a:off x="838200" y="2927350"/>
-            <a:ext cx="7468235" cy="1562100"/>
+            <a:off x="872490" y="2838450"/>
+            <a:ext cx="7658735" cy="1816100"/>
           </a:xfrm>
           <a:prstGeom prst="rect">
             <a:avLst/>
@@ -10521,7 +11072,961 @@
 </p:sld>
 </file>
 
-<file path=ppt/slides/slide22.xml><?xml version="1.0" encoding="utf-8"?>
+<file path=ppt/slides/slide23.xml><?xml version="1.0" encoding="utf-8"?>
+<p:sld xmlns:a="http://schemas.openxmlformats.org/drawingml/2006/main" xmlns:r="http://schemas.openxmlformats.org/officeDocument/2006/relationships" xmlns:p="http://schemas.openxmlformats.org/presentationml/2006/main">
+  <p:cSld>
+    <p:spTree>
+      <p:nvGrpSpPr>
+        <p:cNvPr id="1" name=""/>
+        <p:cNvGrpSpPr/>
+        <p:nvPr/>
+      </p:nvGrpSpPr>
+      <p:grpSpPr>
+        <a:xfrm>
+          <a:off x="0" y="0"/>
+          <a:ext cx="0" cy="0"/>
+          <a:chOff x="0" y="0"/>
+          <a:chExt cx="0" cy="0"/>
+        </a:xfrm>
+      </p:grpSpPr>
+      <p:sp>
+        <p:nvSpPr>
+          <p:cNvPr id="317" name="Shape 317"/>
+          <p:cNvSpPr/>
+          <p:nvPr/>
+        </p:nvSpPr>
+        <p:spPr>
+          <a:xfrm>
+            <a:off x="3251200" y="500062"/>
+            <a:ext cx="2495995" cy="624841"/>
+          </a:xfrm>
+          <a:prstGeom prst="rect">
+            <a:avLst/>
+          </a:prstGeom>
+          <a:ln w="12700">
+            <a:miter lim="400000"/>
+          </a:ln>
+        </p:spPr>
+        <p:txBody>
+          <a:bodyPr wrap="none" lIns="45719" rIns="45719">
+            <a:spAutoFit/>
+          </a:bodyPr>
+          <a:lstStyle>
+            <a:lvl1pPr>
+              <a:defRPr sz="3000" b="1">
+                <a:solidFill>
+                  <a:srgbClr val="C9394A"/>
+                </a:solidFill>
+                <a:latin typeface="微软雅黑"/>
+                <a:ea typeface="微软雅黑"/>
+                <a:cs typeface="微软雅黑"/>
+                <a:sym typeface="微软雅黑"/>
+              </a:defRPr>
+            </a:lvl1pPr>
+          </a:lstStyle>
+          <a:p>
+            <a:r>
+              <a:t>第二部分 实践</a:t>
+            </a:r>
+          </a:p>
+        </p:txBody>
+      </p:sp>
+      <p:sp>
+        <p:nvSpPr>
+          <p:cNvPr id="318" name="Shape 318"/>
+          <p:cNvSpPr/>
+          <p:nvPr/>
+        </p:nvSpPr>
+        <p:spPr>
+          <a:xfrm>
+            <a:off x="1162685" y="1922780"/>
+            <a:ext cx="5185410" cy="368300"/>
+          </a:xfrm>
+          <a:prstGeom prst="rect">
+            <a:avLst/>
+          </a:prstGeom>
+          <a:pattFill prst="pct5">
+            <a:fgClr>
+              <a:schemeClr val="bg1"/>
+            </a:fgClr>
+            <a:bgClr>
+              <a:schemeClr val="bg1"/>
+            </a:bgClr>
+          </a:pattFill>
+          <a:ln w="12700">
+            <a:miter lim="400000"/>
+          </a:ln>
+        </p:spPr>
+        <p:txBody>
+          <a:bodyPr wrap="square" lIns="45719" rIns="45719" anchor="ctr">
+            <a:spAutoFit/>
+          </a:bodyPr>
+          <a:lstStyle/>
+          <a:p>
+            <a:pPr lvl="1" indent="0">
+              <a:spcBef>
+                <a:spcPts val="400"/>
+              </a:spcBef>
+              <a:defRPr b="1">
+                <a:latin typeface="微软雅黑"/>
+                <a:ea typeface="微软雅黑"/>
+                <a:cs typeface="微软雅黑"/>
+                <a:sym typeface="微软雅黑"/>
+              </a:defRPr>
+            </a:pPr>
+            <a:r>
+              <a:rPr lang="en-US"/>
+              <a:t>2</a:t>
+            </a:r>
+            <a:r>
+              <a:t>. </a:t>
+            </a:r>
+            <a:r>
+              <a:rPr lang="en-US"/>
+              <a:t>Mock dao </a:t>
+            </a:r>
+            <a:r>
+              <a:rPr lang="zh-CN" altLang="en-US"/>
+              <a:t>数据库操作、外部接口依赖</a:t>
+            </a:r>
+            <a:r>
+              <a:t> </a:t>
+            </a:r>
+          </a:p>
+        </p:txBody>
+      </p:sp>
+      <p:sp>
+        <p:nvSpPr>
+          <p:cNvPr id="319" name="Shape 319"/>
+          <p:cNvSpPr/>
+          <p:nvPr/>
+        </p:nvSpPr>
+        <p:spPr>
+          <a:xfrm>
+            <a:off x="1128395" y="2387600"/>
+            <a:ext cx="2901315" cy="368300"/>
+          </a:xfrm>
+          <a:prstGeom prst="rect">
+            <a:avLst/>
+          </a:prstGeom>
+          <a:ln w="12700">
+            <a:miter lim="400000"/>
+          </a:ln>
+        </p:spPr>
+        <p:txBody>
+          <a:bodyPr wrap="square" lIns="45719" rIns="45719" anchor="ctr">
+            <a:spAutoFit/>
+          </a:bodyPr>
+          <a:lstStyle/>
+          <a:p>
+            <a:pPr lvl="1" indent="0">
+              <a:spcBef>
+                <a:spcPts val="400"/>
+              </a:spcBef>
+              <a:defRPr b="1">
+                <a:latin typeface="微软雅黑"/>
+                <a:ea typeface="微软雅黑"/>
+                <a:cs typeface="微软雅黑"/>
+                <a:sym typeface="微软雅黑"/>
+              </a:defRPr>
+            </a:pPr>
+            <a:r>
+              <a:rPr lang="en-US"/>
+              <a:t>3</a:t>
+            </a:r>
+            <a:r>
+              <a:t>. </a:t>
+            </a:r>
+            <a:r>
+              <a:rPr lang="en-US"/>
+              <a:t>Mock </a:t>
+            </a:r>
+            <a:r>
+              <a:rPr lang="zh-CN" altLang="en-US"/>
+              <a:t>静态方法</a:t>
+            </a:r>
+            <a:endParaRPr lang="zh-CN" altLang="en-US"/>
+          </a:p>
+        </p:txBody>
+      </p:sp>
+      <p:sp>
+        <p:nvSpPr>
+          <p:cNvPr id="320" name="Shape 320"/>
+          <p:cNvSpPr/>
+          <p:nvPr/>
+        </p:nvSpPr>
+        <p:spPr>
+          <a:xfrm>
+            <a:off x="1128395" y="2825274"/>
+            <a:ext cx="7188200" cy="368300"/>
+          </a:xfrm>
+          <a:prstGeom prst="rect">
+            <a:avLst/>
+          </a:prstGeom>
+          <a:ln w="12700">
+            <a:miter lim="400000"/>
+          </a:ln>
+        </p:spPr>
+        <p:txBody>
+          <a:bodyPr lIns="45719" rIns="45719" anchor="ctr">
+            <a:spAutoFit/>
+          </a:bodyPr>
+          <a:lstStyle/>
+          <a:p>
+            <a:pPr lvl="1" indent="0">
+              <a:spcBef>
+                <a:spcPts val="400"/>
+              </a:spcBef>
+              <a:defRPr b="1">
+                <a:latin typeface="微软雅黑"/>
+                <a:ea typeface="微软雅黑"/>
+                <a:cs typeface="微软雅黑"/>
+                <a:sym typeface="微软雅黑"/>
+              </a:defRPr>
+            </a:pPr>
+            <a:r>
+              <a:rPr lang="en-US"/>
+              <a:t>4</a:t>
+            </a:r>
+            <a:r>
+              <a:t>. </a:t>
+            </a:r>
+            <a:r>
+              <a:rPr lang="en-US"/>
+              <a:t>Mock </a:t>
+            </a:r>
+            <a:r>
+              <a:rPr lang="zh-CN" altLang="en-US"/>
+              <a:t>私有方法</a:t>
+            </a:r>
+            <a:r>
+              <a:t> </a:t>
+            </a:r>
+          </a:p>
+        </p:txBody>
+      </p:sp>
+      <p:sp>
+        <p:nvSpPr>
+          <p:cNvPr id="321" name="Shape 321"/>
+          <p:cNvSpPr/>
+          <p:nvPr/>
+        </p:nvSpPr>
+        <p:spPr>
+          <a:xfrm>
+            <a:off x="1128395" y="3265170"/>
+            <a:ext cx="5120005" cy="368300"/>
+          </a:xfrm>
+          <a:prstGeom prst="rect">
+            <a:avLst/>
+          </a:prstGeom>
+          <a:ln w="12700">
+            <a:miter lim="400000"/>
+          </a:ln>
+        </p:spPr>
+        <p:txBody>
+          <a:bodyPr wrap="square" lIns="45719" rIns="45719" anchor="ctr">
+            <a:spAutoFit/>
+          </a:bodyPr>
+          <a:lstStyle/>
+          <a:p>
+            <a:pPr lvl="1" indent="0">
+              <a:spcBef>
+                <a:spcPts val="400"/>
+              </a:spcBef>
+              <a:defRPr b="1">
+                <a:latin typeface="微软雅黑"/>
+                <a:ea typeface="微软雅黑"/>
+                <a:cs typeface="微软雅黑"/>
+                <a:sym typeface="微软雅黑"/>
+              </a:defRPr>
+            </a:pPr>
+            <a:r>
+              <a:rPr lang="en-US"/>
+              <a:t>5</a:t>
+            </a:r>
+            <a:r>
+              <a:t>. </a:t>
+            </a:r>
+            <a:r>
+              <a:rPr lang="en-US"/>
+              <a:t>Mock void</a:t>
+            </a:r>
+            <a:r>
+              <a:rPr lang="zh-CN" altLang="en-US"/>
+              <a:t>方法</a:t>
+            </a:r>
+            <a:r>
+              <a:rPr lang="en-US"/>
+              <a:t> </a:t>
+            </a:r>
+            <a:endParaRPr lang="en-US"/>
+          </a:p>
+        </p:txBody>
+      </p:sp>
+      <p:sp>
+        <p:nvSpPr>
+          <p:cNvPr id="3" name="文本框 2"/>
+          <p:cNvSpPr txBox="1"/>
+          <p:nvPr/>
+        </p:nvSpPr>
+        <p:spPr>
+          <a:xfrm>
+            <a:off x="875665" y="1383665"/>
+            <a:ext cx="1911985" cy="367030"/>
+          </a:xfrm>
+          <a:prstGeom prst="rect">
+            <a:avLst/>
+          </a:prstGeom>
+          <a:noFill/>
+          <a:ln w="12700" cap="flat">
+            <a:noFill/>
+            <a:miter lim="400000"/>
+          </a:ln>
+        </p:spPr>
+        <p:style>
+          <a:lnRef idx="0">
+            <a:srgbClr val="FFFFFF"/>
+          </a:lnRef>
+          <a:fillRef idx="0">
+            <a:srgbClr val="FFFFFF"/>
+          </a:fillRef>
+          <a:effectRef idx="0">
+            <a:srgbClr val="FFFFFF"/>
+          </a:effectRef>
+          <a:fontRef idx="none"/>
+        </p:style>
+        <p:txBody>
+          <a:bodyPr rot="0" vertOverflow="overflow" horzOverflow="overflow" vert="horz" wrap="none" lIns="45719" tIns="45719" rIns="45719" bIns="45719" numCol="1" spcCol="38100" rtlCol="0" anchor="t" forceAA="0" upright="0">
+            <a:spAutoFit/>
+          </a:bodyPr>
+          <a:p>
+            <a:pPr marL="0" marR="0" indent="0" algn="l" defTabSz="914400" rtl="0" fontAlgn="auto" latinLnBrk="0" hangingPunct="0">
+              <a:lnSpc>
+                <a:spcPct val="100000"/>
+              </a:lnSpc>
+              <a:spcBef>
+                <a:spcPts val="0"/>
+              </a:spcBef>
+              <a:spcAft>
+                <a:spcPts val="0"/>
+              </a:spcAft>
+              <a:buClrTx/>
+              <a:buSzTx/>
+              <a:buFontTx/>
+              <a:buNone/>
+            </a:pPr>
+            <a:r>
+              <a:rPr kumimoji="0" lang="en-US" altLang="zh-CN" sz="1800" b="0" i="0" u="none" strike="noStrike" cap="none" spc="0" normalizeH="0" baseline="0">
+                <a:ln>
+                  <a:noFill/>
+                </a:ln>
+                <a:solidFill>
+                  <a:schemeClr val="accent4">
+                    <a:lumOff val="-43995"/>
+                  </a:schemeClr>
+                </a:solidFill>
+                <a:effectLst/>
+                <a:uFillTx/>
+                <a:latin typeface="Cambria"/>
+                <a:ea typeface="Cambria"/>
+                <a:cs typeface="Cambria"/>
+                <a:sym typeface="Cambria"/>
+              </a:rPr>
+              <a:t>1.</a:t>
+            </a:r>
+            <a:r>
+              <a:rPr kumimoji="0" lang="zh-CN" altLang="en-US" sz="1800" b="0" i="0" u="none" strike="noStrike" cap="none" spc="0" normalizeH="0" baseline="0">
+                <a:ln>
+                  <a:noFill/>
+                </a:ln>
+                <a:solidFill>
+                  <a:schemeClr val="accent4">
+                    <a:lumOff val="-43995"/>
+                  </a:schemeClr>
+                </a:solidFill>
+                <a:effectLst/>
+                <a:uFillTx/>
+                <a:latin typeface="Cambria"/>
+                <a:ea typeface="Cambria"/>
+                <a:cs typeface="Cambria"/>
+                <a:sym typeface="Cambria"/>
+              </a:rPr>
+              <a:t>常用的一些例子</a:t>
+            </a:r>
+            <a:endParaRPr kumimoji="0" lang="zh-CN" altLang="en-US" sz="1800" b="0" i="0" u="none" strike="noStrike" cap="none" spc="0" normalizeH="0" baseline="0">
+              <a:ln>
+                <a:noFill/>
+              </a:ln>
+              <a:solidFill>
+                <a:schemeClr val="accent4">
+                  <a:lumOff val="-43995"/>
+                </a:schemeClr>
+              </a:solidFill>
+              <a:effectLst/>
+              <a:uFillTx/>
+              <a:latin typeface="Cambria"/>
+              <a:ea typeface="Cambria"/>
+              <a:cs typeface="Cambria"/>
+              <a:sym typeface="Cambria"/>
+            </a:endParaRPr>
+          </a:p>
+        </p:txBody>
+      </p:sp>
+      <p:sp>
+        <p:nvSpPr>
+          <p:cNvPr id="4" name="Shape 321"/>
+          <p:cNvSpPr/>
+          <p:nvPr/>
+        </p:nvSpPr>
+        <p:spPr>
+          <a:xfrm>
+            <a:off x="1111885" y="4181475"/>
+            <a:ext cx="3685540" cy="368300"/>
+          </a:xfrm>
+          <a:prstGeom prst="rect">
+            <a:avLst/>
+          </a:prstGeom>
+          <a:ln w="12700">
+            <a:miter lim="400000"/>
+          </a:ln>
+        </p:spPr>
+        <p:txBody>
+          <a:bodyPr wrap="square" lIns="45719" rIns="45719" anchor="ctr">
+            <a:spAutoFit/>
+          </a:bodyPr>
+          <a:p>
+            <a:pPr lvl="1" indent="0">
+              <a:spcBef>
+                <a:spcPts val="400"/>
+              </a:spcBef>
+              <a:defRPr b="1">
+                <a:latin typeface="微软雅黑"/>
+                <a:ea typeface="微软雅黑"/>
+                <a:cs typeface="微软雅黑"/>
+                <a:sym typeface="微软雅黑"/>
+              </a:defRPr>
+            </a:pPr>
+            <a:r>
+              <a:rPr lang="en-US"/>
+              <a:t>7</a:t>
+            </a:r>
+            <a:r>
+              <a:t>. </a:t>
+            </a:r>
+            <a:r>
+              <a:rPr lang="en-US"/>
+              <a:t>Mock方法内部new出来的对象 </a:t>
+            </a:r>
+            <a:endParaRPr lang="en-US"/>
+          </a:p>
+        </p:txBody>
+      </p:sp>
+      <p:sp>
+        <p:nvSpPr>
+          <p:cNvPr id="2" name="文本框 1"/>
+          <p:cNvSpPr txBox="1"/>
+          <p:nvPr/>
+        </p:nvSpPr>
+        <p:spPr>
+          <a:xfrm>
+            <a:off x="1077595" y="3751580"/>
+            <a:ext cx="2540000" cy="367030"/>
+          </a:xfrm>
+          <a:prstGeom prst="rect">
+            <a:avLst/>
+          </a:prstGeom>
+          <a:noFill/>
+          <a:ln w="12700" cap="flat">
+            <a:noFill/>
+            <a:miter lim="400000"/>
+          </a:ln>
+        </p:spPr>
+        <p:style>
+          <a:lnRef idx="0">
+            <a:srgbClr val="FFFFFF"/>
+          </a:lnRef>
+          <a:fillRef idx="0">
+            <a:srgbClr val="FFFFFF"/>
+          </a:fillRef>
+          <a:effectRef idx="0">
+            <a:srgbClr val="FFFFFF"/>
+          </a:effectRef>
+          <a:fontRef idx="none"/>
+        </p:style>
+        <p:txBody>
+          <a:bodyPr rot="0" vertOverflow="overflow" horzOverflow="overflow" vert="horz" wrap="square" lIns="45719" tIns="45719" rIns="45719" bIns="45719" numCol="1" spcCol="38100" rtlCol="0" anchor="t" forceAA="0" upright="0">
+            <a:spAutoFit/>
+          </a:bodyPr>
+          <a:p>
+            <a:pPr marL="0" marR="0" indent="0" algn="l" defTabSz="914400" rtl="0" fontAlgn="auto" latinLnBrk="0" hangingPunct="0">
+              <a:lnSpc>
+                <a:spcPct val="100000"/>
+              </a:lnSpc>
+              <a:spcBef>
+                <a:spcPts val="0"/>
+              </a:spcBef>
+              <a:spcAft>
+                <a:spcPts val="0"/>
+              </a:spcAft>
+              <a:buClrTx/>
+              <a:buSzTx/>
+              <a:buFontTx/>
+              <a:buNone/>
+            </a:pPr>
+            <a:r>
+              <a:rPr kumimoji="0" lang="en-US" altLang="zh-CN" sz="1800" b="0" i="0" u="none" strike="noStrike" cap="none" spc="0" normalizeH="0" baseline="0">
+                <a:ln>
+                  <a:noFill/>
+                </a:ln>
+                <a:solidFill>
+                  <a:schemeClr val="accent4">
+                    <a:lumOff val="-43995"/>
+                  </a:schemeClr>
+                </a:solidFill>
+                <a:effectLst/>
+                <a:uFillTx/>
+                <a:latin typeface="Cambria"/>
+                <a:ea typeface="Cambria"/>
+                <a:cs typeface="Cambria"/>
+                <a:sym typeface="Cambria"/>
+              </a:rPr>
+              <a:t>6. Mock final </a:t>
+            </a:r>
+            <a:r>
+              <a:rPr kumimoji="0" lang="zh-CN" altLang="en-US" sz="1800" b="0" i="0" u="none" strike="noStrike" cap="none" spc="0" normalizeH="0" baseline="0">
+                <a:ln>
+                  <a:noFill/>
+                </a:ln>
+                <a:solidFill>
+                  <a:schemeClr val="accent4">
+                    <a:lumOff val="-43995"/>
+                  </a:schemeClr>
+                </a:solidFill>
+                <a:effectLst/>
+                <a:uFillTx/>
+                <a:latin typeface="Cambria"/>
+                <a:ea typeface="Cambria"/>
+                <a:cs typeface="Cambria"/>
+                <a:sym typeface="Cambria"/>
+              </a:rPr>
+              <a:t>方法</a:t>
+            </a:r>
+            <a:endParaRPr kumimoji="0" lang="zh-CN" altLang="en-US" sz="1800" b="0" i="0" u="none" strike="noStrike" cap="none" spc="0" normalizeH="0" baseline="0">
+              <a:ln>
+                <a:noFill/>
+              </a:ln>
+              <a:solidFill>
+                <a:schemeClr val="accent4">
+                  <a:lumOff val="-43995"/>
+                </a:schemeClr>
+              </a:solidFill>
+              <a:effectLst/>
+              <a:uFillTx/>
+              <a:latin typeface="Cambria"/>
+              <a:ea typeface="Cambria"/>
+              <a:cs typeface="Cambria"/>
+              <a:sym typeface="Cambria"/>
+            </a:endParaRPr>
+          </a:p>
+        </p:txBody>
+      </p:sp>
+    </p:spTree>
+  </p:cSld>
+  <p:clrMapOvr>
+    <a:masterClrMapping/>
+  </p:clrMapOvr>
+  <mc:AlternateContent xmlns:mc="http://schemas.openxmlformats.org/markup-compatibility/2006">
+    <mc:Choice xmlns:p14="http://schemas.microsoft.com/office/powerpoint/2010/main" Requires="p14">
+      <p:transition p14:dur="9">
+        <p:random/>
+      </p:transition>
+    </mc:Choice>
+    <mc:Fallback>
+      <p:transition>
+        <p:random/>
+      </p:transition>
+    </mc:Fallback>
+  </mc:AlternateContent>
+  <p:timing>
+    <p:tnLst>
+      <p:par>
+        <p:cTn id="1" dur="indefinite" restart="never" fill="hold" nodeType="tmRoot"/>
+      </p:par>
+    </p:tnLst>
+  </p:timing>
+</p:sld>
+</file>
+
+<file path=ppt/slides/slide24.xml><?xml version="1.0" encoding="utf-8"?>
+<p:sld xmlns:a="http://schemas.openxmlformats.org/drawingml/2006/main" xmlns:r="http://schemas.openxmlformats.org/officeDocument/2006/relationships" xmlns:p="http://schemas.openxmlformats.org/presentationml/2006/main">
+  <p:cSld>
+    <p:spTree>
+      <p:nvGrpSpPr>
+        <p:cNvPr id="1" name=""/>
+        <p:cNvGrpSpPr/>
+        <p:nvPr/>
+      </p:nvGrpSpPr>
+      <p:grpSpPr>
+        <a:xfrm>
+          <a:off x="0" y="0"/>
+          <a:ext cx="0" cy="0"/>
+          <a:chOff x="0" y="0"/>
+          <a:chExt cx="0" cy="0"/>
+        </a:xfrm>
+      </p:grpSpPr>
+      <p:sp>
+        <p:nvSpPr>
+          <p:cNvPr id="367" name="Shape 367"/>
+          <p:cNvSpPr/>
+          <p:nvPr/>
+        </p:nvSpPr>
+        <p:spPr>
+          <a:xfrm>
+            <a:off x="3194685" y="493395"/>
+            <a:ext cx="2781935" cy="553085"/>
+          </a:xfrm>
+          <a:prstGeom prst="rect">
+            <a:avLst/>
+          </a:prstGeom>
+          <a:ln w="12700">
+            <a:miter lim="400000"/>
+          </a:ln>
+        </p:spPr>
+        <p:txBody>
+          <a:bodyPr wrap="square" lIns="45719" rIns="45719">
+            <a:spAutoFit/>
+          </a:bodyPr>
+          <a:lstStyle>
+            <a:lvl1pPr algn="ctr">
+              <a:defRPr sz="3000" b="1">
+                <a:solidFill>
+                  <a:srgbClr val="C94251"/>
+                </a:solidFill>
+                <a:latin typeface="微软雅黑"/>
+                <a:ea typeface="微软雅黑"/>
+                <a:cs typeface="微软雅黑"/>
+                <a:sym typeface="微软雅黑"/>
+              </a:defRPr>
+            </a:lvl1pPr>
+          </a:lstStyle>
+          <a:p>
+            <a:pPr lvl="1" indent="0">
+              <a:spcBef>
+                <a:spcPts val="400"/>
+              </a:spcBef>
+              <a:defRPr b="1">
+                <a:latin typeface="微软雅黑"/>
+                <a:ea typeface="微软雅黑"/>
+                <a:cs typeface="微软雅黑"/>
+                <a:sym typeface="微软雅黑"/>
+              </a:defRPr>
+            </a:pPr>
+            <a:r>
+              <a:rPr sz="3000">
+                <a:solidFill>
+                  <a:srgbClr val="FF0000"/>
+                </a:solidFill>
+                <a:sym typeface="+mn-ea"/>
+              </a:rPr>
+              <a:t>Mockito资源</a:t>
+            </a:r>
+            <a:endParaRPr sz="3000">
+              <a:solidFill>
+                <a:srgbClr val="FF0000"/>
+              </a:solidFill>
+              <a:sym typeface="+mn-ea"/>
+            </a:endParaRPr>
+          </a:p>
+        </p:txBody>
+      </p:sp>
+      <p:sp>
+        <p:nvSpPr>
+          <p:cNvPr id="3" name="文本框 2"/>
+          <p:cNvSpPr txBox="1"/>
+          <p:nvPr/>
+        </p:nvSpPr>
+        <p:spPr>
+          <a:xfrm>
+            <a:off x="467995" y="1473518"/>
+            <a:ext cx="7585710" cy="1751965"/>
+          </a:xfrm>
+          <a:prstGeom prst="rect">
+            <a:avLst/>
+          </a:prstGeom>
+          <a:noFill/>
+          <a:ln w="12700" cap="flat">
+            <a:noFill/>
+            <a:miter lim="400000"/>
+          </a:ln>
+        </p:spPr>
+        <p:style>
+          <a:lnRef idx="0">
+            <a:srgbClr val="FFFFFF"/>
+          </a:lnRef>
+          <a:fillRef idx="0">
+            <a:srgbClr val="FFFFFF"/>
+          </a:fillRef>
+          <a:effectRef idx="0">
+            <a:srgbClr val="FFFFFF"/>
+          </a:effectRef>
+          <a:fontRef idx="none"/>
+        </p:style>
+        <p:txBody>
+          <a:bodyPr rot="0" vertOverflow="overflow" horzOverflow="overflow" vert="horz" wrap="square" lIns="45719" tIns="45719" rIns="45719" bIns="45719" numCol="1" spcCol="38100" rtlCol="0" anchor="ctr" anchorCtr="0" forceAA="0" upright="0">
+            <a:spAutoFit/>
+          </a:bodyPr>
+          <a:p>
+            <a:pPr marL="0" marR="0" indent="0" algn="l" defTabSz="914400" rtl="0" fontAlgn="auto" latinLnBrk="0" hangingPunct="0">
+              <a:lnSpc>
+                <a:spcPct val="100000"/>
+              </a:lnSpc>
+              <a:spcBef>
+                <a:spcPts val="0"/>
+              </a:spcBef>
+              <a:spcAft>
+                <a:spcPts val="0"/>
+              </a:spcAft>
+              <a:buClrTx/>
+              <a:buSzTx/>
+              <a:buFontTx/>
+              <a:buNone/>
+            </a:pPr>
+            <a:r>
+              <a:rPr kumimoji="0" lang="zh-CN" altLang="en-US" sz="1800" b="0" i="0" u="none" strike="noStrike" cap="none" spc="0" normalizeH="0" baseline="0">
+                <a:ln>
+                  <a:noFill/>
+                </a:ln>
+                <a:solidFill>
+                  <a:schemeClr val="accent4">
+                    <a:lumOff val="-43996"/>
+                  </a:schemeClr>
+                </a:solidFill>
+                <a:effectLst/>
+                <a:uFillTx/>
+                <a:latin typeface="Cambria"/>
+                <a:ea typeface="Cambria"/>
+                <a:cs typeface="Cambria"/>
+                <a:sym typeface="Cambria"/>
+              </a:rPr>
+              <a:t>官网： https://site.mockito.org/</a:t>
+            </a:r>
+            <a:endParaRPr kumimoji="0" lang="zh-CN" altLang="en-US" sz="1800" b="0" i="0" u="none" strike="noStrike" cap="none" spc="0" normalizeH="0" baseline="0">
+              <a:ln>
+                <a:noFill/>
+              </a:ln>
+              <a:solidFill>
+                <a:schemeClr val="accent4">
+                  <a:lumOff val="-43996"/>
+                </a:schemeClr>
+              </a:solidFill>
+              <a:effectLst/>
+              <a:uFillTx/>
+              <a:latin typeface="Cambria"/>
+              <a:ea typeface="Cambria"/>
+              <a:cs typeface="Cambria"/>
+              <a:sym typeface="Cambria"/>
+            </a:endParaRPr>
+          </a:p>
+          <a:p>
+            <a:pPr marL="0" marR="0" indent="0" algn="l" defTabSz="914400" rtl="0" fontAlgn="auto" latinLnBrk="0" hangingPunct="0">
+              <a:lnSpc>
+                <a:spcPct val="100000"/>
+              </a:lnSpc>
+              <a:spcBef>
+                <a:spcPts val="0"/>
+              </a:spcBef>
+              <a:spcAft>
+                <a:spcPts val="0"/>
+              </a:spcAft>
+              <a:buClrTx/>
+              <a:buSzTx/>
+              <a:buFontTx/>
+              <a:buNone/>
+            </a:pPr>
+            <a:endParaRPr kumimoji="0" lang="zh-CN" altLang="en-US" sz="1800" b="0" i="0" u="none" strike="noStrike" cap="none" spc="0" normalizeH="0" baseline="0">
+              <a:ln>
+                <a:noFill/>
+              </a:ln>
+              <a:solidFill>
+                <a:schemeClr val="accent4">
+                  <a:lumOff val="-43996"/>
+                </a:schemeClr>
+              </a:solidFill>
+              <a:effectLst/>
+              <a:uFillTx/>
+              <a:latin typeface="Cambria"/>
+              <a:ea typeface="Cambria"/>
+              <a:cs typeface="Cambria"/>
+              <a:sym typeface="Cambria"/>
+            </a:endParaRPr>
+          </a:p>
+          <a:p>
+            <a:pPr marL="0" marR="0" indent="0" algn="l" defTabSz="914400" rtl="0" fontAlgn="auto" latinLnBrk="0" hangingPunct="0">
+              <a:lnSpc>
+                <a:spcPct val="100000"/>
+              </a:lnSpc>
+              <a:spcBef>
+                <a:spcPts val="0"/>
+              </a:spcBef>
+              <a:spcAft>
+                <a:spcPts val="0"/>
+              </a:spcAft>
+              <a:buClrTx/>
+              <a:buSzTx/>
+              <a:buFontTx/>
+              <a:buNone/>
+            </a:pPr>
+            <a:r>
+              <a:rPr kumimoji="0" lang="zh-CN" altLang="en-US" sz="1800" b="0" i="0" u="none" strike="noStrike" cap="none" spc="0" normalizeH="0" baseline="0">
+                <a:ln>
+                  <a:noFill/>
+                </a:ln>
+                <a:solidFill>
+                  <a:schemeClr val="accent4">
+                    <a:lumOff val="-43996"/>
+                  </a:schemeClr>
+                </a:solidFill>
+                <a:effectLst/>
+                <a:uFillTx/>
+                <a:latin typeface="Cambria"/>
+                <a:ea typeface="Cambria"/>
+                <a:cs typeface="Cambria"/>
+                <a:sym typeface="Cambria"/>
+              </a:rPr>
+              <a:t>API文档：https://static.javadoc.io/org.mockito/mockito-core/2.23.0/org/mockito/Mockito.html</a:t>
+            </a:r>
+            <a:endParaRPr kumimoji="0" lang="zh-CN" altLang="en-US" sz="1800" b="0" i="0" u="none" strike="noStrike" cap="none" spc="0" normalizeH="0" baseline="0">
+              <a:ln>
+                <a:noFill/>
+              </a:ln>
+              <a:solidFill>
+                <a:schemeClr val="accent4">
+                  <a:lumOff val="-43996"/>
+                </a:schemeClr>
+              </a:solidFill>
+              <a:effectLst/>
+              <a:uFillTx/>
+              <a:latin typeface="Cambria"/>
+              <a:ea typeface="Cambria"/>
+              <a:cs typeface="Cambria"/>
+              <a:sym typeface="Cambria"/>
+            </a:endParaRPr>
+          </a:p>
+          <a:p>
+            <a:pPr marL="0" marR="0" indent="0" algn="l" defTabSz="914400" rtl="0" fontAlgn="auto" latinLnBrk="0" hangingPunct="0">
+              <a:lnSpc>
+                <a:spcPct val="100000"/>
+              </a:lnSpc>
+              <a:spcBef>
+                <a:spcPts val="0"/>
+              </a:spcBef>
+              <a:spcAft>
+                <a:spcPts val="0"/>
+              </a:spcAft>
+              <a:buClrTx/>
+              <a:buSzTx/>
+              <a:buFontTx/>
+              <a:buNone/>
+            </a:pPr>
+            <a:endParaRPr kumimoji="0" lang="zh-CN" altLang="en-US" sz="1800" b="0" i="0" u="none" strike="noStrike" cap="none" spc="0" normalizeH="0" baseline="0">
+              <a:ln>
+                <a:noFill/>
+              </a:ln>
+              <a:solidFill>
+                <a:schemeClr val="accent4">
+                  <a:lumOff val="-43996"/>
+                </a:schemeClr>
+              </a:solidFill>
+              <a:effectLst/>
+              <a:uFillTx/>
+              <a:latin typeface="Cambria"/>
+              <a:ea typeface="Cambria"/>
+              <a:cs typeface="Cambria"/>
+              <a:sym typeface="Cambria"/>
+            </a:endParaRPr>
+          </a:p>
+          <a:p>
+            <a:pPr marL="0" marR="0" indent="0" algn="l" defTabSz="914400" rtl="0" fontAlgn="auto" latinLnBrk="0" hangingPunct="0">
+              <a:lnSpc>
+                <a:spcPct val="100000"/>
+              </a:lnSpc>
+              <a:spcBef>
+                <a:spcPts val="0"/>
+              </a:spcBef>
+              <a:spcAft>
+                <a:spcPts val="0"/>
+              </a:spcAft>
+              <a:buClrTx/>
+              <a:buSzTx/>
+              <a:buFontTx/>
+              <a:buNone/>
+            </a:pPr>
+            <a:r>
+              <a:rPr kumimoji="0" lang="zh-CN" altLang="en-US" sz="1800" b="0" i="0" u="none" strike="noStrike" cap="none" spc="0" normalizeH="0" baseline="0">
+                <a:ln>
+                  <a:noFill/>
+                </a:ln>
+                <a:solidFill>
+                  <a:schemeClr val="accent4">
+                    <a:lumOff val="-43996"/>
+                  </a:schemeClr>
+                </a:solidFill>
+                <a:effectLst/>
+                <a:uFillTx/>
+                <a:latin typeface="Cambria"/>
+                <a:ea typeface="Cambria"/>
+                <a:cs typeface="Cambria"/>
+                <a:sym typeface="Cambria"/>
+              </a:rPr>
+              <a:t>项目源码：https://github.com/mockito/mockito </a:t>
+            </a:r>
+            <a:endParaRPr kumimoji="0" lang="zh-CN" altLang="en-US" sz="1800" b="0" i="0" u="none" strike="noStrike" cap="none" spc="0" normalizeH="0" baseline="0">
+              <a:ln>
+                <a:noFill/>
+              </a:ln>
+              <a:solidFill>
+                <a:schemeClr val="accent4">
+                  <a:lumOff val="-43996"/>
+                </a:schemeClr>
+              </a:solidFill>
+              <a:effectLst/>
+              <a:uFillTx/>
+              <a:latin typeface="Cambria"/>
+              <a:ea typeface="Cambria"/>
+              <a:cs typeface="Cambria"/>
+              <a:sym typeface="Cambria"/>
+            </a:endParaRPr>
+          </a:p>
+        </p:txBody>
+      </p:sp>
+    </p:spTree>
+  </p:cSld>
+  <p:clrMapOvr>
+    <a:masterClrMapping/>
+  </p:clrMapOvr>
+  <mc:AlternateContent xmlns:mc="http://schemas.openxmlformats.org/markup-compatibility/2006">
+    <mc:Choice xmlns:p14="http://schemas.microsoft.com/office/powerpoint/2010/main" Requires="p14">
+      <p:transition p14:dur="9">
+        <p:random/>
+      </p:transition>
+    </mc:Choice>
+    <mc:Fallback>
+      <p:transition>
+        <p:random/>
+      </p:transition>
+    </mc:Fallback>
+  </mc:AlternateContent>
+  <p:timing>
+    <p:tnLst>
+      <p:par>
+        <p:cTn id="1" dur="indefinite" restart="never" fill="hold" nodeType="tmRoot"/>
+      </p:par>
+    </p:tnLst>
+  </p:timing>
+</p:sld>
+</file>
+
+<file path=ppt/slides/slide25.xml><?xml version="1.0" encoding="utf-8"?>
 <p:sld xmlns:a="http://schemas.openxmlformats.org/drawingml/2006/main" xmlns:r="http://schemas.openxmlformats.org/officeDocument/2006/relationships" xmlns:p="http://schemas.openxmlformats.org/presentationml/2006/main">
   <p:cSld>
     <p:spTree>
@@ -10628,14 +12133,14 @@
       </p:grpSpPr>
       <p:sp>
         <p:nvSpPr>
-          <p:cNvPr id="317" name="Shape 317"/>
+          <p:cNvPr id="323" name="Shape 323"/>
           <p:cNvSpPr/>
           <p:nvPr/>
         </p:nvSpPr>
         <p:spPr>
           <a:xfrm>
-            <a:off x="3251200" y="500062"/>
-            <a:ext cx="2495995" cy="624841"/>
+            <a:off x="3251200" y="2286000"/>
+            <a:ext cx="4067810" cy="553085"/>
           </a:xfrm>
           <a:prstGeom prst="rect">
             <a:avLst/>
@@ -10662,418 +12167,19 @@
             </a:lvl1pPr>
           </a:lstStyle>
           <a:p>
-            <a:r>
-              <a:t>第二部分 实践</a:t>
-            </a:r>
-          </a:p>
-        </p:txBody>
-      </p:sp>
-      <p:sp>
-        <p:nvSpPr>
-          <p:cNvPr id="318" name="Shape 318"/>
-          <p:cNvSpPr/>
-          <p:nvPr/>
-        </p:nvSpPr>
-        <p:spPr>
-          <a:xfrm>
-            <a:off x="1162685" y="1851025"/>
-            <a:ext cx="2938780" cy="368300"/>
-          </a:xfrm>
-          <a:prstGeom prst="rect">
-            <a:avLst/>
-          </a:prstGeom>
-          <a:pattFill prst="pct5">
-            <a:fgClr>
-              <a:schemeClr val="bg1"/>
-            </a:fgClr>
-            <a:bgClr>
-              <a:schemeClr val="bg1"/>
-            </a:bgClr>
-          </a:pattFill>
-          <a:ln w="12700">
-            <a:miter lim="400000"/>
-          </a:ln>
-        </p:spPr>
-        <p:txBody>
-          <a:bodyPr wrap="square" lIns="45719" rIns="45719" anchor="ctr">
-            <a:spAutoFit/>
-          </a:bodyPr>
-          <a:lstStyle/>
-          <a:p>
-            <a:pPr lvl="1" indent="0">
-              <a:spcBef>
-                <a:spcPts val="400"/>
-              </a:spcBef>
-              <a:defRPr b="1">
-                <a:latin typeface="微软雅黑"/>
-                <a:ea typeface="微软雅黑"/>
-                <a:cs typeface="微软雅黑"/>
-                <a:sym typeface="微软雅黑"/>
-              </a:defRPr>
-            </a:pPr>
-            <a:r>
-              <a:rPr lang="en-US"/>
-              <a:t>2</a:t>
-            </a:r>
-            <a:r>
-              <a:t>.</a:t>
-            </a:r>
-            <a:r>
-              <a:rPr lang="en-US"/>
-              <a:t>Mockito dao </a:t>
-            </a:r>
-            <a:r>
-              <a:rPr lang="zh-CN" altLang="en-US"/>
-              <a:t>数据库操作</a:t>
-            </a:r>
-            <a:r>
-              <a:t> </a:t>
-            </a:r>
-          </a:p>
-        </p:txBody>
-      </p:sp>
-      <p:sp>
-        <p:nvSpPr>
-          <p:cNvPr id="319" name="Shape 319"/>
-          <p:cNvSpPr/>
-          <p:nvPr/>
-        </p:nvSpPr>
-        <p:spPr>
-          <a:xfrm>
-            <a:off x="1200150" y="2380457"/>
-            <a:ext cx="7188200" cy="368300"/>
-          </a:xfrm>
-          <a:prstGeom prst="rect">
-            <a:avLst/>
-          </a:prstGeom>
-          <a:ln w="12700">
-            <a:miter lim="400000"/>
-          </a:ln>
-        </p:spPr>
-        <p:txBody>
-          <a:bodyPr lIns="45719" rIns="45719" anchor="ctr">
-            <a:spAutoFit/>
-          </a:bodyPr>
-          <a:lstStyle/>
-          <a:p>
-            <a:pPr lvl="1" indent="0">
-              <a:spcBef>
-                <a:spcPts val="400"/>
-              </a:spcBef>
-              <a:defRPr b="1">
-                <a:latin typeface="微软雅黑"/>
-                <a:ea typeface="微软雅黑"/>
-                <a:cs typeface="微软雅黑"/>
-                <a:sym typeface="微软雅黑"/>
-              </a:defRPr>
-            </a:pPr>
-            <a:r>
-              <a:rPr lang="en-US"/>
-              <a:t>3</a:t>
-            </a:r>
-            <a:r>
-              <a:t>. </a:t>
-            </a:r>
-            <a:r>
-              <a:rPr lang="en-US"/>
-              <a:t>Mokito </a:t>
-            </a:r>
-            <a:r>
-              <a:rPr lang="zh-CN" altLang="en-US"/>
-              <a:t>静态方法</a:t>
-            </a:r>
-            <a:endParaRPr lang="zh-CN" altLang="en-US"/>
-          </a:p>
-        </p:txBody>
-      </p:sp>
-      <p:sp>
-        <p:nvSpPr>
-          <p:cNvPr id="320" name="Shape 320"/>
-          <p:cNvSpPr/>
-          <p:nvPr/>
-        </p:nvSpPr>
-        <p:spPr>
-          <a:xfrm>
-            <a:off x="1200150" y="2897029"/>
-            <a:ext cx="7188200" cy="368300"/>
-          </a:xfrm>
-          <a:prstGeom prst="rect">
-            <a:avLst/>
-          </a:prstGeom>
-          <a:ln w="12700">
-            <a:miter lim="400000"/>
-          </a:ln>
-        </p:spPr>
-        <p:txBody>
-          <a:bodyPr lIns="45719" rIns="45719" anchor="ctr">
-            <a:spAutoFit/>
-          </a:bodyPr>
-          <a:lstStyle/>
-          <a:p>
-            <a:pPr lvl="1" indent="0">
-              <a:spcBef>
-                <a:spcPts val="400"/>
-              </a:spcBef>
-              <a:defRPr b="1">
-                <a:latin typeface="微软雅黑"/>
-                <a:ea typeface="微软雅黑"/>
-                <a:cs typeface="微软雅黑"/>
-                <a:sym typeface="微软雅黑"/>
-              </a:defRPr>
-            </a:pPr>
-            <a:r>
-              <a:rPr lang="en-US"/>
-              <a:t>4</a:t>
-            </a:r>
-            <a:r>
-              <a:t>.</a:t>
-            </a:r>
-            <a:r>
-              <a:rPr lang="en-US"/>
-              <a:t>Mokito </a:t>
-            </a:r>
-            <a:r>
-              <a:rPr lang="zh-CN" altLang="en-US"/>
-              <a:t>私有方法</a:t>
-            </a:r>
-            <a:r>
-              <a:t> </a:t>
-            </a:r>
-          </a:p>
-        </p:txBody>
-      </p:sp>
-      <p:sp>
-        <p:nvSpPr>
-          <p:cNvPr id="321" name="Shape 321"/>
-          <p:cNvSpPr/>
-          <p:nvPr/>
-        </p:nvSpPr>
-        <p:spPr>
-          <a:xfrm>
-            <a:off x="1200150" y="3336925"/>
-            <a:ext cx="5120005" cy="368300"/>
-          </a:xfrm>
-          <a:prstGeom prst="rect">
-            <a:avLst/>
-          </a:prstGeom>
-          <a:ln w="12700">
-            <a:miter lim="400000"/>
-          </a:ln>
-        </p:spPr>
-        <p:txBody>
-          <a:bodyPr wrap="square" lIns="45719" rIns="45719" anchor="ctr">
-            <a:spAutoFit/>
-          </a:bodyPr>
-          <a:lstStyle/>
-          <a:p>
-            <a:pPr lvl="1" indent="0">
-              <a:spcBef>
-                <a:spcPts val="400"/>
-              </a:spcBef>
-              <a:defRPr b="1">
-                <a:latin typeface="微软雅黑"/>
-                <a:ea typeface="微软雅黑"/>
-                <a:cs typeface="微软雅黑"/>
-                <a:sym typeface="微软雅黑"/>
-              </a:defRPr>
-            </a:pPr>
-            <a:r>
-              <a:rPr lang="en-US"/>
-              <a:t>5</a:t>
-            </a:r>
-            <a:r>
-              <a:t>. </a:t>
-            </a:r>
-            <a:r>
-              <a:rPr lang="en-US"/>
-              <a:t>Mock void</a:t>
-            </a:r>
-            <a:r>
-              <a:rPr lang="zh-CN" altLang="en-US"/>
-              <a:t>方法</a:t>
-            </a:r>
-            <a:r>
-              <a:rPr lang="en-US"/>
-              <a:t> </a:t>
-            </a:r>
-            <a:endParaRPr lang="en-US"/>
-          </a:p>
-        </p:txBody>
-      </p:sp>
-      <p:sp>
-        <p:nvSpPr>
-          <p:cNvPr id="3" name="文本框 2"/>
-          <p:cNvSpPr txBox="1"/>
-          <p:nvPr/>
-        </p:nvSpPr>
-        <p:spPr>
-          <a:xfrm>
-            <a:off x="1162685" y="1383665"/>
-            <a:ext cx="1911985" cy="367030"/>
-          </a:xfrm>
-          <a:prstGeom prst="rect">
-            <a:avLst/>
-          </a:prstGeom>
-          <a:noFill/>
-          <a:ln w="12700" cap="flat">
-            <a:noFill/>
-            <a:miter lim="400000"/>
-          </a:ln>
-        </p:spPr>
-        <p:style>
-          <a:lnRef idx="0">
-            <a:srgbClr val="FFFFFF"/>
-          </a:lnRef>
-          <a:fillRef idx="0">
-            <a:srgbClr val="FFFFFF"/>
-          </a:fillRef>
-          <a:effectRef idx="0">
-            <a:srgbClr val="FFFFFF"/>
-          </a:effectRef>
-          <a:fontRef idx="none"/>
-        </p:style>
-        <p:txBody>
-          <a:bodyPr rot="0" vertOverflow="overflow" horzOverflow="overflow" vert="horz" wrap="none" lIns="45719" tIns="45719" rIns="45719" bIns="45719" numCol="1" spcCol="38100" rtlCol="0" anchor="t" forceAA="0" upright="0">
-            <a:spAutoFit/>
-          </a:bodyPr>
-          <a:p>
-            <a:pPr marL="0" marR="0" indent="0" algn="l" defTabSz="914400" rtl="0" fontAlgn="auto" latinLnBrk="0" hangingPunct="0">
-              <a:lnSpc>
-                <a:spcPct val="100000"/>
-              </a:lnSpc>
-              <a:spcBef>
-                <a:spcPts val="0"/>
-              </a:spcBef>
-              <a:spcAft>
-                <a:spcPts val="0"/>
-              </a:spcAft>
-              <a:buClrTx/>
-              <a:buSzTx/>
-              <a:buFontTx/>
-              <a:buNone/>
-            </a:pPr>
-            <a:r>
-              <a:rPr kumimoji="0" lang="en-US" altLang="zh-CN" sz="1800" b="0" i="0" u="none" strike="noStrike" cap="none" spc="0" normalizeH="0" baseline="0">
-                <a:ln>
-                  <a:noFill/>
-                </a:ln>
-                <a:solidFill>
-                  <a:schemeClr val="accent4">
-                    <a:lumOff val="-43999"/>
-                  </a:schemeClr>
-                </a:solidFill>
-                <a:effectLst/>
-                <a:uFillTx/>
-                <a:latin typeface="Cambria"/>
-                <a:ea typeface="Cambria"/>
-                <a:cs typeface="Cambria"/>
-                <a:sym typeface="Cambria"/>
+            <a:pPr algn="l"/>
+            <a:r>
+              <a:t>第一部分 </a:t>
+            </a:r>
+            <a:r>
+              <a:rPr>
+                <a:sym typeface="+mn-ea"/>
               </a:rPr>
-              <a:t>1.</a:t>
-            </a:r>
-            <a:r>
-              <a:rPr kumimoji="0" lang="zh-CN" altLang="en-US" sz="1800" b="0" i="0" u="none" strike="noStrike" cap="none" spc="0" normalizeH="0" baseline="0">
-                <a:ln>
-                  <a:noFill/>
-                </a:ln>
-                <a:solidFill>
-                  <a:schemeClr val="accent4">
-                    <a:lumOff val="-43999"/>
-                  </a:schemeClr>
-                </a:solidFill>
-                <a:effectLst/>
-                <a:uFillTx/>
-                <a:latin typeface="Cambria"/>
-                <a:ea typeface="Cambria"/>
-                <a:cs typeface="Cambria"/>
-                <a:sym typeface="Cambria"/>
-              </a:rPr>
-              <a:t>常用</a:t>
-            </a:r>
-            <a:r>
-              <a:rPr kumimoji="0" lang="zh-CN" altLang="en-US" sz="1800" b="0" i="0" u="none" strike="noStrike" cap="none" spc="0" normalizeH="0" baseline="0">
-                <a:ln>
-                  <a:noFill/>
-                </a:ln>
-                <a:solidFill>
-                  <a:schemeClr val="accent4">
-                    <a:lumOff val="-43999"/>
-                  </a:schemeClr>
-                </a:solidFill>
-                <a:effectLst/>
-                <a:uFillTx/>
-                <a:latin typeface="Cambria"/>
-                <a:ea typeface="Cambria"/>
-                <a:cs typeface="Cambria"/>
-                <a:sym typeface="Cambria"/>
-              </a:rPr>
-              <a:t>的一些例子</a:t>
-            </a:r>
-            <a:endParaRPr kumimoji="0" lang="zh-CN" altLang="en-US" sz="1800" b="0" i="0" u="none" strike="noStrike" cap="none" spc="0" normalizeH="0" baseline="0">
-              <a:ln>
-                <a:noFill/>
-              </a:ln>
-              <a:solidFill>
-                <a:schemeClr val="accent4">
-                  <a:lumOff val="-43999"/>
-                </a:schemeClr>
-              </a:solidFill>
-              <a:effectLst/>
-              <a:uFillTx/>
-              <a:latin typeface="Cambria"/>
-              <a:ea typeface="Cambria"/>
-              <a:cs typeface="Cambria"/>
-              <a:sym typeface="Cambria"/>
+              <a:t>Mockito 介绍</a:t>
+            </a:r>
+            <a:endParaRPr>
+              <a:sym typeface="+mn-ea"/>
             </a:endParaRPr>
-          </a:p>
-        </p:txBody>
-      </p:sp>
-      <p:sp>
-        <p:nvSpPr>
-          <p:cNvPr id="4" name="Shape 321"/>
-          <p:cNvSpPr/>
-          <p:nvPr/>
-        </p:nvSpPr>
-        <p:spPr>
-          <a:xfrm>
-            <a:off x="1183640" y="3822700"/>
-            <a:ext cx="3685540" cy="368300"/>
-          </a:xfrm>
-          <a:prstGeom prst="rect">
-            <a:avLst/>
-          </a:prstGeom>
-          <a:ln w="12700">
-            <a:miter lim="400000"/>
-          </a:ln>
-        </p:spPr>
-        <p:txBody>
-          <a:bodyPr wrap="square" lIns="45719" rIns="45719" anchor="ctr">
-            <a:spAutoFit/>
-          </a:bodyPr>
-          <a:p>
-            <a:pPr lvl="1" indent="0">
-              <a:spcBef>
-                <a:spcPts val="400"/>
-              </a:spcBef>
-              <a:defRPr b="1">
-                <a:latin typeface="微软雅黑"/>
-                <a:ea typeface="微软雅黑"/>
-                <a:cs typeface="微软雅黑"/>
-                <a:sym typeface="微软雅黑"/>
-              </a:defRPr>
-            </a:pPr>
-            <a:r>
-              <a:rPr lang="en-US"/>
-              <a:t>6</a:t>
-            </a:r>
-            <a:r>
-              <a:t>. </a:t>
-            </a:r>
-            <a:r>
-              <a:rPr lang="en-US"/>
-              <a:t>Mock方法内部new出来的对象 </a:t>
-            </a:r>
-            <a:endParaRPr lang="en-US"/>
           </a:p>
         </p:txBody>
       </p:sp>
@@ -11094,493 +12200,6 @@
       </p:transition>
     </mc:Fallback>
   </mc:AlternateContent>
-  <p:timing>
-    <p:tnLst>
-      <p:par>
-        <p:cTn id="1" dur="indefinite" restart="never" fill="hold" nodeType="tmRoot">
-          <p:childTnLst>
-            <p:seq concurrent="1" nextAc="seek">
-              <p:cTn id="2" dur="indefinite" fill="hold" nodeType="mainSeq">
-                <p:childTnLst>
-                  <p:par>
-                    <p:cTn id="3" fill="hold">
-                      <p:stCondLst>
-                        <p:cond delay="indefinite"/>
-                      </p:stCondLst>
-                      <p:childTnLst>
-                        <p:par>
-                          <p:cTn id="4" fill="hold">
-                            <p:stCondLst>
-                              <p:cond delay="0"/>
-                            </p:stCondLst>
-                            <p:childTnLst>
-                              <p:par>
-                                <p:cTn id="5" presetID="2" presetClass="entr" presetSubtype="4" fill="hold" grpId="1" nodeType="clickEffect">
-                                  <p:stCondLst>
-                                    <p:cond delay="0"/>
-                                  </p:stCondLst>
-                                  <p:iterate type="el">
-                                    <p:tmAbs val="0"/>
-                                  </p:iterate>
-                                  <p:childTnLst>
-                                    <p:set>
-                                      <p:cBhvr>
-                                        <p:cTn id="6" dur="indefinite" fill="hold"/>
-                                        <p:tgtEl>
-                                          <p:spTgt spid="318"/>
-                                        </p:tgtEl>
-                                        <p:attrNameLst>
-                                          <p:attrName>style.visibility</p:attrName>
-                                        </p:attrNameLst>
-                                      </p:cBhvr>
-                                      <p:to>
-                                        <p:strVal val="visible"/>
-                                      </p:to>
-                                    </p:set>
-                                    <p:anim calcmode="lin" valueType="num">
-                                      <p:cBhvr>
-                                        <p:cTn id="7" dur="500" fill="hold"/>
-                                        <p:tgtEl>
-                                          <p:spTgt spid="318"/>
-                                        </p:tgtEl>
-                                        <p:attrNameLst>
-                                          <p:attrName>ppt_x</p:attrName>
-                                        </p:attrNameLst>
-                                      </p:cBhvr>
-                                      <p:tavLst>
-                                        <p:tav tm="0">
-                                          <p:val>
-                                            <p:strVal val="#ppt_x"/>
-                                          </p:val>
-                                        </p:tav>
-                                        <p:tav tm="100000">
-                                          <p:val>
-                                            <p:strVal val="#ppt_x"/>
-                                          </p:val>
-                                        </p:tav>
-                                      </p:tavLst>
-                                    </p:anim>
-                                    <p:anim calcmode="lin" valueType="num">
-                                      <p:cBhvr>
-                                        <p:cTn id="8" dur="500" fill="hold"/>
-                                        <p:tgtEl>
-                                          <p:spTgt spid="318"/>
-                                        </p:tgtEl>
-                                        <p:attrNameLst>
-                                          <p:attrName>ppt_y</p:attrName>
-                                        </p:attrNameLst>
-                                      </p:cBhvr>
-                                      <p:tavLst>
-                                        <p:tav tm="0">
-                                          <p:val>
-                                            <p:strVal val="1+#ppt_h/2"/>
-                                          </p:val>
-                                        </p:tav>
-                                        <p:tav tm="100000">
-                                          <p:val>
-                                            <p:strVal val="#ppt_y"/>
-                                          </p:val>
-                                        </p:tav>
-                                      </p:tavLst>
-                                    </p:anim>
-                                  </p:childTnLst>
-                                </p:cTn>
-                              </p:par>
-                            </p:childTnLst>
-                          </p:cTn>
-                        </p:par>
-                      </p:childTnLst>
-                    </p:cTn>
-                  </p:par>
-                  <p:par>
-                    <p:cTn id="9" fill="hold">
-                      <p:stCondLst>
-                        <p:cond delay="indefinite"/>
-                      </p:stCondLst>
-                      <p:childTnLst>
-                        <p:par>
-                          <p:cTn id="10" fill="hold">
-                            <p:stCondLst>
-                              <p:cond delay="0"/>
-                            </p:stCondLst>
-                            <p:childTnLst>
-                              <p:par>
-                                <p:cTn id="11" presetID="2" presetClass="entr" presetSubtype="4" fill="hold" grpId="2" nodeType="clickEffect">
-                                  <p:stCondLst>
-                                    <p:cond delay="0"/>
-                                  </p:stCondLst>
-                                  <p:iterate type="el">
-                                    <p:tmAbs val="0"/>
-                                  </p:iterate>
-                                  <p:childTnLst>
-                                    <p:set>
-                                      <p:cBhvr>
-                                        <p:cTn id="12" dur="indefinite" fill="hold"/>
-                                        <p:tgtEl>
-                                          <p:spTgt spid="319"/>
-                                        </p:tgtEl>
-                                        <p:attrNameLst>
-                                          <p:attrName>style.visibility</p:attrName>
-                                        </p:attrNameLst>
-                                      </p:cBhvr>
-                                      <p:to>
-                                        <p:strVal val="visible"/>
-                                      </p:to>
-                                    </p:set>
-                                    <p:anim calcmode="lin" valueType="num">
-                                      <p:cBhvr>
-                                        <p:cTn id="13" dur="500" fill="hold"/>
-                                        <p:tgtEl>
-                                          <p:spTgt spid="319"/>
-                                        </p:tgtEl>
-                                        <p:attrNameLst>
-                                          <p:attrName>ppt_x</p:attrName>
-                                        </p:attrNameLst>
-                                      </p:cBhvr>
-                                      <p:tavLst>
-                                        <p:tav tm="0">
-                                          <p:val>
-                                            <p:strVal val="#ppt_x"/>
-                                          </p:val>
-                                        </p:tav>
-                                        <p:tav tm="100000">
-                                          <p:val>
-                                            <p:strVal val="#ppt_x"/>
-                                          </p:val>
-                                        </p:tav>
-                                      </p:tavLst>
-                                    </p:anim>
-                                    <p:anim calcmode="lin" valueType="num">
-                                      <p:cBhvr>
-                                        <p:cTn id="14" dur="500" fill="hold"/>
-                                        <p:tgtEl>
-                                          <p:spTgt spid="319"/>
-                                        </p:tgtEl>
-                                        <p:attrNameLst>
-                                          <p:attrName>ppt_y</p:attrName>
-                                        </p:attrNameLst>
-                                      </p:cBhvr>
-                                      <p:tavLst>
-                                        <p:tav tm="0">
-                                          <p:val>
-                                            <p:strVal val="1+#ppt_h/2"/>
-                                          </p:val>
-                                        </p:tav>
-                                        <p:tav tm="100000">
-                                          <p:val>
-                                            <p:strVal val="#ppt_y"/>
-                                          </p:val>
-                                        </p:tav>
-                                      </p:tavLst>
-                                    </p:anim>
-                                  </p:childTnLst>
-                                </p:cTn>
-                              </p:par>
-                            </p:childTnLst>
-                          </p:cTn>
-                        </p:par>
-                      </p:childTnLst>
-                    </p:cTn>
-                  </p:par>
-                  <p:par>
-                    <p:cTn id="15" fill="hold">
-                      <p:stCondLst>
-                        <p:cond delay="indefinite"/>
-                      </p:stCondLst>
-                      <p:childTnLst>
-                        <p:par>
-                          <p:cTn id="16" fill="hold">
-                            <p:stCondLst>
-                              <p:cond delay="0"/>
-                            </p:stCondLst>
-                            <p:childTnLst>
-                              <p:par>
-                                <p:cTn id="17" presetID="2" presetClass="entr" presetSubtype="4" fill="hold" grpId="3" nodeType="clickEffect">
-                                  <p:stCondLst>
-                                    <p:cond delay="0"/>
-                                  </p:stCondLst>
-                                  <p:iterate type="el">
-                                    <p:tmAbs val="0"/>
-                                  </p:iterate>
-                                  <p:childTnLst>
-                                    <p:set>
-                                      <p:cBhvr>
-                                        <p:cTn id="18" dur="indefinite" fill="hold"/>
-                                        <p:tgtEl>
-                                          <p:spTgt spid="320"/>
-                                        </p:tgtEl>
-                                        <p:attrNameLst>
-                                          <p:attrName>style.visibility</p:attrName>
-                                        </p:attrNameLst>
-                                      </p:cBhvr>
-                                      <p:to>
-                                        <p:strVal val="visible"/>
-                                      </p:to>
-                                    </p:set>
-                                    <p:anim calcmode="lin" valueType="num">
-                                      <p:cBhvr>
-                                        <p:cTn id="19" dur="500" fill="hold"/>
-                                        <p:tgtEl>
-                                          <p:spTgt spid="320"/>
-                                        </p:tgtEl>
-                                        <p:attrNameLst>
-                                          <p:attrName>ppt_x</p:attrName>
-                                        </p:attrNameLst>
-                                      </p:cBhvr>
-                                      <p:tavLst>
-                                        <p:tav tm="0">
-                                          <p:val>
-                                            <p:strVal val="#ppt_x"/>
-                                          </p:val>
-                                        </p:tav>
-                                        <p:tav tm="100000">
-                                          <p:val>
-                                            <p:strVal val="#ppt_x"/>
-                                          </p:val>
-                                        </p:tav>
-                                      </p:tavLst>
-                                    </p:anim>
-                                    <p:anim calcmode="lin" valueType="num">
-                                      <p:cBhvr>
-                                        <p:cTn id="20" dur="500" fill="hold"/>
-                                        <p:tgtEl>
-                                          <p:spTgt spid="320"/>
-                                        </p:tgtEl>
-                                        <p:attrNameLst>
-                                          <p:attrName>ppt_y</p:attrName>
-                                        </p:attrNameLst>
-                                      </p:cBhvr>
-                                      <p:tavLst>
-                                        <p:tav tm="0">
-                                          <p:val>
-                                            <p:strVal val="1+#ppt_h/2"/>
-                                          </p:val>
-                                        </p:tav>
-                                        <p:tav tm="100000">
-                                          <p:val>
-                                            <p:strVal val="#ppt_y"/>
-                                          </p:val>
-                                        </p:tav>
-                                      </p:tavLst>
-                                    </p:anim>
-                                  </p:childTnLst>
-                                </p:cTn>
-                              </p:par>
-                            </p:childTnLst>
-                          </p:cTn>
-                        </p:par>
-                      </p:childTnLst>
-                    </p:cTn>
-                  </p:par>
-                  <p:par>
-                    <p:cTn id="21" fill="hold">
-                      <p:stCondLst>
-                        <p:cond delay="indefinite"/>
-                      </p:stCondLst>
-                      <p:childTnLst>
-                        <p:par>
-                          <p:cTn id="22" fill="hold">
-                            <p:stCondLst>
-                              <p:cond delay="0"/>
-                            </p:stCondLst>
-                            <p:childTnLst>
-                              <p:par>
-                                <p:cTn id="23" presetID="2" presetClass="entr" presetSubtype="4" fill="hold" grpId="4" nodeType="clickEffect">
-                                  <p:stCondLst>
-                                    <p:cond delay="0"/>
-                                  </p:stCondLst>
-                                  <p:iterate type="el">
-                                    <p:tmAbs val="0"/>
-                                  </p:iterate>
-                                  <p:childTnLst>
-                                    <p:set>
-                                      <p:cBhvr>
-                                        <p:cTn id="24" dur="indefinite" fill="hold"/>
-                                        <p:tgtEl>
-                                          <p:spTgt spid="321"/>
-                                        </p:tgtEl>
-                                        <p:attrNameLst>
-                                          <p:attrName>style.visibility</p:attrName>
-                                        </p:attrNameLst>
-                                      </p:cBhvr>
-                                      <p:to>
-                                        <p:strVal val="visible"/>
-                                      </p:to>
-                                    </p:set>
-                                    <p:anim calcmode="lin" valueType="num">
-                                      <p:cBhvr>
-                                        <p:cTn id="25" dur="500" fill="hold"/>
-                                        <p:tgtEl>
-                                          <p:spTgt spid="321"/>
-                                        </p:tgtEl>
-                                        <p:attrNameLst>
-                                          <p:attrName>ppt_x</p:attrName>
-                                        </p:attrNameLst>
-                                      </p:cBhvr>
-                                      <p:tavLst>
-                                        <p:tav tm="0">
-                                          <p:val>
-                                            <p:strVal val="#ppt_x"/>
-                                          </p:val>
-                                        </p:tav>
-                                        <p:tav tm="100000">
-                                          <p:val>
-                                            <p:strVal val="#ppt_x"/>
-                                          </p:val>
-                                        </p:tav>
-                                      </p:tavLst>
-                                    </p:anim>
-                                    <p:anim calcmode="lin" valueType="num">
-                                      <p:cBhvr>
-                                        <p:cTn id="26" dur="500" fill="hold"/>
-                                        <p:tgtEl>
-                                          <p:spTgt spid="321"/>
-                                        </p:tgtEl>
-                                        <p:attrNameLst>
-                                          <p:attrName>ppt_y</p:attrName>
-                                        </p:attrNameLst>
-                                      </p:cBhvr>
-                                      <p:tavLst>
-                                        <p:tav tm="0">
-                                          <p:val>
-                                            <p:strVal val="1+#ppt_h/2"/>
-                                          </p:val>
-                                        </p:tav>
-                                        <p:tav tm="100000">
-                                          <p:val>
-                                            <p:strVal val="#ppt_y"/>
-                                          </p:val>
-                                        </p:tav>
-                                      </p:tavLst>
-                                    </p:anim>
-                                  </p:childTnLst>
-                                </p:cTn>
-                              </p:par>
-                            </p:childTnLst>
-                          </p:cTn>
-                        </p:par>
-                      </p:childTnLst>
-                    </p:cTn>
-                  </p:par>
-                  <p:par>
-                    <p:cTn id="27" fill="hold">
-                      <p:stCondLst>
-                        <p:cond delay="indefinite"/>
-                      </p:stCondLst>
-                      <p:childTnLst>
-                        <p:par>
-                          <p:cTn id="28" fill="hold">
-                            <p:stCondLst>
-                              <p:cond delay="0"/>
-                            </p:stCondLst>
-                            <p:childTnLst>
-                              <p:par>
-                                <p:cTn id="29" presetID="2" presetClass="entr" presetSubtype="4" fill="hold" grpId="4" nodeType="clickEffect">
-                                  <p:stCondLst>
-                                    <p:cond delay="0"/>
-                                  </p:stCondLst>
-                                  <p:iterate type="el">
-                                    <p:tmAbs val="0"/>
-                                  </p:iterate>
-                                  <p:childTnLst>
-                                    <p:set>
-                                      <p:cBhvr>
-                                        <p:cTn id="30" dur="indefinite" fill="hold"/>
-                                        <p:tgtEl>
-                                          <p:spTgt spid="4"/>
-                                        </p:tgtEl>
-                                        <p:attrNameLst>
-                                          <p:attrName>style.visibility</p:attrName>
-                                        </p:attrNameLst>
-                                      </p:cBhvr>
-                                      <p:to>
-                                        <p:strVal val="visible"/>
-                                      </p:to>
-                                    </p:set>
-                                    <p:anim calcmode="lin" valueType="num">
-                                      <p:cBhvr>
-                                        <p:cTn id="31" dur="500" fill="hold"/>
-                                        <p:tgtEl>
-                                          <p:spTgt spid="4"/>
-                                        </p:tgtEl>
-                                        <p:attrNameLst>
-                                          <p:attrName>ppt_x</p:attrName>
-                                        </p:attrNameLst>
-                                      </p:cBhvr>
-                                      <p:tavLst>
-                                        <p:tav tm="0">
-                                          <p:val>
-                                            <p:strVal val="#ppt_x"/>
-                                          </p:val>
-                                        </p:tav>
-                                        <p:tav tm="100000">
-                                          <p:val>
-                                            <p:strVal val="#ppt_x"/>
-                                          </p:val>
-                                        </p:tav>
-                                      </p:tavLst>
-                                    </p:anim>
-                                    <p:anim calcmode="lin" valueType="num">
-                                      <p:cBhvr>
-                                        <p:cTn id="32" dur="500" fill="hold"/>
-                                        <p:tgtEl>
-                                          <p:spTgt spid="4"/>
-                                        </p:tgtEl>
-                                        <p:attrNameLst>
-                                          <p:attrName>ppt_y</p:attrName>
-                                        </p:attrNameLst>
-                                      </p:cBhvr>
-                                      <p:tavLst>
-                                        <p:tav tm="0">
-                                          <p:val>
-                                            <p:strVal val="1+#ppt_h/2"/>
-                                          </p:val>
-                                        </p:tav>
-                                        <p:tav tm="100000">
-                                          <p:val>
-                                            <p:strVal val="#ppt_y"/>
-                                          </p:val>
-                                        </p:tav>
-                                      </p:tavLst>
-                                    </p:anim>
-                                  </p:childTnLst>
-                                </p:cTn>
-                              </p:par>
-                            </p:childTnLst>
-                          </p:cTn>
-                        </p:par>
-                      </p:childTnLst>
-                    </p:cTn>
-                  </p:par>
-                </p:childTnLst>
-              </p:cTn>
-              <p:prevCondLst>
-                <p:cond evt="onPrev">
-                  <p:tgtEl>
-                    <p:sldTgt/>
-                  </p:tgtEl>
-                </p:cond>
-              </p:prevCondLst>
-              <p:nextCondLst>
-                <p:cond evt="onNext">
-                  <p:tgtEl>
-                    <p:sldTgt/>
-                  </p:tgtEl>
-                </p:cond>
-              </p:nextCondLst>
-            </p:seq>
-          </p:childTnLst>
-        </p:cTn>
-      </p:par>
-    </p:tnLst>
-    <p:bldLst>
-      <p:bldP spid="319" grpId="2" animBg="1" advAuto="0"/>
-      <p:bldP spid="321" grpId="4" animBg="1" advAuto="0"/>
-      <p:bldP spid="320" grpId="3" animBg="1" advAuto="0"/>
-      <p:bldP spid="318" grpId="1" bldLvl="0" animBg="1" advAuto="0"/>
-      <p:bldP spid="4" grpId="4" animBg="1" advAuto="0"/>
-    </p:bldLst>
-  </p:timing>
 </p:sld>
 </file>
 
@@ -11603,92 +12222,6 @@
       </p:grpSpPr>
       <p:sp>
         <p:nvSpPr>
-          <p:cNvPr id="323" name="Shape 323"/>
-          <p:cNvSpPr/>
-          <p:nvPr/>
-        </p:nvSpPr>
-        <p:spPr>
-          <a:xfrm>
-            <a:off x="3251200" y="2286000"/>
-            <a:ext cx="4067810" cy="553085"/>
-          </a:xfrm>
-          <a:prstGeom prst="rect">
-            <a:avLst/>
-          </a:prstGeom>
-          <a:ln w="12700">
-            <a:miter lim="400000"/>
-          </a:ln>
-        </p:spPr>
-        <p:txBody>
-          <a:bodyPr wrap="none" lIns="45719" rIns="45719">
-            <a:spAutoFit/>
-          </a:bodyPr>
-          <a:lstStyle>
-            <a:lvl1pPr>
-              <a:defRPr sz="3000" b="1">
-                <a:solidFill>
-                  <a:srgbClr val="C9394A"/>
-                </a:solidFill>
-                <a:latin typeface="微软雅黑"/>
-                <a:ea typeface="微软雅黑"/>
-                <a:cs typeface="微软雅黑"/>
-                <a:sym typeface="微软雅黑"/>
-              </a:defRPr>
-            </a:lvl1pPr>
-          </a:lstStyle>
-          <a:p>
-            <a:pPr algn="l"/>
-            <a:r>
-              <a:t>第一部分 </a:t>
-            </a:r>
-            <a:r>
-              <a:rPr>
-                <a:sym typeface="+mn-ea"/>
-              </a:rPr>
-              <a:t>Mockito 介绍</a:t>
-            </a:r>
-          </a:p>
-        </p:txBody>
-      </p:sp>
-    </p:spTree>
-  </p:cSld>
-  <p:clrMapOvr>
-    <a:masterClrMapping/>
-  </p:clrMapOvr>
-  <mc:AlternateContent xmlns:mc="http://schemas.openxmlformats.org/markup-compatibility/2006">
-    <mc:Choice xmlns:p14="http://schemas.microsoft.com/office/powerpoint/2010/main" Requires="p14">
-      <p:transition p14:dur="9">
-        <p:random/>
-      </p:transition>
-    </mc:Choice>
-    <mc:Fallback>
-      <p:transition>
-        <p:random/>
-      </p:transition>
-    </mc:Fallback>
-  </mc:AlternateContent>
-</p:sld>
-</file>
-
-<file path=ppt/slides/slide5.xml><?xml version="1.0" encoding="utf-8"?>
-<p:sld xmlns:a="http://schemas.openxmlformats.org/drawingml/2006/main" xmlns:r="http://schemas.openxmlformats.org/officeDocument/2006/relationships" xmlns:p="http://schemas.openxmlformats.org/presentationml/2006/main">
-  <p:cSld>
-    <p:spTree>
-      <p:nvGrpSpPr>
-        <p:cNvPr id="1" name=""/>
-        <p:cNvGrpSpPr/>
-        <p:nvPr/>
-      </p:nvGrpSpPr>
-      <p:grpSpPr>
-        <a:xfrm>
-          <a:off x="0" y="0"/>
-          <a:ext cx="0" cy="0"/>
-          <a:chOff x="0" y="0"/>
-          <a:chExt cx="0" cy="0"/>
-        </a:xfrm>
-      </p:grpSpPr>
-      <p:sp>
-        <p:nvSpPr>
           <p:cNvPr id="325" name="Shape 325"/>
           <p:cNvSpPr/>
           <p:nvPr/>
@@ -11723,7 +12256,14 @@
               </a:defRPr>
             </a:pPr>
             <a:r>
-              <a:t>Mockito是一个模拟测试框架，可以让你用优雅，简洁的接口写出漂亮的单元测试。Mockito可以让单元测试易于可读，产生简洁的校验错误。</a:t>
+              <a:t>Mockito是一个</a:t>
+            </a:r>
+            <a:r>
+              <a:rPr lang="en-US"/>
+              <a:t>mock</a:t>
+            </a:r>
+            <a:r>
+              <a:t>框架，可以让你用优雅，简洁的接口写出漂亮的单元测试。Mockito可以让单元测试易于可读，产生简洁的校验错误。</a:t>
             </a:r>
           </a:p>
         </p:txBody>
@@ -11793,33 +12333,6 @@
           </a:p>
         </p:txBody>
       </p:sp>
-      <p:pic>
-        <p:nvPicPr>
-          <p:cNvPr id="327" name="image1.gif"/>
-          <p:cNvPicPr/>
-          <p:nvPr/>
-        </p:nvPicPr>
-        <p:blipFill>
-          <a:blip r:embed="rId1"/>
-          <a:stretch>
-            <a:fillRect/>
-          </a:stretch>
-        </p:blipFill>
-        <p:spPr>
-          <a:xfrm>
-            <a:off x="-2653701" y="4857443"/>
-            <a:ext cx="2243533" cy="2243528"/>
-          </a:xfrm>
-          <a:prstGeom prst="rect">
-            <a:avLst/>
-          </a:prstGeom>
-          <a:ln w="12700">
-            <a:miter lim="400000"/>
-            <a:headEnd/>
-            <a:tailEnd/>
-          </a:ln>
-        </p:spPr>
-      </p:pic>
     </p:spTree>
   </p:cSld>
   <p:clrMapOvr>
@@ -11963,7 +12476,7 @@
 </p:sld>
 </file>
 
-<file path=ppt/slides/slide6.xml><?xml version="1.0" encoding="utf-8"?>
+<file path=ppt/slides/slide5.xml><?xml version="1.0" encoding="utf-8"?>
 <p:sld xmlns:a="http://schemas.openxmlformats.org/drawingml/2006/main" xmlns:r="http://schemas.openxmlformats.org/officeDocument/2006/relationships" xmlns:p="http://schemas.openxmlformats.org/presentationml/2006/main">
   <p:cSld>
     <p:spTree>
@@ -12055,7 +12568,7 @@
 </p:sld>
 </file>
 
-<file path=ppt/slides/slide7.xml><?xml version="1.0" encoding="utf-8"?>
+<file path=ppt/slides/slide6.xml><?xml version="1.0" encoding="utf-8"?>
 <p:sld xmlns:a="http://schemas.openxmlformats.org/drawingml/2006/main" xmlns:r="http://schemas.openxmlformats.org/officeDocument/2006/relationships" xmlns:p="http://schemas.openxmlformats.org/presentationml/2006/main">
   <p:cSld>
     <p:spTree>
@@ -12117,7 +12630,7 @@
             <a:effectLst>
               <a:outerShdw blurRad="38100" dist="20000" dir="5400000" rotWithShape="0">
                 <a:schemeClr val="accent4">
-                  <a:lumOff val="-43999"/>
+                  <a:lumOff val="-43997"/>
                   <a:alpha val="37647"/>
                 </a:schemeClr>
               </a:outerShdw>
@@ -12235,7 +12748,7 @@
             <a:effectLst>
               <a:outerShdw blurRad="38100" dist="20000" dir="5400000" rotWithShape="0">
                 <a:schemeClr val="accent4">
-                  <a:lumOff val="-43999"/>
+                  <a:lumOff val="-43997"/>
                   <a:alpha val="37647"/>
                 </a:schemeClr>
               </a:outerShdw>
@@ -12355,7 +12868,7 @@
             <a:effectLst>
               <a:outerShdw blurRad="38100" dist="20000" dir="5400000" rotWithShape="0">
                 <a:schemeClr val="accent4">
-                  <a:lumOff val="-43999"/>
+                  <a:lumOff val="-43997"/>
                   <a:alpha val="37647"/>
                 </a:schemeClr>
               </a:outerShdw>
@@ -12423,6 +12936,7 @@
                 <a:rPr lang="en-US"/>
                 <a:t>Class B</a:t>
               </a:r>
+              <a:endParaRPr lang="en-US"/>
             </a:p>
           </p:txBody>
         </p:sp>
@@ -12473,7 +12987,7 @@
             <a:effectLst>
               <a:outerShdw blurRad="38100" dist="20000" dir="5400000" rotWithShape="0">
                 <a:schemeClr val="accent4">
-                  <a:lumOff val="-43999"/>
+                  <a:lumOff val="-43997"/>
                   <a:alpha val="37647"/>
                 </a:schemeClr>
               </a:outerShdw>
@@ -12592,7 +13106,7 @@
             <a:effectLst>
               <a:outerShdw blurRad="38100" dist="20000" dir="5400000" rotWithShape="0">
                 <a:schemeClr val="accent4">
-                  <a:lumOff val="-43998"/>
+                  <a:lumOff val="-43996"/>
                   <a:alpha val="37647"/>
                 </a:schemeClr>
               </a:outerShdw>
@@ -12898,7 +13412,7 @@
             <a:effectLst>
               <a:outerShdw blurRad="38100" dist="20000" dir="5400000" rotWithShape="0">
                 <a:schemeClr val="accent4">
-                  <a:lumOff val="-43998"/>
+                  <a:lumOff val="-43996"/>
                   <a:alpha val="37647"/>
                 </a:schemeClr>
               </a:outerShdw>
@@ -13016,7 +13530,7 @@
             <a:effectLst>
               <a:outerShdw blurRad="38100" dist="20000" dir="5400000" rotWithShape="0">
                 <a:schemeClr val="accent4">
-                  <a:lumOff val="-43998"/>
+                  <a:lumOff val="-43996"/>
                   <a:alpha val="37647"/>
                 </a:schemeClr>
               </a:outerShdw>
@@ -13136,7 +13650,7 @@
             <a:effectLst>
               <a:outerShdw blurRad="38100" dist="20000" dir="5400000" rotWithShape="0">
                 <a:schemeClr val="accent4">
-                  <a:lumOff val="-43998"/>
+                  <a:lumOff val="-43996"/>
                   <a:alpha val="37647"/>
                 </a:schemeClr>
               </a:outerShdw>
@@ -13310,376 +13824,7 @@
 </p:sld>
 </file>
 
-<file path=ppt/slides/slide8.xml><?xml version="1.0" encoding="utf-8"?>
-<p:sld xmlns:a="http://schemas.openxmlformats.org/drawingml/2006/main" xmlns:r="http://schemas.openxmlformats.org/officeDocument/2006/relationships" xmlns:p="http://schemas.openxmlformats.org/presentationml/2006/main">
-  <p:cSld>
-    <p:spTree>
-      <p:nvGrpSpPr>
-        <p:cNvPr id="1" name=""/>
-        <p:cNvGrpSpPr/>
-        <p:nvPr/>
-      </p:nvGrpSpPr>
-      <p:grpSpPr>
-        <a:xfrm>
-          <a:off x="0" y="0"/>
-          <a:ext cx="0" cy="0"/>
-          <a:chOff x="0" y="0"/>
-          <a:chExt cx="0" cy="0"/>
-        </a:xfrm>
-      </p:grpSpPr>
-      <p:sp>
-        <p:nvSpPr>
-          <p:cNvPr id="367" name="Shape 367"/>
-          <p:cNvSpPr/>
-          <p:nvPr/>
-        </p:nvSpPr>
-        <p:spPr>
-          <a:xfrm>
-            <a:off x="3194685" y="493395"/>
-            <a:ext cx="2781935" cy="553085"/>
-          </a:xfrm>
-          <a:prstGeom prst="rect">
-            <a:avLst/>
-          </a:prstGeom>
-          <a:ln w="12700">
-            <a:miter lim="400000"/>
-          </a:ln>
-        </p:spPr>
-        <p:txBody>
-          <a:bodyPr wrap="square" lIns="45719" rIns="45719">
-            <a:spAutoFit/>
-          </a:bodyPr>
-          <a:lstStyle>
-            <a:lvl1pPr algn="ctr">
-              <a:defRPr sz="3000" b="1">
-                <a:solidFill>
-                  <a:srgbClr val="C94251"/>
-                </a:solidFill>
-                <a:latin typeface="微软雅黑"/>
-                <a:ea typeface="微软雅黑"/>
-                <a:cs typeface="微软雅黑"/>
-                <a:sym typeface="微软雅黑"/>
-              </a:defRPr>
-            </a:lvl1pPr>
-          </a:lstStyle>
-          <a:p>
-            <a:pPr lvl="1" indent="0">
-              <a:spcBef>
-                <a:spcPts val="400"/>
-              </a:spcBef>
-              <a:defRPr b="1">
-                <a:latin typeface="微软雅黑"/>
-                <a:ea typeface="微软雅黑"/>
-                <a:cs typeface="微软雅黑"/>
-                <a:sym typeface="微软雅黑"/>
-              </a:defRPr>
-            </a:pPr>
-            <a:r>
-              <a:rPr sz="3000">
-                <a:solidFill>
-                  <a:srgbClr val="FF0000"/>
-                </a:solidFill>
-                <a:sym typeface="+mn-ea"/>
-              </a:rPr>
-              <a:t>Mockito资源</a:t>
-            </a:r>
-            <a:endParaRPr sz="3000">
-              <a:solidFill>
-                <a:srgbClr val="FF0000"/>
-              </a:solidFill>
-              <a:sym typeface="+mn-ea"/>
-            </a:endParaRPr>
-          </a:p>
-        </p:txBody>
-      </p:sp>
-      <p:sp>
-        <p:nvSpPr>
-          <p:cNvPr id="3" name="文本框 2"/>
-          <p:cNvSpPr txBox="1"/>
-          <p:nvPr/>
-        </p:nvSpPr>
-        <p:spPr>
-          <a:xfrm>
-            <a:off x="467995" y="1473518"/>
-            <a:ext cx="7585710" cy="1751965"/>
-          </a:xfrm>
-          <a:prstGeom prst="rect">
-            <a:avLst/>
-          </a:prstGeom>
-          <a:noFill/>
-          <a:ln w="12700" cap="flat">
-            <a:noFill/>
-            <a:miter lim="400000"/>
-          </a:ln>
-        </p:spPr>
-        <p:style>
-          <a:lnRef idx="0">
-            <a:srgbClr val="FFFFFF"/>
-          </a:lnRef>
-          <a:fillRef idx="0">
-            <a:srgbClr val="FFFFFF"/>
-          </a:fillRef>
-          <a:effectRef idx="0">
-            <a:srgbClr val="FFFFFF"/>
-          </a:effectRef>
-          <a:fontRef idx="none"/>
-        </p:style>
-        <p:txBody>
-          <a:bodyPr rot="0" vertOverflow="overflow" horzOverflow="overflow" vert="horz" wrap="square" lIns="45719" tIns="45719" rIns="45719" bIns="45719" numCol="1" spcCol="38100" rtlCol="0" anchor="ctr" anchorCtr="0" forceAA="0" upright="0">
-            <a:spAutoFit/>
-          </a:bodyPr>
-          <a:p>
-            <a:pPr marL="0" marR="0" indent="0" algn="l" defTabSz="914400" rtl="0" fontAlgn="auto" latinLnBrk="0" hangingPunct="0">
-              <a:lnSpc>
-                <a:spcPct val="100000"/>
-              </a:lnSpc>
-              <a:spcBef>
-                <a:spcPts val="0"/>
-              </a:spcBef>
-              <a:spcAft>
-                <a:spcPts val="0"/>
-              </a:spcAft>
-              <a:buClrTx/>
-              <a:buSzTx/>
-              <a:buFontTx/>
-              <a:buNone/>
-            </a:pPr>
-            <a:r>
-              <a:rPr kumimoji="0" lang="zh-CN" altLang="en-US" sz="1800" b="0" i="0" u="none" strike="noStrike" cap="none" spc="0" normalizeH="0" baseline="0">
-                <a:ln>
-                  <a:noFill/>
-                </a:ln>
-                <a:solidFill>
-                  <a:schemeClr val="accent4">
-                    <a:lumOff val="-43999"/>
-                  </a:schemeClr>
-                </a:solidFill>
-                <a:effectLst/>
-                <a:uFillTx/>
-                <a:latin typeface="Cambria"/>
-                <a:ea typeface="Cambria"/>
-                <a:cs typeface="Cambria"/>
-                <a:sym typeface="Cambria"/>
-              </a:rPr>
-              <a:t>官网： https://site.mockito.org/</a:t>
-            </a:r>
-            <a:endParaRPr kumimoji="0" lang="zh-CN" altLang="en-US" sz="1800" b="0" i="0" u="none" strike="noStrike" cap="none" spc="0" normalizeH="0" baseline="0">
-              <a:ln>
-                <a:noFill/>
-              </a:ln>
-              <a:solidFill>
-                <a:schemeClr val="accent4">
-                  <a:lumOff val="-43999"/>
-                </a:schemeClr>
-              </a:solidFill>
-              <a:effectLst/>
-              <a:uFillTx/>
-              <a:latin typeface="Cambria"/>
-              <a:ea typeface="Cambria"/>
-              <a:cs typeface="Cambria"/>
-              <a:sym typeface="Cambria"/>
-            </a:endParaRPr>
-          </a:p>
-          <a:p>
-            <a:pPr marL="0" marR="0" indent="0" algn="l" defTabSz="914400" rtl="0" fontAlgn="auto" latinLnBrk="0" hangingPunct="0">
-              <a:lnSpc>
-                <a:spcPct val="100000"/>
-              </a:lnSpc>
-              <a:spcBef>
-                <a:spcPts val="0"/>
-              </a:spcBef>
-              <a:spcAft>
-                <a:spcPts val="0"/>
-              </a:spcAft>
-              <a:buClrTx/>
-              <a:buSzTx/>
-              <a:buFontTx/>
-              <a:buNone/>
-            </a:pPr>
-            <a:endParaRPr kumimoji="0" lang="zh-CN" altLang="en-US" sz="1800" b="0" i="0" u="none" strike="noStrike" cap="none" spc="0" normalizeH="0" baseline="0">
-              <a:ln>
-                <a:noFill/>
-              </a:ln>
-              <a:solidFill>
-                <a:schemeClr val="accent4">
-                  <a:lumOff val="-43999"/>
-                </a:schemeClr>
-              </a:solidFill>
-              <a:effectLst/>
-              <a:uFillTx/>
-              <a:latin typeface="Cambria"/>
-              <a:ea typeface="Cambria"/>
-              <a:cs typeface="Cambria"/>
-              <a:sym typeface="Cambria"/>
-            </a:endParaRPr>
-          </a:p>
-          <a:p>
-            <a:pPr marL="0" marR="0" indent="0" algn="l" defTabSz="914400" rtl="0" fontAlgn="auto" latinLnBrk="0" hangingPunct="0">
-              <a:lnSpc>
-                <a:spcPct val="100000"/>
-              </a:lnSpc>
-              <a:spcBef>
-                <a:spcPts val="0"/>
-              </a:spcBef>
-              <a:spcAft>
-                <a:spcPts val="0"/>
-              </a:spcAft>
-              <a:buClrTx/>
-              <a:buSzTx/>
-              <a:buFontTx/>
-              <a:buNone/>
-            </a:pPr>
-            <a:r>
-              <a:rPr kumimoji="0" lang="zh-CN" altLang="en-US" sz="1800" b="0" i="0" u="none" strike="noStrike" cap="none" spc="0" normalizeH="0" baseline="0">
-                <a:ln>
-                  <a:noFill/>
-                </a:ln>
-                <a:solidFill>
-                  <a:schemeClr val="accent4">
-                    <a:lumOff val="-43999"/>
-                  </a:schemeClr>
-                </a:solidFill>
-                <a:effectLst/>
-                <a:uFillTx/>
-                <a:latin typeface="Cambria"/>
-                <a:ea typeface="Cambria"/>
-                <a:cs typeface="Cambria"/>
-                <a:sym typeface="Cambria"/>
-              </a:rPr>
-              <a:t>API文档：https://static.javadoc.io/org.mockito/mockito-core/2.23.0/org/mockito/Mockito.html</a:t>
-            </a:r>
-            <a:endParaRPr kumimoji="0" lang="zh-CN" altLang="en-US" sz="1800" b="0" i="0" u="none" strike="noStrike" cap="none" spc="0" normalizeH="0" baseline="0">
-              <a:ln>
-                <a:noFill/>
-              </a:ln>
-              <a:solidFill>
-                <a:schemeClr val="accent4">
-                  <a:lumOff val="-43999"/>
-                </a:schemeClr>
-              </a:solidFill>
-              <a:effectLst/>
-              <a:uFillTx/>
-              <a:latin typeface="Cambria"/>
-              <a:ea typeface="Cambria"/>
-              <a:cs typeface="Cambria"/>
-              <a:sym typeface="Cambria"/>
-            </a:endParaRPr>
-          </a:p>
-          <a:p>
-            <a:pPr marL="0" marR="0" indent="0" algn="l" defTabSz="914400" rtl="0" fontAlgn="auto" latinLnBrk="0" hangingPunct="0">
-              <a:lnSpc>
-                <a:spcPct val="100000"/>
-              </a:lnSpc>
-              <a:spcBef>
-                <a:spcPts val="0"/>
-              </a:spcBef>
-              <a:spcAft>
-                <a:spcPts val="0"/>
-              </a:spcAft>
-              <a:buClrTx/>
-              <a:buSzTx/>
-              <a:buFontTx/>
-              <a:buNone/>
-            </a:pPr>
-            <a:endParaRPr kumimoji="0" lang="zh-CN" altLang="en-US" sz="1800" b="0" i="0" u="none" strike="noStrike" cap="none" spc="0" normalizeH="0" baseline="0">
-              <a:ln>
-                <a:noFill/>
-              </a:ln>
-              <a:solidFill>
-                <a:schemeClr val="accent4">
-                  <a:lumOff val="-43999"/>
-                </a:schemeClr>
-              </a:solidFill>
-              <a:effectLst/>
-              <a:uFillTx/>
-              <a:latin typeface="Cambria"/>
-              <a:ea typeface="Cambria"/>
-              <a:cs typeface="Cambria"/>
-              <a:sym typeface="Cambria"/>
-            </a:endParaRPr>
-          </a:p>
-          <a:p>
-            <a:pPr marL="0" marR="0" indent="0" algn="l" defTabSz="914400" rtl="0" fontAlgn="auto" latinLnBrk="0" hangingPunct="0">
-              <a:lnSpc>
-                <a:spcPct val="100000"/>
-              </a:lnSpc>
-              <a:spcBef>
-                <a:spcPts val="0"/>
-              </a:spcBef>
-              <a:spcAft>
-                <a:spcPts val="0"/>
-              </a:spcAft>
-              <a:buClrTx/>
-              <a:buSzTx/>
-              <a:buFontTx/>
-              <a:buNone/>
-            </a:pPr>
-            <a:r>
-              <a:rPr kumimoji="0" lang="zh-CN" altLang="en-US" sz="1800" b="0" i="0" u="none" strike="noStrike" cap="none" spc="0" normalizeH="0" baseline="0">
-                <a:ln>
-                  <a:noFill/>
-                </a:ln>
-                <a:solidFill>
-                  <a:schemeClr val="accent4">
-                    <a:lumOff val="-43999"/>
-                  </a:schemeClr>
-                </a:solidFill>
-                <a:effectLst/>
-                <a:uFillTx/>
-                <a:latin typeface="Cambria"/>
-                <a:ea typeface="Cambria"/>
-                <a:cs typeface="Cambria"/>
-                <a:sym typeface="Cambria"/>
-              </a:rPr>
-              <a:t>项目源码：https://github.com/mockito/mockito </a:t>
-            </a:r>
-            <a:endParaRPr kumimoji="0" lang="zh-CN" altLang="en-US" sz="1800" b="0" i="0" u="none" strike="noStrike" cap="none" spc="0" normalizeH="0" baseline="0">
-              <a:ln>
-                <a:noFill/>
-              </a:ln>
-              <a:solidFill>
-                <a:schemeClr val="accent4">
-                  <a:lumOff val="-43999"/>
-                </a:schemeClr>
-              </a:solidFill>
-              <a:effectLst/>
-              <a:uFillTx/>
-              <a:latin typeface="Cambria"/>
-              <a:ea typeface="Cambria"/>
-              <a:cs typeface="Cambria"/>
-              <a:sym typeface="Cambria"/>
-            </a:endParaRPr>
-          </a:p>
-        </p:txBody>
-      </p:sp>
-    </p:spTree>
-  </p:cSld>
-  <p:clrMapOvr>
-    <a:masterClrMapping/>
-  </p:clrMapOvr>
-  <mc:AlternateContent xmlns:mc="http://schemas.openxmlformats.org/markup-compatibility/2006">
-    <mc:Choice xmlns:p14="http://schemas.microsoft.com/office/powerpoint/2010/main" Requires="p14">
-      <p:transition p14:dur="9">
-        <p:random/>
-      </p:transition>
-    </mc:Choice>
-    <mc:Fallback>
-      <p:transition>
-        <p:random/>
-      </p:transition>
-    </mc:Fallback>
-  </mc:AlternateContent>
-  <p:timing>
-    <p:tnLst>
-      <p:par>
-        <p:cTn id="1" dur="indefinite" restart="never" fill="hold" nodeType="tmRoot"/>
-      </p:par>
-    </p:tnLst>
-  </p:timing>
-</p:sld>
-</file>
-
-<file path=ppt/slides/slide9.xml><?xml version="1.0" encoding="utf-8"?>
+<file path=ppt/slides/slide7.xml><?xml version="1.0" encoding="utf-8"?>
 <p:sld xmlns:a="http://schemas.openxmlformats.org/drawingml/2006/main" xmlns:r="http://schemas.openxmlformats.org/officeDocument/2006/relationships" xmlns:p="http://schemas.openxmlformats.org/presentationml/2006/main">
   <p:cSld>
     <p:spTree>
@@ -14452,6 +14597,218 @@
 </p:sld>
 </file>
 
+<file path=ppt/slides/slide8.xml><?xml version="1.0" encoding="utf-8"?>
+<p:sld xmlns:a="http://schemas.openxmlformats.org/drawingml/2006/main" xmlns:r="http://schemas.openxmlformats.org/officeDocument/2006/relationships" xmlns:p="http://schemas.openxmlformats.org/presentationml/2006/main">
+  <p:cSld>
+    <p:spTree>
+      <p:nvGrpSpPr>
+        <p:cNvPr id="1" name=""/>
+        <p:cNvGrpSpPr/>
+        <p:nvPr/>
+      </p:nvGrpSpPr>
+      <p:grpSpPr>
+        <a:xfrm>
+          <a:off x="0" y="0"/>
+          <a:ext cx="0" cy="0"/>
+          <a:chOff x="0" y="0"/>
+          <a:chExt cx="0" cy="0"/>
+        </a:xfrm>
+      </p:grpSpPr>
+      <p:sp>
+        <p:nvSpPr>
+          <p:cNvPr id="417" name="Shape 417"/>
+          <p:cNvSpPr/>
+          <p:nvPr/>
+        </p:nvSpPr>
+        <p:spPr>
+          <a:xfrm>
+            <a:off x="3251200" y="2286000"/>
+            <a:ext cx="2495995" cy="624840"/>
+          </a:xfrm>
+          <a:prstGeom prst="rect">
+            <a:avLst/>
+          </a:prstGeom>
+          <a:ln w="12700">
+            <a:miter lim="400000"/>
+          </a:ln>
+        </p:spPr>
+        <p:txBody>
+          <a:bodyPr wrap="none" lIns="45719" rIns="45719">
+            <a:spAutoFit/>
+          </a:bodyPr>
+          <a:lstStyle>
+            <a:lvl1pPr>
+              <a:defRPr sz="3000" b="1">
+                <a:solidFill>
+                  <a:srgbClr val="C9394A"/>
+                </a:solidFill>
+                <a:latin typeface="微软雅黑"/>
+                <a:ea typeface="微软雅黑"/>
+                <a:cs typeface="微软雅黑"/>
+                <a:sym typeface="微软雅黑"/>
+              </a:defRPr>
+            </a:lvl1pPr>
+          </a:lstStyle>
+          <a:p>
+            <a:r>
+              <a:t>第二部分 实践</a:t>
+            </a:r>
+          </a:p>
+        </p:txBody>
+      </p:sp>
+    </p:spTree>
+  </p:cSld>
+  <p:clrMapOvr>
+    <a:masterClrMapping/>
+  </p:clrMapOvr>
+  <mc:AlternateContent xmlns:mc="http://schemas.openxmlformats.org/markup-compatibility/2006">
+    <mc:Choice xmlns:p14="http://schemas.microsoft.com/office/powerpoint/2010/main" Requires="p14">
+      <p:transition p14:dur="9">
+        <p:random/>
+      </p:transition>
+    </mc:Choice>
+    <mc:Fallback>
+      <p:transition>
+        <p:random/>
+      </p:transition>
+    </mc:Fallback>
+  </mc:AlternateContent>
+</p:sld>
+</file>
+
+<file path=ppt/slides/slide9.xml><?xml version="1.0" encoding="utf-8"?>
+<p:sld xmlns:a="http://schemas.openxmlformats.org/drawingml/2006/main" xmlns:r="http://schemas.openxmlformats.org/officeDocument/2006/relationships" xmlns:p="http://schemas.openxmlformats.org/presentationml/2006/main">
+  <p:cSld>
+    <p:spTree>
+      <p:nvGrpSpPr>
+        <p:cNvPr id="1" name=""/>
+        <p:cNvGrpSpPr/>
+        <p:nvPr/>
+      </p:nvGrpSpPr>
+      <p:grpSpPr>
+        <a:xfrm>
+          <a:off x="0" y="0"/>
+          <a:ext cx="0" cy="0"/>
+          <a:chOff x="0" y="0"/>
+          <a:chExt cx="0" cy="0"/>
+        </a:xfrm>
+      </p:grpSpPr>
+      <p:sp>
+        <p:nvSpPr>
+          <p:cNvPr id="326" name="Shape 326"/>
+          <p:cNvSpPr/>
+          <p:nvPr/>
+        </p:nvSpPr>
+        <p:spPr>
+          <a:xfrm>
+            <a:off x="3340151" y="497054"/>
+            <a:ext cx="2928620" cy="553085"/>
+          </a:xfrm>
+          <a:prstGeom prst="rect">
+            <a:avLst/>
+          </a:prstGeom>
+          <a:ln w="12700">
+            <a:miter lim="400000"/>
+          </a:ln>
+        </p:spPr>
+        <p:txBody>
+          <a:bodyPr wrap="none" lIns="45719" rIns="45719">
+            <a:spAutoFit/>
+          </a:bodyPr>
+          <a:lstStyle>
+            <a:lvl1pPr>
+              <a:defRPr sz="3000" b="1">
+                <a:solidFill>
+                  <a:srgbClr val="C94251"/>
+                </a:solidFill>
+                <a:latin typeface="微软雅黑"/>
+                <a:ea typeface="微软雅黑"/>
+                <a:cs typeface="微软雅黑"/>
+                <a:sym typeface="微软雅黑"/>
+              </a:defRPr>
+            </a:lvl1pPr>
+          </a:lstStyle>
+          <a:p>
+            <a:pPr lvl="1" indent="0" algn="l">
+              <a:spcBef>
+                <a:spcPts val="400"/>
+              </a:spcBef>
+              <a:defRPr b="1">
+                <a:latin typeface="微软雅黑"/>
+                <a:ea typeface="微软雅黑"/>
+                <a:cs typeface="微软雅黑"/>
+                <a:sym typeface="微软雅黑"/>
+              </a:defRPr>
+            </a:pPr>
+            <a:r>
+              <a:rPr sz="3000">
+                <a:solidFill>
+                  <a:srgbClr val="FF0000"/>
+                </a:solidFill>
+                <a:sym typeface="+mn-ea"/>
+              </a:rPr>
+              <a:t>添加maven依赖</a:t>
+            </a:r>
+            <a:endParaRPr sz="3000">
+              <a:solidFill>
+                <a:srgbClr val="FF0000"/>
+              </a:solidFill>
+              <a:sym typeface="+mn-ea"/>
+            </a:endParaRPr>
+          </a:p>
+        </p:txBody>
+      </p:sp>
+      <p:pic>
+        <p:nvPicPr>
+          <p:cNvPr id="2" name="图片 1"/>
+          <p:cNvPicPr>
+            <a:picLocks noChangeAspect="1"/>
+          </p:cNvPicPr>
+          <p:nvPr/>
+        </p:nvPicPr>
+        <p:blipFill>
+          <a:blip r:embed="rId1"/>
+          <a:stretch>
+            <a:fillRect/>
+          </a:stretch>
+        </p:blipFill>
+        <p:spPr>
+          <a:xfrm>
+            <a:off x="1632585" y="1403350"/>
+            <a:ext cx="6019800" cy="3454400"/>
+          </a:xfrm>
+          <a:prstGeom prst="rect">
+            <a:avLst/>
+          </a:prstGeom>
+        </p:spPr>
+      </p:pic>
+    </p:spTree>
+  </p:cSld>
+  <p:clrMapOvr>
+    <a:masterClrMapping/>
+  </p:clrMapOvr>
+  <mc:AlternateContent xmlns:mc="http://schemas.openxmlformats.org/markup-compatibility/2006">
+    <mc:Choice xmlns:p14="http://schemas.microsoft.com/office/powerpoint/2010/main" Requires="p14">
+      <p:transition p14:dur="9">
+        <p:random/>
+      </p:transition>
+    </mc:Choice>
+    <mc:Fallback>
+      <p:transition>
+        <p:random/>
+      </p:transition>
+    </mc:Fallback>
+  </mc:AlternateContent>
+  <p:timing>
+    <p:tnLst>
+      <p:par>
+        <p:cTn id="1" dur="indefinite" restart="never" fill="hold" nodeType="tmRoot"/>
+      </p:par>
+    </p:tnLst>
+  </p:timing>
+</p:sld>
+</file>
+
 <file path=ppt/theme/theme1.xml><?xml version="1.0" encoding="utf-8"?>
 <a:theme xmlns:a="http://schemas.openxmlformats.org/drawingml/2006/main" name="讲师ppt模板20141215">
   <a:themeElements>
@@ -14676,7 +15033,7 @@
             </a:ln>
             <a:solidFill>
               <a:schemeClr val="accent4">
-                <a:lumOff val="-43999"/>
+                <a:lumOff val="-43997"/>
               </a:schemeClr>
             </a:solidFill>
             <a:effectLst/>
@@ -15234,7 +15591,7 @@
             </a:ln>
             <a:solidFill>
               <a:schemeClr val="accent4">
-                <a:lumOff val="-43999"/>
+                <a:lumOff val="-43997"/>
               </a:schemeClr>
             </a:solidFill>
             <a:effectLst/>
@@ -15717,7 +16074,7 @@
             </a:ln>
             <a:solidFill>
               <a:schemeClr val="accent4">
-                <a:lumOff val="-43999"/>
+                <a:lumOff val="-43997"/>
               </a:schemeClr>
             </a:solidFill>
             <a:effectLst/>
@@ -16275,7 +16632,7 @@
             </a:ln>
             <a:solidFill>
               <a:schemeClr val="accent4">
-                <a:lumOff val="-43999"/>
+                <a:lumOff val="-43997"/>
               </a:schemeClr>
             </a:solidFill>
             <a:effectLst/>
